--- a/Slide/B팀_Claude_뇌출혈 조기 진단 프로젝트.pptx
+++ b/Slide/B팀_Claude_뇌출혈 조기 진단 프로젝트.pptx
@@ -5,7 +5,7 @@
     <p:sldMasterId id="2147483648" r:id="rId1"/>
   </p:sldMasterIdLst>
   <p:notesMasterIdLst>
-    <p:notesMasterId r:id="rId26"/>
+    <p:notesMasterId r:id="rId27"/>
   </p:notesMasterIdLst>
   <p:sldIdLst>
     <p:sldId id="256" r:id="rId2"/>
@@ -27,40 +27,41 @@
     <p:sldId id="313" r:id="rId18"/>
     <p:sldId id="305" r:id="rId19"/>
     <p:sldId id="304" r:id="rId20"/>
-    <p:sldId id="290" r:id="rId21"/>
-    <p:sldId id="291" r:id="rId22"/>
-    <p:sldId id="292" r:id="rId23"/>
-    <p:sldId id="296" r:id="rId24"/>
-    <p:sldId id="297" r:id="rId25"/>
+    <p:sldId id="314" r:id="rId21"/>
+    <p:sldId id="290" r:id="rId22"/>
+    <p:sldId id="291" r:id="rId23"/>
+    <p:sldId id="292" r:id="rId24"/>
+    <p:sldId id="296" r:id="rId25"/>
+    <p:sldId id="297" r:id="rId26"/>
   </p:sldIdLst>
   <p:sldSz cx="24384000" cy="13716000"/>
   <p:notesSz cx="6858000" cy="9144000"/>
   <p:embeddedFontLst>
     <p:embeddedFont>
       <p:font typeface="Calibri" panose="020F0502020204030204" pitchFamily="34" charset="0"/>
-      <p:regular r:id="rId27"/>
-      <p:bold r:id="rId28"/>
-      <p:italic r:id="rId29"/>
-      <p:boldItalic r:id="rId30"/>
+      <p:regular r:id="rId28"/>
+      <p:bold r:id="rId29"/>
+      <p:italic r:id="rId30"/>
+      <p:boldItalic r:id="rId31"/>
     </p:embeddedFont>
     <p:embeddedFont>
       <p:font typeface="Noto Sans KR ExtraBold" panose="020B0200000000000000" pitchFamily="50" charset="-127"/>
-      <p:bold r:id="rId31"/>
+      <p:bold r:id="rId32"/>
     </p:embeddedFont>
     <p:embeddedFont>
       <p:font typeface="Roboto Condensed ExtraBold" panose="02000000000000000000" pitchFamily="2" charset="0"/>
-      <p:bold r:id="rId32"/>
-      <p:boldItalic r:id="rId33"/>
+      <p:bold r:id="rId33"/>
+      <p:boldItalic r:id="rId34"/>
     </p:embeddedFont>
     <p:embeddedFont>
       <p:font typeface="Roboto ExtraBold" panose="02000000000000000000" pitchFamily="2" charset="0"/>
-      <p:bold r:id="rId34"/>
-      <p:boldItalic r:id="rId35"/>
+      <p:bold r:id="rId35"/>
+      <p:boldItalic r:id="rId36"/>
     </p:embeddedFont>
     <p:embeddedFont>
       <p:font typeface="맑은 고딕" panose="020B0503020000020004" pitchFamily="50" charset="-127"/>
-      <p:regular r:id="rId36"/>
-      <p:bold r:id="rId37"/>
+      <p:regular r:id="rId37"/>
+      <p:bold r:id="rId38"/>
     </p:embeddedFont>
   </p:embeddedFontLst>
   <p:defaultTextStyle>
@@ -272,7 +273,7 @@
             <a:fld id="{199B0B15-B3E4-41E0-8C00-BEF0642D7BEB}" type="datetimeFigureOut">
               <a:rPr lang="ko-KR" altLang="en-US" smtClean="0"/>
               <a:pPr/>
-              <a:t>2025-12-04</a:t>
+              <a:t>2025-12-05</a:t>
             </a:fld>
             <a:endParaRPr lang="ko-KR" altLang="en-US"/>
           </a:p>
@@ -1074,7 +1075,7 @@
             <a:fld id="{1D8BD707-D9CF-40AE-B4C6-C98DA3205C09}" type="datetimeFigureOut">
               <a:rPr lang="en-US" smtClean="0"/>
               <a:pPr/>
-              <a:t>12/4/2025</a:t>
+              <a:t>12/5/2025</a:t>
             </a:fld>
             <a:endParaRPr lang="en-US"/>
           </a:p>
@@ -1239,7 +1240,7 @@
             <a:fld id="{1D8BD707-D9CF-40AE-B4C6-C98DA3205C09}" type="datetimeFigureOut">
               <a:rPr lang="en-US" smtClean="0"/>
               <a:pPr/>
-              <a:t>12/4/2025</a:t>
+              <a:t>12/5/2025</a:t>
             </a:fld>
             <a:endParaRPr lang="en-US"/>
           </a:p>
@@ -1414,7 +1415,7 @@
             <a:fld id="{1D8BD707-D9CF-40AE-B4C6-C98DA3205C09}" type="datetimeFigureOut">
               <a:rPr lang="en-US" smtClean="0"/>
               <a:pPr/>
-              <a:t>12/4/2025</a:t>
+              <a:t>12/5/2025</a:t>
             </a:fld>
             <a:endParaRPr lang="en-US"/>
           </a:p>
@@ -1609,7 +1610,7 @@
             <a:fld id="{1D8BD707-D9CF-40AE-B4C6-C98DA3205C09}" type="datetimeFigureOut">
               <a:rPr lang="en-US" smtClean="0"/>
               <a:pPr/>
-              <a:t>12/4/2025</a:t>
+              <a:t>12/5/2025</a:t>
             </a:fld>
             <a:endParaRPr lang="en-US"/>
           </a:p>
@@ -1851,7 +1852,7 @@
             <a:fld id="{1D8BD707-D9CF-40AE-B4C6-C98DA3205C09}" type="datetimeFigureOut">
               <a:rPr lang="en-US" smtClean="0"/>
               <a:pPr/>
-              <a:t>12/4/2025</a:t>
+              <a:t>12/5/2025</a:t>
             </a:fld>
             <a:endParaRPr lang="en-US"/>
           </a:p>
@@ -2133,7 +2134,7 @@
             <a:fld id="{1D8BD707-D9CF-40AE-B4C6-C98DA3205C09}" type="datetimeFigureOut">
               <a:rPr lang="en-US" smtClean="0"/>
               <a:pPr/>
-              <a:t>12/4/2025</a:t>
+              <a:t>12/5/2025</a:t>
             </a:fld>
             <a:endParaRPr lang="en-US"/>
           </a:p>
@@ -2549,7 +2550,7 @@
             <a:fld id="{1D8BD707-D9CF-40AE-B4C6-C98DA3205C09}" type="datetimeFigureOut">
               <a:rPr lang="en-US" smtClean="0"/>
               <a:pPr/>
-              <a:t>12/4/2025</a:t>
+              <a:t>12/5/2025</a:t>
             </a:fld>
             <a:endParaRPr lang="en-US"/>
           </a:p>
@@ -2663,7 +2664,7 @@
             <a:fld id="{1D8BD707-D9CF-40AE-B4C6-C98DA3205C09}" type="datetimeFigureOut">
               <a:rPr lang="en-US" smtClean="0"/>
               <a:pPr/>
-              <a:t>12/4/2025</a:t>
+              <a:t>12/5/2025</a:t>
             </a:fld>
             <a:endParaRPr lang="en-US"/>
           </a:p>
@@ -2755,7 +2756,7 @@
             <a:fld id="{1D8BD707-D9CF-40AE-B4C6-C98DA3205C09}" type="datetimeFigureOut">
               <a:rPr lang="en-US" smtClean="0"/>
               <a:pPr/>
-              <a:t>12/4/2025</a:t>
+              <a:t>12/5/2025</a:t>
             </a:fld>
             <a:endParaRPr lang="en-US"/>
           </a:p>
@@ -3027,7 +3028,7 @@
             <a:fld id="{1D8BD707-D9CF-40AE-B4C6-C98DA3205C09}" type="datetimeFigureOut">
               <a:rPr lang="en-US" smtClean="0"/>
               <a:pPr/>
-              <a:t>12/4/2025</a:t>
+              <a:t>12/5/2025</a:t>
             </a:fld>
             <a:endParaRPr lang="en-US"/>
           </a:p>
@@ -3276,7 +3277,7 @@
             <a:fld id="{1D8BD707-D9CF-40AE-B4C6-C98DA3205C09}" type="datetimeFigureOut">
               <a:rPr lang="en-US" smtClean="0"/>
               <a:pPr/>
-              <a:t>12/4/2025</a:t>
+              <a:t>12/5/2025</a:t>
             </a:fld>
             <a:endParaRPr lang="en-US"/>
           </a:p>
@@ -3484,7 +3485,7 @@
             <a:fld id="{1D8BD707-D9CF-40AE-B4C6-C98DA3205C09}" type="datetimeFigureOut">
               <a:rPr lang="en-US" smtClean="0"/>
               <a:pPr/>
-              <a:t>12/4/2025</a:t>
+              <a:t>12/5/2025</a:t>
             </a:fld>
             <a:endParaRPr lang="en-US"/>
           </a:p>
@@ -9828,7 +9829,21 @@
                 <a:latin typeface="Noto Sans KR ExtraBold" panose="020B0200000000000000" pitchFamily="50" charset="-127"/>
                 <a:ea typeface="Noto Sans KR ExtraBold" panose="020B0200000000000000" pitchFamily="50" charset="-127"/>
               </a:rPr>
-              <a:t>(users) </a:t>
+              <a:t>(</a:t>
+            </a:r>
+            <a:r>
+              <a:rPr lang="en-US" altLang="ko-KR" sz="5400" dirty="0">
+                <a:latin typeface="Roboto Condensed ExtraBold" panose="02000000000000000000" pitchFamily="2" charset="0"/>
+                <a:ea typeface="Roboto Condensed ExtraBold" panose="02000000000000000000" pitchFamily="2" charset="0"/>
+              </a:rPr>
+              <a:t>users</a:t>
+            </a:r>
+            <a:r>
+              <a:rPr lang="en-US" altLang="ko-KR" sz="5400" dirty="0">
+                <a:latin typeface="Noto Sans KR ExtraBold" panose="020B0200000000000000" pitchFamily="50" charset="-127"/>
+                <a:ea typeface="Noto Sans KR ExtraBold" panose="020B0200000000000000" pitchFamily="50" charset="-127"/>
+              </a:rPr>
+              <a:t>) </a:t>
             </a:r>
             <a:r>
               <a:rPr lang="ko-KR" altLang="en-US" sz="5400" dirty="0">
@@ -9948,13 +9963,19 @@
             </a:r>
             <a:r>
               <a:rPr lang="en-US" altLang="ko-KR" sz="5400" dirty="0" err="1">
-                <a:latin typeface="Noto Sans KR ExtraBold" panose="020B0200000000000000" pitchFamily="50" charset="-127"/>
-                <a:ea typeface="Noto Sans KR ExtraBold" panose="020B0200000000000000" pitchFamily="50" charset="-127"/>
+                <a:solidFill>
+                  <a:srgbClr val="FF0000"/>
+                </a:solidFill>
+                <a:latin typeface="Roboto Condensed ExtraBold" panose="02000000000000000000" pitchFamily="2" charset="0"/>
+                <a:ea typeface="Roboto Condensed ExtraBold" panose="02000000000000000000" pitchFamily="2" charset="0"/>
               </a:rPr>
               <a:t>Bcrypt</a:t>
             </a:r>
             <a:r>
               <a:rPr lang="en-US" altLang="ko-KR" sz="5400" dirty="0">
+                <a:solidFill>
+                  <a:srgbClr val="FF0000"/>
+                </a:solidFill>
                 <a:latin typeface="Noto Sans KR ExtraBold" panose="020B0200000000000000" pitchFamily="50" charset="-127"/>
                 <a:ea typeface="Noto Sans KR ExtraBold" panose="020B0200000000000000" pitchFamily="50" charset="-127"/>
               </a:rPr>
@@ -9962,12 +9983,18 @@
             </a:r>
             <a:r>
               <a:rPr lang="ko-KR" altLang="en-US" sz="5400" dirty="0">
+                <a:solidFill>
+                  <a:srgbClr val="FF0000"/>
+                </a:solidFill>
                 <a:latin typeface="Noto Sans KR ExtraBold" panose="020B0200000000000000" pitchFamily="50" charset="-127"/>
                 <a:ea typeface="Noto Sans KR ExtraBold" panose="020B0200000000000000" pitchFamily="50" charset="-127"/>
               </a:rPr>
               <a:t>활용</a:t>
             </a:r>
             <a:endParaRPr lang="en-US" altLang="ko-KR" sz="5400" dirty="0">
+              <a:solidFill>
+                <a:srgbClr val="FF0000"/>
+              </a:solidFill>
               <a:latin typeface="Noto Sans KR ExtraBold" panose="020B0200000000000000" pitchFamily="50" charset="-127"/>
               <a:ea typeface="Noto Sans KR ExtraBold" panose="020B0200000000000000" pitchFamily="50" charset="-127"/>
             </a:endParaRPr>
@@ -10853,16 +10880,6 @@
               </a:lnSpc>
             </a:pPr>
             <a:r>
-              <a:rPr lang="en-US" altLang="ko-KR" sz="6000" spc="-133" dirty="0">
-                <a:solidFill>
-                  <a:srgbClr val="197A52"/>
-                </a:solidFill>
-                <a:latin typeface="Noto Sans KR ExtraBold" panose="020B0200000000000000" pitchFamily="50" charset="-127"/>
-                <a:ea typeface="Noto Sans KR ExtraBold" panose="020B0200000000000000" pitchFamily="50" charset="-127"/>
-              </a:rPr>
-              <a:t>3</a:t>
-            </a:r>
-            <a:r>
               <a:rPr lang="en-US" altLang="ko-KR" sz="6000" b="0" i="0" u="none" strike="noStrike" spc="-133" dirty="0">
                 <a:solidFill>
                   <a:srgbClr val="197A52"/>
@@ -10870,7 +10887,7 @@
                 <a:latin typeface="Noto Sans KR ExtraBold" panose="020B0200000000000000" pitchFamily="50" charset="-127"/>
                 <a:ea typeface="Noto Sans KR ExtraBold" panose="020B0200000000000000" pitchFamily="50" charset="-127"/>
               </a:rPr>
-              <a:t>. </a:t>
+              <a:t>4. </a:t>
             </a:r>
             <a:r>
               <a:rPr lang="ko-KR" altLang="en-US" sz="6000" b="0" i="0" u="none" strike="noStrike" spc="-133" dirty="0" err="1">
@@ -10917,10 +10934,20 @@
                 <a:solidFill>
                   <a:srgbClr val="197A52"/>
                 </a:solidFill>
-                <a:latin typeface="Noto Sans KR ExtraBold" panose="020B0200000000000000" pitchFamily="50" charset="-127"/>
-                <a:ea typeface="Noto Sans KR ExtraBold" panose="020B0200000000000000" pitchFamily="50" charset="-127"/>
-              </a:rPr>
-              <a:t>DB </a:t>
+                <a:latin typeface="Roboto Condensed ExtraBold" panose="02000000000000000000" pitchFamily="2" charset="0"/>
+                <a:ea typeface="Roboto Condensed ExtraBold" panose="02000000000000000000" pitchFamily="2" charset="0"/>
+              </a:rPr>
+              <a:t>DB</a:t>
+            </a:r>
+            <a:r>
+              <a:rPr lang="en-US" altLang="ko-KR" sz="6000" b="0" i="0" u="none" strike="noStrike" spc="-133" dirty="0">
+                <a:solidFill>
+                  <a:srgbClr val="197A52"/>
+                </a:solidFill>
+                <a:latin typeface="Noto Sans KR ExtraBold" panose="020B0200000000000000" pitchFamily="50" charset="-127"/>
+                <a:ea typeface="Noto Sans KR ExtraBold" panose="020B0200000000000000" pitchFamily="50" charset="-127"/>
+              </a:rPr>
+              <a:t> </a:t>
             </a:r>
             <a:r>
               <a:rPr lang="ko-KR" altLang="en-US" sz="6000" b="0" i="0" u="none" strike="noStrike" spc="-133" dirty="0">
@@ -12537,6 +12564,16 @@
               </a:lnSpc>
             </a:pPr>
             <a:r>
+              <a:rPr lang="en-US" altLang="ko-KR" sz="6000" spc="-133" dirty="0">
+                <a:solidFill>
+                  <a:srgbClr val="197A52"/>
+                </a:solidFill>
+                <a:latin typeface="Noto Sans KR ExtraBold" panose="020B0200000000000000" pitchFamily="50" charset="-127"/>
+                <a:ea typeface="Noto Sans KR ExtraBold" panose="020B0200000000000000" pitchFamily="50" charset="-127"/>
+              </a:rPr>
+              <a:t>5</a:t>
+            </a:r>
+            <a:r>
               <a:rPr lang="en-US" altLang="ko-KR" sz="6000" b="0" i="0" u="none" strike="noStrike" spc="-133" dirty="0">
                 <a:solidFill>
                   <a:srgbClr val="197A52"/>
@@ -12544,15 +12581,15 @@
                 <a:latin typeface="Noto Sans KR ExtraBold" panose="020B0200000000000000" pitchFamily="50" charset="-127"/>
                 <a:ea typeface="Noto Sans KR ExtraBold" panose="020B0200000000000000" pitchFamily="50" charset="-127"/>
               </a:rPr>
-              <a:t>4. </a:t>
+              <a:t>. </a:t>
             </a:r>
             <a:r>
               <a:rPr lang="en-US" altLang="ko-KR" sz="6000" spc="-133" dirty="0" err="1">
                 <a:solidFill>
                   <a:srgbClr val="197A52"/>
                 </a:solidFill>
-                <a:latin typeface="Noto Sans KR ExtraBold" panose="020B0200000000000000" pitchFamily="50" charset="-127"/>
-                <a:ea typeface="Noto Sans KR ExtraBold" panose="020B0200000000000000" pitchFamily="50" charset="-127"/>
+                <a:latin typeface="Roboto Condensed ExtraBold" panose="02000000000000000000" pitchFamily="2" charset="0"/>
+                <a:ea typeface="Roboto Condensed ExtraBold" panose="02000000000000000000" pitchFamily="2" charset="0"/>
               </a:rPr>
               <a:t>Streamlit</a:t>
             </a:r>
@@ -12649,14 +12686,44 @@
                 <a:latin typeface="Noto Sans KR ExtraBold" panose="020B0200000000000000" pitchFamily="50" charset="-127"/>
                 <a:ea typeface="Noto Sans KR ExtraBold" panose="020B0200000000000000" pitchFamily="50" charset="-127"/>
               </a:rPr>
-              <a:t>     JWT </a:t>
+              <a:t>     </a:t>
+            </a:r>
+            <a:r>
+              <a:rPr lang="en-US" altLang="ko-KR" sz="5400" dirty="0">
+                <a:solidFill>
+                  <a:srgbClr val="FF0000"/>
+                </a:solidFill>
+                <a:latin typeface="Roboto Condensed ExtraBold" panose="02000000000000000000" pitchFamily="2" charset="0"/>
+                <a:ea typeface="Roboto Condensed ExtraBold" panose="02000000000000000000" pitchFamily="2" charset="0"/>
+              </a:rPr>
+              <a:t>JWT</a:t>
+            </a:r>
+            <a:r>
+              <a:rPr lang="en-US" altLang="ko-KR" sz="5400" dirty="0">
+                <a:solidFill>
+                  <a:srgbClr val="FF0000"/>
+                </a:solidFill>
+                <a:latin typeface="Noto Sans KR ExtraBold" panose="020B0200000000000000" pitchFamily="50" charset="-127"/>
+                <a:ea typeface="Noto Sans KR ExtraBold" panose="020B0200000000000000" pitchFamily="50" charset="-127"/>
+              </a:rPr>
+              <a:t> </a:t>
             </a:r>
             <a:r>
               <a:rPr lang="ko-KR" altLang="en-US" sz="5400" dirty="0">
-                <a:latin typeface="Noto Sans KR ExtraBold" panose="020B0200000000000000" pitchFamily="50" charset="-127"/>
-                <a:ea typeface="Noto Sans KR ExtraBold" panose="020B0200000000000000" pitchFamily="50" charset="-127"/>
-              </a:rPr>
-              <a:t>기반 사용자 인증 및</a:t>
+                <a:solidFill>
+                  <a:srgbClr val="FF0000"/>
+                </a:solidFill>
+                <a:latin typeface="Noto Sans KR ExtraBold" panose="020B0200000000000000" pitchFamily="50" charset="-127"/>
+                <a:ea typeface="Noto Sans KR ExtraBold" panose="020B0200000000000000" pitchFamily="50" charset="-127"/>
+              </a:rPr>
+              <a:t>기반 </a:t>
+            </a:r>
+            <a:r>
+              <a:rPr lang="ko-KR" altLang="en-US" sz="5400" dirty="0">
+                <a:latin typeface="Noto Sans KR ExtraBold" panose="020B0200000000000000" pitchFamily="50" charset="-127"/>
+                <a:ea typeface="Noto Sans KR ExtraBold" panose="020B0200000000000000" pitchFamily="50" charset="-127"/>
+              </a:rPr>
+              <a:t>사용자 인증 및</a:t>
             </a:r>
             <a:endParaRPr lang="en-US" altLang="ko-KR" sz="5400" dirty="0">
               <a:latin typeface="Noto Sans KR ExtraBold" panose="020B0200000000000000" pitchFamily="50" charset="-127"/>
@@ -13593,7 +13660,7 @@
                 <a:latin typeface="Roboto Condensed ExtraBold" panose="02000000000000000000" pitchFamily="2" charset="0"/>
                 <a:ea typeface="Roboto Condensed ExtraBold" panose="02000000000000000000" pitchFamily="2" charset="0"/>
               </a:rPr>
-              <a:t>4. </a:t>
+              <a:t>5. </a:t>
             </a:r>
             <a:r>
               <a:rPr lang="en-US" altLang="ko-KR" sz="6000" spc="-133" dirty="0" err="1">
@@ -13841,7 +13908,27 @@
                 <a:latin typeface="Noto Sans KR ExtraBold" panose="020B0200000000000000" pitchFamily="50" charset="-127"/>
                 <a:ea typeface="Noto Sans KR ExtraBold" panose="020B0200000000000000" pitchFamily="50" charset="-127"/>
               </a:rPr>
-              <a:t>     Grad-CAM </a:t>
+              <a:t>     </a:t>
+            </a:r>
+            <a:r>
+              <a:rPr lang="en-US" altLang="ko-KR" sz="5000" dirty="0">
+                <a:solidFill>
+                  <a:srgbClr val="FF0000"/>
+                </a:solidFill>
+                <a:latin typeface="Roboto Condensed ExtraBold" panose="02000000000000000000" pitchFamily="2" charset="0"/>
+                <a:ea typeface="Roboto Condensed ExtraBold" panose="02000000000000000000" pitchFamily="2" charset="0"/>
+              </a:rPr>
+              <a:t>Grad-CAM</a:t>
+            </a:r>
+            <a:r>
+              <a:rPr lang="en-US" altLang="ko-KR" sz="5000" dirty="0">
+                <a:solidFill>
+                  <a:srgbClr val="FF0000"/>
+                </a:solidFill>
+                <a:latin typeface="Noto Sans KR ExtraBold" panose="020B0200000000000000" pitchFamily="50" charset="-127"/>
+                <a:ea typeface="Noto Sans KR ExtraBold" panose="020B0200000000000000" pitchFamily="50" charset="-127"/>
+              </a:rPr>
+              <a:t> </a:t>
             </a:r>
             <a:r>
               <a:rPr lang="ko-KR" altLang="en-US" sz="5000" dirty="0" err="1">
@@ -13933,7 +14020,7 @@
                 <a:latin typeface="Roboto Condensed ExtraBold" panose="02000000000000000000" pitchFamily="2" charset="0"/>
                 <a:ea typeface="Roboto Condensed ExtraBold" panose="02000000000000000000" pitchFamily="2" charset="0"/>
               </a:rPr>
-              <a:t>4. </a:t>
+              <a:t>5. </a:t>
             </a:r>
             <a:r>
               <a:rPr lang="en-US" altLang="ko-KR" sz="6000" spc="-133" dirty="0" err="1">
@@ -15278,6 +15365,540 @@
 <file path=ppt/slides/slide20.xml><?xml version="1.0" encoding="utf-8"?>
 <p:sld xmlns:a="http://schemas.openxmlformats.org/drawingml/2006/main" xmlns:r="http://schemas.openxmlformats.org/officeDocument/2006/relationships" xmlns:p="http://schemas.openxmlformats.org/presentationml/2006/main">
   <p:cSld>
+    <p:spTree>
+      <p:nvGrpSpPr>
+        <p:cNvPr id="1" name=""/>
+        <p:cNvGrpSpPr/>
+        <p:nvPr/>
+      </p:nvGrpSpPr>
+      <p:grpSpPr>
+        <a:xfrm>
+          <a:off x="0" y="0"/>
+          <a:ext cx="0" cy="0"/>
+          <a:chOff x="0" y="0"/>
+          <a:chExt cx="0" cy="0"/>
+        </a:xfrm>
+      </p:grpSpPr>
+      <p:sp>
+        <p:nvSpPr>
+          <p:cNvPr id="24" name="TextBox 14">
+            <a:extLst>
+              <a:ext uri="{FF2B5EF4-FFF2-40B4-BE49-F238E27FC236}">
+                <a16:creationId xmlns:a16="http://schemas.microsoft.com/office/drawing/2014/main" id="{78BCC73D-3189-4D8B-B658-003D5B3BBF94}"/>
+              </a:ext>
+            </a:extLst>
+          </p:cNvPr>
+          <p:cNvSpPr txBox="1"/>
+          <p:nvPr/>
+        </p:nvSpPr>
+        <p:spPr>
+          <a:xfrm>
+            <a:off x="1320799" y="870236"/>
+            <a:ext cx="8089901" cy="1251989"/>
+          </a:xfrm>
+          <a:prstGeom prst="rect">
+            <a:avLst/>
+          </a:prstGeom>
+        </p:spPr>
+        <p:txBody>
+          <a:bodyPr rtlCol="0" anchor="t"/>
+          <a:lstStyle/>
+          <a:p>
+            <a:pPr lvl="0" algn="l">
+              <a:lnSpc>
+                <a:spcPct val="116199"/>
+              </a:lnSpc>
+            </a:pPr>
+            <a:r>
+              <a:rPr lang="en-US" altLang="ko-KR" sz="7000" spc="-133" dirty="0">
+                <a:latin typeface="Noto Sans KR ExtraBold" panose="020B0200000000000000" pitchFamily="50" charset="-127"/>
+                <a:ea typeface="Noto Sans KR ExtraBold" panose="020B0200000000000000" pitchFamily="50" charset="-127"/>
+              </a:rPr>
+              <a:t>4</a:t>
+            </a:r>
+            <a:r>
+              <a:rPr lang="en-US" altLang="ko-KR" sz="7000" b="0" i="0" u="none" strike="noStrike" spc="-133" dirty="0">
+                <a:latin typeface="Noto Sans KR ExtraBold" panose="020B0200000000000000" pitchFamily="50" charset="-127"/>
+                <a:ea typeface="Noto Sans KR ExtraBold" panose="020B0200000000000000" pitchFamily="50" charset="-127"/>
+              </a:rPr>
+              <a:t>. </a:t>
+            </a:r>
+            <a:r>
+              <a:rPr lang="ko-KR" altLang="en-US" sz="7000" b="0" i="0" u="none" strike="noStrike" spc="-133" dirty="0">
+                <a:latin typeface="Noto Sans KR ExtraBold" panose="020B0200000000000000" pitchFamily="50" charset="-127"/>
+                <a:ea typeface="Noto Sans KR ExtraBold" panose="020B0200000000000000" pitchFamily="50" charset="-127"/>
+              </a:rPr>
+              <a:t>프로젝트 수행 경과</a:t>
+            </a:r>
+            <a:endParaRPr lang="en-US" altLang="ko-KR" sz="7000" b="0" i="0" u="none" strike="noStrike" spc="-133" dirty="0">
+              <a:latin typeface="Noto Sans KR ExtraBold" panose="020B0200000000000000" pitchFamily="50" charset="-127"/>
+              <a:ea typeface="Noto Sans KR ExtraBold" panose="020B0200000000000000" pitchFamily="50" charset="-127"/>
+            </a:endParaRPr>
+          </a:p>
+        </p:txBody>
+      </p:sp>
+      <p:sp>
+        <p:nvSpPr>
+          <p:cNvPr id="29" name="TextBox 28">
+            <a:extLst>
+              <a:ext uri="{FF2B5EF4-FFF2-40B4-BE49-F238E27FC236}">
+                <a16:creationId xmlns:a16="http://schemas.microsoft.com/office/drawing/2014/main" id="{0174959C-DD24-4689-B895-8A60C980FFF8}"/>
+              </a:ext>
+            </a:extLst>
+          </p:cNvPr>
+          <p:cNvSpPr txBox="1"/>
+          <p:nvPr/>
+        </p:nvSpPr>
+        <p:spPr>
+          <a:xfrm>
+            <a:off x="381000" y="4509110"/>
+            <a:ext cx="17449800" cy="4573496"/>
+          </a:xfrm>
+          <a:prstGeom prst="rect">
+            <a:avLst/>
+          </a:prstGeom>
+          <a:noFill/>
+        </p:spPr>
+        <p:txBody>
+          <a:bodyPr wrap="square" rtlCol="0">
+            <a:spAutoFit/>
+          </a:bodyPr>
+          <a:lstStyle/>
+          <a:p>
+            <a:pPr marL="914400" indent="-914400">
+              <a:lnSpc>
+                <a:spcPct val="150000"/>
+              </a:lnSpc>
+              <a:buAutoNum type="arabicParenR"/>
+            </a:pPr>
+            <a:r>
+              <a:rPr lang="ko-KR" altLang="en-US" sz="5000" dirty="0">
+                <a:latin typeface="Noto Sans KR ExtraBold" panose="020B0200000000000000" pitchFamily="50" charset="-127"/>
+                <a:ea typeface="Noto Sans KR ExtraBold" panose="020B0200000000000000" pitchFamily="50" charset="-127"/>
+              </a:rPr>
+              <a:t>서버 구축</a:t>
+            </a:r>
+            <a:endParaRPr lang="en-US" altLang="ko-KR" sz="5000" dirty="0">
+              <a:latin typeface="Noto Sans KR ExtraBold" panose="020B0200000000000000" pitchFamily="50" charset="-127"/>
+              <a:ea typeface="Noto Sans KR ExtraBold" panose="020B0200000000000000" pitchFamily="50" charset="-127"/>
+            </a:endParaRPr>
+          </a:p>
+          <a:p>
+            <a:pPr>
+              <a:lnSpc>
+                <a:spcPct val="150000"/>
+              </a:lnSpc>
+            </a:pPr>
+            <a:r>
+              <a:rPr lang="en-US" altLang="ko-KR" sz="5000" dirty="0">
+                <a:latin typeface="Noto Sans KR ExtraBold" panose="020B0200000000000000" pitchFamily="50" charset="-127"/>
+                <a:ea typeface="Noto Sans KR ExtraBold" panose="020B0200000000000000" pitchFamily="50" charset="-127"/>
+              </a:rPr>
+              <a:t>      - </a:t>
+            </a:r>
+            <a:r>
+              <a:rPr lang="ko-KR" altLang="en-US" sz="5000" dirty="0">
+                <a:latin typeface="Noto Sans KR ExtraBold" panose="020B0200000000000000" pitchFamily="50" charset="-127"/>
+                <a:ea typeface="Noto Sans KR ExtraBold" panose="020B0200000000000000" pitchFamily="50" charset="-127"/>
+              </a:rPr>
+              <a:t>인스턴스 생성</a:t>
+            </a:r>
+            <a:endParaRPr lang="en-US" altLang="ko-KR" sz="5000" dirty="0">
+              <a:latin typeface="Noto Sans KR ExtraBold" panose="020B0200000000000000" pitchFamily="50" charset="-127"/>
+              <a:ea typeface="Noto Sans KR ExtraBold" panose="020B0200000000000000" pitchFamily="50" charset="-127"/>
+            </a:endParaRPr>
+          </a:p>
+          <a:p>
+            <a:pPr>
+              <a:lnSpc>
+                <a:spcPct val="150000"/>
+              </a:lnSpc>
+            </a:pPr>
+            <a:r>
+              <a:rPr lang="en-US" altLang="ko-KR" sz="5000" dirty="0">
+                <a:latin typeface="Noto Sans KR ExtraBold" panose="020B0200000000000000" pitchFamily="50" charset="-127"/>
+                <a:ea typeface="Noto Sans KR ExtraBold" panose="020B0200000000000000" pitchFamily="50" charset="-127"/>
+              </a:rPr>
+              <a:t>      - </a:t>
+            </a:r>
+            <a:r>
+              <a:rPr lang="ko-KR" altLang="en-US" sz="5000" dirty="0">
+                <a:latin typeface="Noto Sans KR ExtraBold" panose="020B0200000000000000" pitchFamily="50" charset="-127"/>
+                <a:ea typeface="Noto Sans KR ExtraBold" panose="020B0200000000000000" pitchFamily="50" charset="-127"/>
+              </a:rPr>
+              <a:t>필수 패키지 설치</a:t>
+            </a:r>
+            <a:r>
+              <a:rPr lang="en-US" altLang="ko-KR" sz="5000" dirty="0">
+                <a:latin typeface="Noto Sans KR ExtraBold" panose="020B0200000000000000" pitchFamily="50" charset="-127"/>
+                <a:ea typeface="Noto Sans KR ExtraBold" panose="020B0200000000000000" pitchFamily="50" charset="-127"/>
+              </a:rPr>
+              <a:t>(</a:t>
+            </a:r>
+            <a:r>
+              <a:rPr lang="en-US" altLang="ko-KR" sz="5000" dirty="0">
+                <a:latin typeface="Roboto Condensed ExtraBold" panose="02000000000000000000" pitchFamily="2" charset="0"/>
+                <a:ea typeface="Roboto Condensed ExtraBold" panose="02000000000000000000" pitchFamily="2" charset="0"/>
+              </a:rPr>
+              <a:t>Java17,</a:t>
+            </a:r>
+          </a:p>
+          <a:p>
+            <a:pPr>
+              <a:lnSpc>
+                <a:spcPct val="150000"/>
+              </a:lnSpc>
+            </a:pPr>
+            <a:r>
+              <a:rPr lang="en-US" altLang="ko-KR" sz="5000" dirty="0">
+                <a:latin typeface="Noto Sans KR ExtraBold" panose="020B0200000000000000" pitchFamily="50" charset="-127"/>
+                <a:ea typeface="Noto Sans KR ExtraBold" panose="020B0200000000000000" pitchFamily="50" charset="-127"/>
+              </a:rPr>
+              <a:t>         </a:t>
+            </a:r>
+            <a:r>
+              <a:rPr lang="en-US" altLang="ko-KR" sz="5000" dirty="0">
+                <a:latin typeface="Roboto Condensed ExtraBold" panose="02000000000000000000" pitchFamily="2" charset="0"/>
+                <a:ea typeface="Roboto Condensed ExtraBold" panose="02000000000000000000" pitchFamily="2" charset="0"/>
+              </a:rPr>
+              <a:t>MySQL 8.0, Python 1.12, Nginx</a:t>
+            </a:r>
+            <a:r>
+              <a:rPr lang="en-US" altLang="ko-KR" sz="5000" dirty="0">
+                <a:latin typeface="Noto Sans KR ExtraBold" panose="020B0200000000000000" pitchFamily="50" charset="-127"/>
+                <a:ea typeface="Noto Sans KR ExtraBold" panose="020B0200000000000000" pitchFamily="50" charset="-127"/>
+              </a:rPr>
+              <a:t>)</a:t>
+            </a:r>
+          </a:p>
+        </p:txBody>
+      </p:sp>
+      <p:sp>
+        <p:nvSpPr>
+          <p:cNvPr id="32" name="TextBox 31">
+            <a:extLst>
+              <a:ext uri="{FF2B5EF4-FFF2-40B4-BE49-F238E27FC236}">
+                <a16:creationId xmlns:a16="http://schemas.microsoft.com/office/drawing/2014/main" id="{4947EB13-459C-4B8E-B95F-3FCA0BE22BB0}"/>
+              </a:ext>
+            </a:extLst>
+          </p:cNvPr>
+          <p:cNvSpPr txBox="1"/>
+          <p:nvPr/>
+        </p:nvSpPr>
+        <p:spPr>
+          <a:xfrm>
+            <a:off x="838200" y="2912202"/>
+            <a:ext cx="13506450" cy="1086195"/>
+          </a:xfrm>
+          <a:prstGeom prst="rect">
+            <a:avLst/>
+          </a:prstGeom>
+          <a:noFill/>
+        </p:spPr>
+        <p:txBody>
+          <a:bodyPr wrap="square">
+            <a:spAutoFit/>
+          </a:bodyPr>
+          <a:lstStyle/>
+          <a:p>
+            <a:pPr lvl="0" algn="l">
+              <a:lnSpc>
+                <a:spcPct val="116199"/>
+              </a:lnSpc>
+            </a:pPr>
+            <a:r>
+              <a:rPr lang="en-US" altLang="ko-KR" sz="6000" spc="-133" dirty="0">
+                <a:solidFill>
+                  <a:srgbClr val="197A52"/>
+                </a:solidFill>
+                <a:latin typeface="Roboto Condensed ExtraBold" panose="02000000000000000000" pitchFamily="2" charset="0"/>
+                <a:ea typeface="Roboto Condensed ExtraBold" panose="02000000000000000000" pitchFamily="2" charset="0"/>
+              </a:rPr>
+              <a:t>6. AWS </a:t>
+            </a:r>
+            <a:r>
+              <a:rPr lang="en-US" altLang="ko-KR" sz="6000" spc="-133" dirty="0" err="1">
+                <a:solidFill>
+                  <a:srgbClr val="197A52"/>
+                </a:solidFill>
+                <a:latin typeface="Roboto Condensed ExtraBold" panose="02000000000000000000" pitchFamily="2" charset="0"/>
+                <a:ea typeface="Roboto Condensed ExtraBold" panose="02000000000000000000" pitchFamily="2" charset="0"/>
+              </a:rPr>
+              <a:t>Lightsail</a:t>
+            </a:r>
+            <a:r>
+              <a:rPr lang="en-US" altLang="ko-KR" sz="6000" spc="-133" dirty="0">
+                <a:solidFill>
+                  <a:srgbClr val="197A52"/>
+                </a:solidFill>
+                <a:latin typeface="Roboto Condensed ExtraBold" panose="02000000000000000000" pitchFamily="2" charset="0"/>
+                <a:ea typeface="Roboto Condensed ExtraBold" panose="02000000000000000000" pitchFamily="2" charset="0"/>
+              </a:rPr>
+              <a:t> </a:t>
+            </a:r>
+            <a:r>
+              <a:rPr lang="ko-KR" altLang="en-US" sz="6000" spc="-133" dirty="0">
+                <a:solidFill>
+                  <a:srgbClr val="197A52"/>
+                </a:solidFill>
+                <a:latin typeface="Noto Sans KR ExtraBold" panose="020B0200000000000000" pitchFamily="50" charset="-127"/>
+                <a:ea typeface="Noto Sans KR ExtraBold" panose="020B0200000000000000" pitchFamily="50" charset="-127"/>
+              </a:rPr>
+              <a:t>웹 배포 작업</a:t>
+            </a:r>
+            <a:endParaRPr lang="ko-KR" altLang="ko-KR" sz="6000" b="0" i="0" u="none" strike="noStrike" spc="-133" dirty="0">
+              <a:solidFill>
+                <a:srgbClr val="197A52"/>
+              </a:solidFill>
+              <a:latin typeface="Noto Sans KR ExtraBold" panose="020B0200000000000000" pitchFamily="50" charset="-127"/>
+              <a:ea typeface="Noto Sans KR ExtraBold" panose="020B0200000000000000" pitchFamily="50" charset="-127"/>
+            </a:endParaRPr>
+          </a:p>
+        </p:txBody>
+      </p:sp>
+      <p:pic>
+        <p:nvPicPr>
+          <p:cNvPr id="3" name="그림 2">
+            <a:extLst>
+              <a:ext uri="{FF2B5EF4-FFF2-40B4-BE49-F238E27FC236}">
+                <a16:creationId xmlns:a16="http://schemas.microsoft.com/office/drawing/2014/main" id="{7D2F638E-CA5E-449B-A392-678DDBC4922C}"/>
+              </a:ext>
+            </a:extLst>
+          </p:cNvPr>
+          <p:cNvPicPr>
+            <a:picLocks noChangeAspect="1"/>
+          </p:cNvPicPr>
+          <p:nvPr/>
+        </p:nvPicPr>
+        <p:blipFill>
+          <a:blip r:embed="rId2">
+            <a:extLst>
+              <a:ext uri="{28A0092B-C50C-407E-A947-70E740481C1C}">
+                <a14:useLocalDpi xmlns:a14="http://schemas.microsoft.com/office/drawing/2010/main" val="0"/>
+              </a:ext>
+            </a:extLst>
+          </a:blip>
+          <a:stretch>
+            <a:fillRect/>
+          </a:stretch>
+        </p:blipFill>
+        <p:spPr>
+          <a:xfrm>
+            <a:off x="10950951" y="1310218"/>
+            <a:ext cx="12612860" cy="11498196"/>
+          </a:xfrm>
+          <a:prstGeom prst="rect">
+            <a:avLst/>
+          </a:prstGeom>
+          <a:ln>
+            <a:solidFill>
+              <a:schemeClr val="tx1"/>
+            </a:solidFill>
+          </a:ln>
+        </p:spPr>
+      </p:pic>
+      <p:sp>
+        <p:nvSpPr>
+          <p:cNvPr id="8" name="TextBox 7">
+            <a:extLst>
+              <a:ext uri="{FF2B5EF4-FFF2-40B4-BE49-F238E27FC236}">
+                <a16:creationId xmlns:a16="http://schemas.microsoft.com/office/drawing/2014/main" id="{0AD65385-1F5A-4738-816E-457751682739}"/>
+              </a:ext>
+            </a:extLst>
+          </p:cNvPr>
+          <p:cNvSpPr txBox="1"/>
+          <p:nvPr/>
+        </p:nvSpPr>
+        <p:spPr>
+          <a:xfrm>
+            <a:off x="537487" y="9593320"/>
+            <a:ext cx="10414002" cy="3419334"/>
+          </a:xfrm>
+          <a:prstGeom prst="rect">
+            <a:avLst/>
+          </a:prstGeom>
+          <a:noFill/>
+        </p:spPr>
+        <p:txBody>
+          <a:bodyPr wrap="square" rtlCol="0">
+            <a:spAutoFit/>
+          </a:bodyPr>
+          <a:lstStyle/>
+          <a:p>
+            <a:pPr>
+              <a:lnSpc>
+                <a:spcPct val="150000"/>
+              </a:lnSpc>
+            </a:pPr>
+            <a:r>
+              <a:rPr lang="en-US" altLang="ko-KR" sz="5000" dirty="0">
+                <a:latin typeface="Noto Sans KR ExtraBold" panose="020B0200000000000000" pitchFamily="50" charset="-127"/>
+                <a:ea typeface="Noto Sans KR ExtraBold" panose="020B0200000000000000" pitchFamily="50" charset="-127"/>
+              </a:rPr>
+              <a:t>2) </a:t>
+            </a:r>
+            <a:r>
+              <a:rPr lang="ko-KR" altLang="en-US" sz="5000" dirty="0">
+                <a:latin typeface="Noto Sans KR ExtraBold" panose="020B0200000000000000" pitchFamily="50" charset="-127"/>
+                <a:ea typeface="Noto Sans KR ExtraBold" panose="020B0200000000000000" pitchFamily="50" charset="-127"/>
+              </a:rPr>
+              <a:t>도메인 </a:t>
+            </a:r>
+            <a:r>
+              <a:rPr lang="en-US" altLang="ko-KR" sz="5000" dirty="0">
+                <a:latin typeface="Noto Sans KR ExtraBold" panose="020B0200000000000000" pitchFamily="50" charset="-127"/>
+                <a:ea typeface="Noto Sans KR ExtraBold" panose="020B0200000000000000" pitchFamily="50" charset="-127"/>
+              </a:rPr>
+              <a:t>&amp; </a:t>
+            </a:r>
+            <a:r>
+              <a:rPr lang="ko-KR" altLang="en-US" sz="5000" dirty="0">
+                <a:latin typeface="Noto Sans KR ExtraBold" panose="020B0200000000000000" pitchFamily="50" charset="-127"/>
+                <a:ea typeface="Noto Sans KR ExtraBold" panose="020B0200000000000000" pitchFamily="50" charset="-127"/>
+              </a:rPr>
+              <a:t>보안 설정</a:t>
+            </a:r>
+            <a:endParaRPr lang="en-US" altLang="ko-KR" sz="5000" dirty="0">
+              <a:latin typeface="Noto Sans KR ExtraBold" panose="020B0200000000000000" pitchFamily="50" charset="-127"/>
+              <a:ea typeface="Noto Sans KR ExtraBold" panose="020B0200000000000000" pitchFamily="50" charset="-127"/>
+            </a:endParaRPr>
+          </a:p>
+          <a:p>
+            <a:pPr>
+              <a:lnSpc>
+                <a:spcPct val="150000"/>
+              </a:lnSpc>
+            </a:pPr>
+            <a:r>
+              <a:rPr lang="en-US" altLang="ko-KR" sz="5000" dirty="0">
+                <a:latin typeface="Noto Sans KR ExtraBold" panose="020B0200000000000000" pitchFamily="50" charset="-127"/>
+                <a:ea typeface="Noto Sans KR ExtraBold" panose="020B0200000000000000" pitchFamily="50" charset="-127"/>
+              </a:rPr>
+              <a:t>    - </a:t>
+            </a:r>
+            <a:r>
+              <a:rPr lang="en-US" altLang="ko-KR" sz="5000" dirty="0" err="1">
+                <a:latin typeface="Roboto Condensed ExtraBold" panose="02000000000000000000" pitchFamily="2" charset="0"/>
+                <a:ea typeface="Roboto Condensed ExtraBold" panose="02000000000000000000" pitchFamily="2" charset="0"/>
+              </a:rPr>
+              <a:t>DuckDNS</a:t>
+            </a:r>
+            <a:r>
+              <a:rPr lang="en-US" altLang="ko-KR" sz="5000" dirty="0">
+                <a:latin typeface="Noto Sans KR ExtraBold" panose="020B0200000000000000" pitchFamily="50" charset="-127"/>
+                <a:ea typeface="Noto Sans KR ExtraBold" panose="020B0200000000000000" pitchFamily="50" charset="-127"/>
+              </a:rPr>
+              <a:t> </a:t>
+            </a:r>
+            <a:r>
+              <a:rPr lang="ko-KR" altLang="en-US" sz="5000" dirty="0">
+                <a:latin typeface="Noto Sans KR ExtraBold" panose="020B0200000000000000" pitchFamily="50" charset="-127"/>
+                <a:ea typeface="Noto Sans KR ExtraBold" panose="020B0200000000000000" pitchFamily="50" charset="-127"/>
+              </a:rPr>
+              <a:t>무료 도메인 연결</a:t>
+            </a:r>
+            <a:endParaRPr lang="en-US" altLang="ko-KR" sz="5000" dirty="0">
+              <a:latin typeface="Noto Sans KR ExtraBold" panose="020B0200000000000000" pitchFamily="50" charset="-127"/>
+              <a:ea typeface="Noto Sans KR ExtraBold" panose="020B0200000000000000" pitchFamily="50" charset="-127"/>
+            </a:endParaRPr>
+          </a:p>
+          <a:p>
+            <a:pPr>
+              <a:lnSpc>
+                <a:spcPct val="150000"/>
+              </a:lnSpc>
+            </a:pPr>
+            <a:r>
+              <a:rPr lang="en-US" altLang="ko-KR" sz="5000" dirty="0">
+                <a:latin typeface="Noto Sans KR ExtraBold" panose="020B0200000000000000" pitchFamily="50" charset="-127"/>
+                <a:ea typeface="Noto Sans KR ExtraBold" panose="020B0200000000000000" pitchFamily="50" charset="-127"/>
+              </a:rPr>
+              <a:t>    - </a:t>
+            </a:r>
+            <a:r>
+              <a:rPr lang="en-US" altLang="ko-KR" sz="5000" dirty="0">
+                <a:solidFill>
+                  <a:srgbClr val="FF0000"/>
+                </a:solidFill>
+                <a:latin typeface="Roboto Condensed ExtraBold" panose="02000000000000000000" pitchFamily="2" charset="0"/>
+                <a:ea typeface="Roboto Condensed ExtraBold" panose="02000000000000000000" pitchFamily="2" charset="0"/>
+              </a:rPr>
+              <a:t>HTTPS</a:t>
+            </a:r>
+            <a:r>
+              <a:rPr lang="en-US" altLang="ko-KR" sz="5000" dirty="0">
+                <a:solidFill>
+                  <a:srgbClr val="FF0000"/>
+                </a:solidFill>
+                <a:latin typeface="Noto Sans KR ExtraBold" panose="020B0200000000000000" pitchFamily="50" charset="-127"/>
+                <a:ea typeface="Noto Sans KR ExtraBold" panose="020B0200000000000000" pitchFamily="50" charset="-127"/>
+              </a:rPr>
+              <a:t> </a:t>
+            </a:r>
+            <a:r>
+              <a:rPr lang="ko-KR" altLang="en-US" sz="5000" dirty="0">
+                <a:solidFill>
+                  <a:srgbClr val="FF0000"/>
+                </a:solidFill>
+                <a:latin typeface="Noto Sans KR ExtraBold" panose="020B0200000000000000" pitchFamily="50" charset="-127"/>
+                <a:ea typeface="Noto Sans KR ExtraBold" panose="020B0200000000000000" pitchFamily="50" charset="-127"/>
+              </a:rPr>
+              <a:t>적용</a:t>
+            </a:r>
+            <a:r>
+              <a:rPr lang="en-US" altLang="ko-KR" sz="5000" dirty="0">
+                <a:latin typeface="Noto Sans KR ExtraBold" panose="020B0200000000000000" pitchFamily="50" charset="-127"/>
+                <a:ea typeface="Noto Sans KR ExtraBold" panose="020B0200000000000000" pitchFamily="50" charset="-127"/>
+              </a:rPr>
+              <a:t>(</a:t>
+            </a:r>
+            <a:r>
+              <a:rPr lang="en-US" altLang="ko-KR" sz="5000" dirty="0">
+                <a:latin typeface="Roboto Condensed ExtraBold" panose="02000000000000000000" pitchFamily="2" charset="0"/>
+                <a:ea typeface="Roboto Condensed ExtraBold" panose="02000000000000000000" pitchFamily="2" charset="0"/>
+              </a:rPr>
+              <a:t>SSL</a:t>
+            </a:r>
+            <a:r>
+              <a:rPr lang="en-US" altLang="ko-KR" sz="5000" dirty="0">
+                <a:latin typeface="Noto Sans KR ExtraBold" panose="020B0200000000000000" pitchFamily="50" charset="-127"/>
+                <a:ea typeface="Noto Sans KR ExtraBold" panose="020B0200000000000000" pitchFamily="50" charset="-127"/>
+              </a:rPr>
+              <a:t> </a:t>
+            </a:r>
+            <a:r>
+              <a:rPr lang="ko-KR" altLang="en-US" sz="5000" dirty="0">
+                <a:latin typeface="Noto Sans KR ExtraBold" panose="020B0200000000000000" pitchFamily="50" charset="-127"/>
+                <a:ea typeface="Noto Sans KR ExtraBold" panose="020B0200000000000000" pitchFamily="50" charset="-127"/>
+              </a:rPr>
+              <a:t>인증서 적용</a:t>
+            </a:r>
+            <a:r>
+              <a:rPr lang="en-US" altLang="ko-KR" sz="5000" dirty="0">
+                <a:latin typeface="Noto Sans KR ExtraBold" panose="020B0200000000000000" pitchFamily="50" charset="-127"/>
+                <a:ea typeface="Noto Sans KR ExtraBold" panose="020B0200000000000000" pitchFamily="50" charset="-127"/>
+              </a:rPr>
+              <a:t>)</a:t>
+            </a:r>
+          </a:p>
+        </p:txBody>
+      </p:sp>
+    </p:spTree>
+    <p:extLst>
+      <p:ext uri="{BB962C8B-B14F-4D97-AF65-F5344CB8AC3E}">
+        <p14:creationId xmlns:p14="http://schemas.microsoft.com/office/powerpoint/2010/main" val="2395350739"/>
+      </p:ext>
+    </p:extLst>
+  </p:cSld>
+  <p:clrMapOvr>
+    <a:masterClrMapping/>
+  </p:clrMapOvr>
+</p:sld>
+</file>
+
+<file path=ppt/slides/slide21.xml><?xml version="1.0" encoding="utf-8"?>
+<p:sld xmlns:a="http://schemas.openxmlformats.org/drawingml/2006/main" xmlns:r="http://schemas.openxmlformats.org/officeDocument/2006/relationships" xmlns:p="http://schemas.openxmlformats.org/presentationml/2006/main">
+  <p:cSld>
     <p:bg>
       <p:bgPr>
         <a:solidFill>
@@ -15344,6 +15965,55 @@
           </a:p>
         </p:txBody>
       </p:sp>
+      <p:sp>
+        <p:nvSpPr>
+          <p:cNvPr id="2" name="TextBox 1">
+            <a:extLst>
+              <a:ext uri="{FF2B5EF4-FFF2-40B4-BE49-F238E27FC236}">
+                <a16:creationId xmlns:a16="http://schemas.microsoft.com/office/drawing/2014/main" id="{2401924D-E89D-4CF9-B832-F1A50B36CD7E}"/>
+              </a:ext>
+            </a:extLst>
+          </p:cNvPr>
+          <p:cNvSpPr txBox="1"/>
+          <p:nvPr/>
+        </p:nvSpPr>
+        <p:spPr>
+          <a:xfrm>
+            <a:off x="7239000" y="9067800"/>
+            <a:ext cx="11811000" cy="861774"/>
+          </a:xfrm>
+          <a:prstGeom prst="rect">
+            <a:avLst/>
+          </a:prstGeom>
+          <a:noFill/>
+        </p:spPr>
+        <p:txBody>
+          <a:bodyPr wrap="square" rtlCol="0">
+            <a:spAutoFit/>
+          </a:bodyPr>
+          <a:lstStyle/>
+          <a:p>
+            <a:r>
+              <a:rPr lang="en-US" altLang="ko-KR" sz="5000" dirty="0">
+                <a:latin typeface="Roboto Condensed ExtraBold" panose="02000000000000000000" pitchFamily="2" charset="0"/>
+                <a:ea typeface="Roboto Condensed ExtraBold" panose="02000000000000000000" pitchFamily="2" charset="0"/>
+                <a:hlinkClick r:id="rId2"/>
+              </a:rPr>
+              <a:t>https://brain-hemorrhage.duckdns.org</a:t>
+            </a:r>
+            <a:r>
+              <a:rPr lang="en-US" altLang="ko-KR" sz="5000" dirty="0">
+                <a:latin typeface="Roboto Condensed ExtraBold" panose="02000000000000000000" pitchFamily="2" charset="0"/>
+                <a:ea typeface="Roboto Condensed ExtraBold" panose="02000000000000000000" pitchFamily="2" charset="0"/>
+              </a:rPr>
+              <a:t> </a:t>
+            </a:r>
+            <a:endParaRPr lang="ko-KR" altLang="en-US" sz="5000" dirty="0">
+              <a:latin typeface="Roboto Condensed ExtraBold" panose="02000000000000000000" pitchFamily="2" charset="0"/>
+            </a:endParaRPr>
+          </a:p>
+        </p:txBody>
+      </p:sp>
     </p:spTree>
     <p:extLst>
       <p:ext uri="{BB962C8B-B14F-4D97-AF65-F5344CB8AC3E}">
@@ -15357,7 +16027,7 @@
 </p:sld>
 </file>
 
-<file path=ppt/slides/slide21.xml><?xml version="1.0" encoding="utf-8"?>
+<file path=ppt/slides/slide22.xml><?xml version="1.0" encoding="utf-8"?>
 <p:sld xmlns:a="http://schemas.openxmlformats.org/drawingml/2006/main" xmlns:r="http://schemas.openxmlformats.org/officeDocument/2006/relationships" xmlns:p="http://schemas.openxmlformats.org/presentationml/2006/main">
   <p:cSld>
     <p:spTree>
@@ -15538,7 +16208,7 @@
         </p:nvSpPr>
         <p:spPr>
           <a:xfrm>
-            <a:off x="1676400" y="4810132"/>
+            <a:off x="1676400" y="4643992"/>
             <a:ext cx="15792450" cy="2047868"/>
           </a:xfrm>
           <a:prstGeom prst="rect">
@@ -15648,7 +16318,7 @@
         </p:nvSpPr>
         <p:spPr>
           <a:xfrm>
-            <a:off x="1654277" y="7431552"/>
+            <a:off x="1654277" y="7265412"/>
             <a:ext cx="14728723" cy="2047868"/>
           </a:xfrm>
           <a:prstGeom prst="rect">
@@ -15672,7 +16342,21 @@
                 <a:latin typeface="Noto Sans KR ExtraBold" panose="020B0200000000000000" pitchFamily="50" charset="-127"/>
                 <a:ea typeface="Noto Sans KR ExtraBold" panose="020B0200000000000000" pitchFamily="50" charset="-127"/>
               </a:rPr>
-              <a:t>2) Grad-CAM </a:t>
+              <a:t>2) </a:t>
+            </a:r>
+            <a:r>
+              <a:rPr lang="en-US" altLang="ko-KR" sz="4500" dirty="0">
+                <a:latin typeface="Roboto Condensed ExtraBold" panose="02000000000000000000" pitchFamily="2" charset="0"/>
+                <a:ea typeface="Roboto Condensed ExtraBold" panose="02000000000000000000" pitchFamily="2" charset="0"/>
+              </a:rPr>
+              <a:t>Grad-CAM</a:t>
+            </a:r>
+            <a:r>
+              <a:rPr lang="en-US" altLang="ko-KR" sz="4500" dirty="0">
+                <a:latin typeface="Noto Sans KR ExtraBold" panose="020B0200000000000000" pitchFamily="50" charset="-127"/>
+                <a:ea typeface="Noto Sans KR ExtraBold" panose="020B0200000000000000" pitchFamily="50" charset="-127"/>
+              </a:rPr>
+              <a:t> </a:t>
             </a:r>
             <a:r>
               <a:rPr lang="ko-KR" altLang="en-US" sz="4500" dirty="0" err="1">
@@ -15747,8 +16431,8 @@
         </p:nvSpPr>
         <p:spPr>
           <a:xfrm>
-            <a:off x="1649022" y="10052972"/>
-            <a:ext cx="15038778" cy="2047868"/>
+            <a:off x="1649022" y="9886832"/>
+            <a:ext cx="15038778" cy="3086614"/>
           </a:xfrm>
           <a:prstGeom prst="rect">
             <a:avLst/>
@@ -15778,12 +16462,50 @@
                 <a:latin typeface="Noto Sans KR ExtraBold" panose="020B0200000000000000" pitchFamily="50" charset="-127"/>
                 <a:ea typeface="Noto Sans KR ExtraBold" panose="020B0200000000000000" pitchFamily="50" charset="-127"/>
               </a:rPr>
-              <a:t>개발한 모델을 활용하여 전문의 보조 시스템을 구축할 수  </a:t>
-            </a:r>
-            <a:endParaRPr lang="en-US" altLang="ko-KR" sz="4500" dirty="0">
-              <a:latin typeface="Noto Sans KR ExtraBold" panose="020B0200000000000000" pitchFamily="50" charset="-127"/>
-              <a:ea typeface="Noto Sans KR ExtraBold" panose="020B0200000000000000" pitchFamily="50" charset="-127"/>
-            </a:endParaRPr>
+              <a:t>데이터 수집부터 모델 개발</a:t>
+            </a:r>
+            <a:r>
+              <a:rPr lang="en-US" altLang="ko-KR" sz="4500" dirty="0">
+                <a:latin typeface="Noto Sans KR ExtraBold" panose="020B0200000000000000" pitchFamily="50" charset="-127"/>
+                <a:ea typeface="Noto Sans KR ExtraBold" panose="020B0200000000000000" pitchFamily="50" charset="-127"/>
+              </a:rPr>
+              <a:t>, </a:t>
+            </a:r>
+            <a:r>
+              <a:rPr lang="ko-KR" altLang="en-US" sz="4500" dirty="0" err="1">
+                <a:latin typeface="Noto Sans KR ExtraBold" panose="020B0200000000000000" pitchFamily="50" charset="-127"/>
+                <a:ea typeface="Noto Sans KR ExtraBold" panose="020B0200000000000000" pitchFamily="50" charset="-127"/>
+              </a:rPr>
+              <a:t>백엔드</a:t>
+            </a:r>
+            <a:r>
+              <a:rPr lang="en-US" altLang="ko-KR" sz="4500" dirty="0">
+                <a:latin typeface="Noto Sans KR ExtraBold" panose="020B0200000000000000" pitchFamily="50" charset="-127"/>
+                <a:ea typeface="Noto Sans KR ExtraBold" panose="020B0200000000000000" pitchFamily="50" charset="-127"/>
+              </a:rPr>
+              <a:t>/</a:t>
+            </a:r>
+            <a:r>
+              <a:rPr lang="ko-KR" altLang="en-US" sz="4500" dirty="0" err="1">
+                <a:latin typeface="Noto Sans KR ExtraBold" panose="020B0200000000000000" pitchFamily="50" charset="-127"/>
+                <a:ea typeface="Noto Sans KR ExtraBold" panose="020B0200000000000000" pitchFamily="50" charset="-127"/>
+              </a:rPr>
+              <a:t>프론트엔드</a:t>
+            </a:r>
+            <a:r>
+              <a:rPr lang="ko-KR" altLang="en-US" sz="4500" dirty="0">
+                <a:latin typeface="Noto Sans KR ExtraBold" panose="020B0200000000000000" pitchFamily="50" charset="-127"/>
+                <a:ea typeface="Noto Sans KR ExtraBold" panose="020B0200000000000000" pitchFamily="50" charset="-127"/>
+              </a:rPr>
+              <a:t> 구축</a:t>
+            </a:r>
+            <a:r>
+              <a:rPr lang="en-US" altLang="ko-KR" sz="4500" dirty="0">
+                <a:latin typeface="Noto Sans KR ExtraBold" panose="020B0200000000000000" pitchFamily="50" charset="-127"/>
+                <a:ea typeface="Noto Sans KR ExtraBold" panose="020B0200000000000000" pitchFamily="50" charset="-127"/>
+              </a:rPr>
+              <a:t>, </a:t>
+            </a:r>
           </a:p>
           <a:p>
             <a:pPr>
@@ -15803,10 +16525,17 @@
                 <a:latin typeface="Noto Sans KR ExtraBold" panose="020B0200000000000000" pitchFamily="50" charset="-127"/>
                 <a:ea typeface="Noto Sans KR ExtraBold" panose="020B0200000000000000" pitchFamily="50" charset="-127"/>
               </a:rPr>
-              <a:t>있는</a:t>
+              <a:t>클라우드 배포까지 </a:t>
             </a:r>
             <a:r>
               <a:rPr lang="en-US" altLang="ko-KR" sz="4500" dirty="0">
+                <a:latin typeface="Roboto Condensed ExtraBold" panose="02000000000000000000" pitchFamily="2" charset="0"/>
+                <a:ea typeface="Roboto Condensed ExtraBold" panose="02000000000000000000" pitchFamily="2" charset="0"/>
+              </a:rPr>
+              <a:t>End-to-End</a:t>
+            </a:r>
+            <a:r>
+              <a:rPr lang="en-US" altLang="ko-KR" sz="4500" dirty="0">
                 <a:latin typeface="Noto Sans KR ExtraBold" panose="020B0200000000000000" pitchFamily="50" charset="-127"/>
                 <a:ea typeface="Noto Sans KR ExtraBold" panose="020B0200000000000000" pitchFamily="50" charset="-127"/>
               </a:rPr>
@@ -15817,28 +16546,25 @@
                 <a:latin typeface="Noto Sans KR ExtraBold" panose="020B0200000000000000" pitchFamily="50" charset="-127"/>
                 <a:ea typeface="Noto Sans KR ExtraBold" panose="020B0200000000000000" pitchFamily="50" charset="-127"/>
               </a:rPr>
-              <a:t>기반을 마련하였다</a:t>
-            </a:r>
+              <a:t>서비스 개발을 경험 </a:t>
+            </a:r>
+            <a:endParaRPr lang="en-US" altLang="ko-KR" sz="4500" dirty="0">
+              <a:latin typeface="Noto Sans KR ExtraBold" panose="020B0200000000000000" pitchFamily="50" charset="-127"/>
+              <a:ea typeface="Noto Sans KR ExtraBold" panose="020B0200000000000000" pitchFamily="50" charset="-127"/>
+            </a:endParaRPr>
+          </a:p>
+          <a:p>
+            <a:pPr>
+              <a:lnSpc>
+                <a:spcPct val="150000"/>
+              </a:lnSpc>
+            </a:pPr>
             <a:r>
               <a:rPr lang="en-US" altLang="ko-KR" sz="4500" dirty="0">
                 <a:latin typeface="Noto Sans KR ExtraBold" panose="020B0200000000000000" pitchFamily="50" charset="-127"/>
                 <a:ea typeface="Noto Sans KR ExtraBold" panose="020B0200000000000000" pitchFamily="50" charset="-127"/>
               </a:rPr>
-              <a:t>.</a:t>
-            </a:r>
-            <a:r>
-              <a:rPr lang="ko-KR" altLang="en-US" sz="4500" dirty="0">
-                <a:latin typeface="Noto Sans KR ExtraBold" panose="020B0200000000000000" pitchFamily="50" charset="-127"/>
-                <a:ea typeface="Noto Sans KR ExtraBold" panose="020B0200000000000000" pitchFamily="50" charset="-127"/>
-              </a:rPr>
-              <a:t> </a:t>
-            </a:r>
-            <a:r>
-              <a:rPr lang="en-US" altLang="ko-KR" sz="4500" dirty="0">
-                <a:latin typeface="Noto Sans KR ExtraBold" panose="020B0200000000000000" pitchFamily="50" charset="-127"/>
-                <a:ea typeface="Noto Sans KR ExtraBold" panose="020B0200000000000000" pitchFamily="50" charset="-127"/>
-              </a:rPr>
-              <a:t>→ </a:t>
+              <a:t>       → </a:t>
             </a:r>
             <a:r>
               <a:rPr lang="ko-KR" altLang="en-US" sz="4500" dirty="0">
@@ -15848,15 +16574,18 @@
                 <a:latin typeface="Noto Sans KR ExtraBold" panose="020B0200000000000000" pitchFamily="50" charset="-127"/>
                 <a:ea typeface="Noto Sans KR ExtraBold" panose="020B0200000000000000" pitchFamily="50" charset="-127"/>
               </a:rPr>
-              <a:t>전문의 인력 부족 문제 해소</a:t>
-            </a:r>
-            <a:endParaRPr lang="en-US" altLang="ko-KR" sz="4500" dirty="0">
-              <a:solidFill>
-                <a:srgbClr val="FF0000"/>
-              </a:solidFill>
-              <a:latin typeface="Noto Sans KR ExtraBold" panose="020B0200000000000000" pitchFamily="50" charset="-127"/>
-              <a:ea typeface="Noto Sans KR ExtraBold" panose="020B0200000000000000" pitchFamily="50" charset="-127"/>
-            </a:endParaRPr>
+              <a:t>실무 역량을 강화하였다</a:t>
+            </a:r>
+            <a:r>
+              <a:rPr lang="en-US" altLang="ko-KR" sz="4500" dirty="0">
+                <a:solidFill>
+                  <a:srgbClr val="FF0000"/>
+                </a:solidFill>
+                <a:latin typeface="Noto Sans KR ExtraBold" panose="020B0200000000000000" pitchFamily="50" charset="-127"/>
+                <a:ea typeface="Noto Sans KR ExtraBold" panose="020B0200000000000000" pitchFamily="50" charset="-127"/>
+              </a:rPr>
+              <a:t>.</a:t>
+            </a:r>
           </a:p>
         </p:txBody>
       </p:sp>
@@ -15873,7 +16602,7 @@
 </p:sld>
 </file>
 
-<file path=ppt/slides/slide22.xml><?xml version="1.0" encoding="utf-8"?>
+<file path=ppt/slides/slide23.xml><?xml version="1.0" encoding="utf-8"?>
 <p:sld xmlns:a="http://schemas.openxmlformats.org/drawingml/2006/main" xmlns:r="http://schemas.openxmlformats.org/officeDocument/2006/relationships" xmlns:p="http://schemas.openxmlformats.org/presentationml/2006/main">
   <p:cSld>
     <p:spTree>
@@ -15922,7 +16651,7 @@
         </p:nvSpPr>
         <p:spPr>
           <a:xfrm>
-            <a:off x="606600" y="3827273"/>
+            <a:off x="606600" y="4880117"/>
             <a:ext cx="9375600" cy="3955766"/>
           </a:xfrm>
           <a:prstGeom prst="rect">
@@ -16189,7 +16918,7 @@
         </p:nvSpPr>
         <p:spPr>
           <a:xfrm>
-            <a:off x="10791999" y="4149815"/>
+            <a:off x="10791999" y="5377045"/>
             <a:ext cx="10923971" cy="2961910"/>
           </a:xfrm>
           <a:prstGeom prst="rect">
@@ -16260,8 +16989,8 @@
             </a:r>
             <a:r>
               <a:rPr lang="en-US" altLang="ko-KR" sz="4500" spc="-153" dirty="0">
-                <a:latin typeface="Noto Sans KR ExtraBold" panose="020B0200000000000000" pitchFamily="50" charset="-127"/>
-                <a:ea typeface="Noto Sans KR ExtraBold" panose="020B0200000000000000" pitchFamily="50" charset="-127"/>
+                <a:latin typeface="Roboto Condensed ExtraBold" panose="02000000000000000000" pitchFamily="2" charset="0"/>
+                <a:ea typeface="Roboto Condensed ExtraBold" panose="02000000000000000000" pitchFamily="2" charset="0"/>
               </a:rPr>
               <a:t>CT</a:t>
             </a:r>
@@ -16324,7 +17053,7 @@
         </p:nvSpPr>
         <p:spPr>
           <a:xfrm>
-            <a:off x="606599" y="7705201"/>
+            <a:off x="606599" y="9067800"/>
             <a:ext cx="9775435" cy="2558621"/>
           </a:xfrm>
           <a:prstGeom prst="rect">
@@ -16391,19 +17120,26 @@
                 <a:latin typeface="Noto Sans KR ExtraBold" panose="020B0200000000000000" pitchFamily="50" charset="-127"/>
                 <a:ea typeface="Noto Sans KR ExtraBold" panose="020B0200000000000000" pitchFamily="50" charset="-127"/>
               </a:rPr>
-              <a:t>: JPG,</a:t>
+              <a:t>: </a:t>
+            </a:r>
+            <a:r>
+              <a:rPr lang="en-US" altLang="ko-KR" sz="4500" spc="-153" dirty="0">
+                <a:latin typeface="Roboto Condensed ExtraBold" panose="02000000000000000000" pitchFamily="2" charset="0"/>
+                <a:ea typeface="Roboto Condensed ExtraBold" panose="02000000000000000000" pitchFamily="2" charset="0"/>
+              </a:rPr>
+              <a:t>JPG,</a:t>
             </a:r>
             <a:r>
               <a:rPr lang="ko-KR" altLang="en-US" sz="4500" spc="-153" dirty="0">
-                <a:latin typeface="Noto Sans KR ExtraBold" panose="020B0200000000000000" pitchFamily="50" charset="-127"/>
+                <a:latin typeface="Roboto Condensed ExtraBold" panose="02000000000000000000" pitchFamily="2" charset="0"/>
                 <a:ea typeface="Noto Sans KR ExtraBold" panose="020B0200000000000000" pitchFamily="50" charset="-127"/>
               </a:rPr>
               <a:t> </a:t>
             </a:r>
             <a:r>
               <a:rPr lang="en-US" altLang="ko-KR" sz="4500" spc="-153" dirty="0">
-                <a:latin typeface="Noto Sans KR ExtraBold" panose="020B0200000000000000" pitchFamily="50" charset="-127"/>
-                <a:ea typeface="Noto Sans KR ExtraBold" panose="020B0200000000000000" pitchFamily="50" charset="-127"/>
+                <a:latin typeface="Roboto Condensed ExtraBold" panose="02000000000000000000" pitchFamily="2" charset="0"/>
+                <a:ea typeface="Roboto Condensed ExtraBold" panose="02000000000000000000" pitchFamily="2" charset="0"/>
               </a:rPr>
               <a:t>PNG, JPEG</a:t>
             </a:r>
@@ -16413,102 +17149,6 @@
                 <a:ea typeface="Noto Sans KR ExtraBold" panose="020B0200000000000000" pitchFamily="50" charset="-127"/>
               </a:rPr>
               <a:t>만 가능</a:t>
-            </a:r>
-            <a:endParaRPr lang="en-US" altLang="ko-KR" sz="4500" b="0" i="0" u="none" strike="noStrike" spc="-153" dirty="0">
-              <a:latin typeface="Noto Sans KR ExtraBold" panose="020B0200000000000000" pitchFamily="50" charset="-127"/>
-              <a:ea typeface="Noto Sans KR ExtraBold" panose="020B0200000000000000" pitchFamily="50" charset="-127"/>
-            </a:endParaRPr>
-          </a:p>
-        </p:txBody>
-      </p:sp>
-      <p:sp>
-        <p:nvSpPr>
-          <p:cNvPr id="11" name="TextBox 5">
-            <a:extLst>
-              <a:ext uri="{FF2B5EF4-FFF2-40B4-BE49-F238E27FC236}">
-                <a16:creationId xmlns:a16="http://schemas.microsoft.com/office/drawing/2014/main" id="{B0E935DB-29A0-40F2-9001-25D4CF363EA9}"/>
-              </a:ext>
-            </a:extLst>
-          </p:cNvPr>
-          <p:cNvSpPr txBox="1"/>
-          <p:nvPr/>
-        </p:nvSpPr>
-        <p:spPr>
-          <a:xfrm>
-            <a:off x="606600" y="10381656"/>
-            <a:ext cx="10185400" cy="2558621"/>
-          </a:xfrm>
-          <a:prstGeom prst="rect">
-            <a:avLst/>
-          </a:prstGeom>
-        </p:spPr>
-        <p:txBody>
-          <a:bodyPr rtlCol="0" anchor="ctr"/>
-          <a:lstStyle/>
-          <a:p>
-            <a:pPr lvl="0" algn="l">
-              <a:lnSpc>
-                <a:spcPct val="155126"/>
-              </a:lnSpc>
-            </a:pPr>
-            <a:r>
-              <a:rPr lang="en-US" altLang="ko-KR" sz="4500" spc="-153" dirty="0">
-                <a:latin typeface="Noto Sans KR ExtraBold" panose="020B0200000000000000" pitchFamily="50" charset="-127"/>
-                <a:ea typeface="Noto Sans KR ExtraBold" panose="020B0200000000000000" pitchFamily="50" charset="-127"/>
-              </a:rPr>
-              <a:t> 3) </a:t>
-            </a:r>
-            <a:r>
-              <a:rPr lang="ko-KR" altLang="en-US" sz="4500" spc="-153" dirty="0">
-                <a:latin typeface="Noto Sans KR ExtraBold" panose="020B0200000000000000" pitchFamily="50" charset="-127"/>
-                <a:ea typeface="Noto Sans KR ExtraBold" panose="020B0200000000000000" pitchFamily="50" charset="-127"/>
-              </a:rPr>
-              <a:t>실제 모델의 성능을 의료진에게</a:t>
-            </a:r>
-            <a:endParaRPr lang="en-US" altLang="ko-KR" sz="4500" spc="-153" dirty="0">
-              <a:latin typeface="Noto Sans KR ExtraBold" panose="020B0200000000000000" pitchFamily="50" charset="-127"/>
-              <a:ea typeface="Noto Sans KR ExtraBold" panose="020B0200000000000000" pitchFamily="50" charset="-127"/>
-            </a:endParaRPr>
-          </a:p>
-          <a:p>
-            <a:pPr lvl="0" algn="l">
-              <a:lnSpc>
-                <a:spcPct val="155126"/>
-              </a:lnSpc>
-            </a:pPr>
-            <a:r>
-              <a:rPr lang="en-US" altLang="ko-KR" sz="4500" spc="-153" dirty="0">
-                <a:latin typeface="Noto Sans KR ExtraBold" panose="020B0200000000000000" pitchFamily="50" charset="-127"/>
-                <a:ea typeface="Noto Sans KR ExtraBold" panose="020B0200000000000000" pitchFamily="50" charset="-127"/>
-              </a:rPr>
-              <a:t>       </a:t>
-            </a:r>
-            <a:r>
-              <a:rPr lang="ko-KR" altLang="en-US" sz="4500" spc="-153" dirty="0" err="1">
-                <a:solidFill>
-                  <a:srgbClr val="FF0000"/>
-                </a:solidFill>
-                <a:latin typeface="Noto Sans KR ExtraBold" panose="020B0200000000000000" pitchFamily="50" charset="-127"/>
-                <a:ea typeface="Noto Sans KR ExtraBold" panose="020B0200000000000000" pitchFamily="50" charset="-127"/>
-              </a:rPr>
-              <a:t>검토받는</a:t>
-            </a:r>
-            <a:r>
-              <a:rPr lang="ko-KR" altLang="en-US" sz="4500" spc="-153" dirty="0">
-                <a:solidFill>
-                  <a:srgbClr val="FF0000"/>
-                </a:solidFill>
-                <a:latin typeface="Noto Sans KR ExtraBold" panose="020B0200000000000000" pitchFamily="50" charset="-127"/>
-                <a:ea typeface="Noto Sans KR ExtraBold" panose="020B0200000000000000" pitchFamily="50" charset="-127"/>
-              </a:rPr>
-              <a:t> 신뢰 확보 작업</a:t>
-            </a:r>
-            <a:r>
-              <a:rPr lang="ko-KR" altLang="en-US" sz="4500" spc="-153" dirty="0">
-                <a:latin typeface="Noto Sans KR ExtraBold" panose="020B0200000000000000" pitchFamily="50" charset="-127"/>
-                <a:ea typeface="Noto Sans KR ExtraBold" panose="020B0200000000000000" pitchFamily="50" charset="-127"/>
-              </a:rPr>
-              <a:t> 필요</a:t>
             </a:r>
             <a:endParaRPr lang="en-US" altLang="ko-KR" sz="4500" b="0" i="0" u="none" strike="noStrike" spc="-153" dirty="0">
               <a:latin typeface="Noto Sans KR ExtraBold" panose="020B0200000000000000" pitchFamily="50" charset="-127"/>
@@ -16531,7 +17171,7 @@
         </p:nvSpPr>
         <p:spPr>
           <a:xfrm>
-            <a:off x="10699655" y="7557050"/>
+            <a:off x="10699655" y="8784280"/>
             <a:ext cx="10923969" cy="2961910"/>
           </a:xfrm>
           <a:prstGeom prst="rect">
@@ -16552,7 +17192,21 @@
                 <a:latin typeface="Noto Sans KR ExtraBold" panose="020B0200000000000000" pitchFamily="50" charset="-127"/>
                 <a:ea typeface="Noto Sans KR ExtraBold" panose="020B0200000000000000" pitchFamily="50" charset="-127"/>
               </a:rPr>
-              <a:t> 2) DICOM </a:t>
+              <a:t> 2) </a:t>
+            </a:r>
+            <a:r>
+              <a:rPr lang="en-US" altLang="ko-KR" sz="4500" spc="-153" dirty="0">
+                <a:latin typeface="Roboto Condensed ExtraBold" panose="02000000000000000000" pitchFamily="2" charset="0"/>
+                <a:ea typeface="Roboto Condensed ExtraBold" panose="02000000000000000000" pitchFamily="2" charset="0"/>
+              </a:rPr>
+              <a:t>DICOM</a:t>
+            </a:r>
+            <a:r>
+              <a:rPr lang="en-US" altLang="ko-KR" sz="4500" spc="-153" dirty="0">
+                <a:latin typeface="Noto Sans KR ExtraBold" panose="020B0200000000000000" pitchFamily="50" charset="-127"/>
+                <a:ea typeface="Noto Sans KR ExtraBold" panose="020B0200000000000000" pitchFamily="50" charset="-127"/>
+              </a:rPr>
+              <a:t> </a:t>
             </a:r>
             <a:r>
               <a:rPr lang="ko-KR" altLang="en-US" sz="4500" spc="-153" dirty="0">
@@ -16566,7 +17220,14 @@
                 <a:latin typeface="Noto Sans KR ExtraBold" panose="020B0200000000000000" pitchFamily="50" charset="-127"/>
                 <a:ea typeface="Noto Sans KR ExtraBold" panose="020B0200000000000000" pitchFamily="50" charset="-127"/>
               </a:rPr>
-              <a:t>→ JPG</a:t>
+              <a:t>→ </a:t>
+            </a:r>
+            <a:r>
+              <a:rPr lang="en-US" altLang="ko-KR" sz="4500" spc="-153" dirty="0">
+                <a:latin typeface="Roboto Condensed ExtraBold" panose="02000000000000000000" pitchFamily="2" charset="0"/>
+                <a:ea typeface="Roboto Condensed ExtraBold" panose="02000000000000000000" pitchFamily="2" charset="0"/>
+              </a:rPr>
+              <a:t>JPG</a:t>
             </a:r>
             <a:r>
               <a:rPr lang="ko-KR" altLang="en-US" sz="4500" spc="-153" dirty="0">
@@ -16591,85 +17252,6 @@
                 <a:latin typeface="Noto Sans KR ExtraBold" panose="020B0200000000000000" pitchFamily="50" charset="-127"/>
                 <a:ea typeface="Noto Sans KR ExtraBold" panose="020B0200000000000000" pitchFamily="50" charset="-127"/>
               </a:rPr>
-              <a:t>    - DICOM </a:t>
-            </a:r>
-            <a:r>
-              <a:rPr lang="ko-KR" altLang="en-US" sz="4500" spc="-153" dirty="0">
-                <a:latin typeface="Noto Sans KR ExtraBold" panose="020B0200000000000000" pitchFamily="50" charset="-127"/>
-                <a:ea typeface="Noto Sans KR ExtraBold" panose="020B0200000000000000" pitchFamily="50" charset="-127"/>
-              </a:rPr>
-              <a:t>형식도 실제 서비스에서 사용 가능</a:t>
-            </a:r>
-            <a:endParaRPr lang="en-US" altLang="ko-KR" sz="4500" b="0" i="0" u="none" strike="noStrike" spc="-153" dirty="0">
-              <a:latin typeface="Noto Sans KR ExtraBold" panose="020B0200000000000000" pitchFamily="50" charset="-127"/>
-              <a:ea typeface="Noto Sans KR ExtraBold" panose="020B0200000000000000" pitchFamily="50" charset="-127"/>
-            </a:endParaRPr>
-          </a:p>
-        </p:txBody>
-      </p:sp>
-      <p:sp>
-        <p:nvSpPr>
-          <p:cNvPr id="13" name="TextBox 5">
-            <a:extLst>
-              <a:ext uri="{FF2B5EF4-FFF2-40B4-BE49-F238E27FC236}">
-                <a16:creationId xmlns:a16="http://schemas.microsoft.com/office/drawing/2014/main" id="{4975F728-3E6A-4D34-A761-13BD533D4CCD}"/>
-              </a:ext>
-            </a:extLst>
-          </p:cNvPr>
-          <p:cNvSpPr txBox="1"/>
-          <p:nvPr/>
-        </p:nvSpPr>
-        <p:spPr>
-          <a:xfrm>
-            <a:off x="10774414" y="10180011"/>
-            <a:ext cx="10563126" cy="2961910"/>
-          </a:xfrm>
-          <a:prstGeom prst="rect">
-            <a:avLst/>
-          </a:prstGeom>
-        </p:spPr>
-        <p:txBody>
-          <a:bodyPr rtlCol="0" anchor="ctr"/>
-          <a:lstStyle/>
-          <a:p>
-            <a:pPr lvl="0" algn="l">
-              <a:lnSpc>
-                <a:spcPct val="155126"/>
-              </a:lnSpc>
-            </a:pPr>
-            <a:r>
-              <a:rPr lang="en-US" altLang="ko-KR" sz="4500" spc="-153" dirty="0">
-                <a:latin typeface="Noto Sans KR ExtraBold" panose="020B0200000000000000" pitchFamily="50" charset="-127"/>
-                <a:ea typeface="Noto Sans KR ExtraBold" panose="020B0200000000000000" pitchFamily="50" charset="-127"/>
-              </a:rPr>
-              <a:t> 3) </a:t>
-            </a:r>
-            <a:r>
-              <a:rPr lang="ko-KR" altLang="en-US" sz="4500" spc="-153" dirty="0">
-                <a:latin typeface="Noto Sans KR ExtraBold" panose="020B0200000000000000" pitchFamily="50" charset="-127"/>
-                <a:ea typeface="Noto Sans KR ExtraBold" panose="020B0200000000000000" pitchFamily="50" charset="-127"/>
-              </a:rPr>
-              <a:t>웹 배포</a:t>
-            </a:r>
-            <a:r>
-              <a:rPr lang="en-US" altLang="ko-KR" sz="4500" spc="-153" dirty="0">
-                <a:latin typeface="Noto Sans KR ExtraBold" panose="020B0200000000000000" pitchFamily="50" charset="-127"/>
-                <a:ea typeface="Noto Sans KR ExtraBold" panose="020B0200000000000000" pitchFamily="50" charset="-127"/>
-              </a:rPr>
-              <a:t> </a:t>
-            </a:r>
-          </a:p>
-          <a:p>
-            <a:pPr lvl="0" algn="l">
-              <a:lnSpc>
-                <a:spcPct val="155126"/>
-              </a:lnSpc>
-            </a:pPr>
-            <a:r>
-              <a:rPr lang="en-US" altLang="ko-KR" sz="4500" spc="-153" dirty="0">
-                <a:latin typeface="Noto Sans KR ExtraBold" panose="020B0200000000000000" pitchFamily="50" charset="-127"/>
-                <a:ea typeface="Noto Sans KR ExtraBold" panose="020B0200000000000000" pitchFamily="50" charset="-127"/>
-              </a:rPr>
               <a:t>    - </a:t>
             </a:r>
             <a:r>
@@ -16677,28 +17259,21 @@
                 <a:latin typeface="Roboto Condensed ExtraBold" panose="02000000000000000000" pitchFamily="2" charset="0"/>
                 <a:ea typeface="Roboto Condensed ExtraBold" panose="02000000000000000000" pitchFamily="2" charset="0"/>
               </a:rPr>
-              <a:t>AWS/</a:t>
-            </a:r>
-            <a:r>
-              <a:rPr lang="en-US" altLang="ko-KR" sz="4500" spc="-153" dirty="0" err="1">
-                <a:latin typeface="Roboto Condensed ExtraBold" panose="02000000000000000000" pitchFamily="2" charset="0"/>
-                <a:ea typeface="Roboto Condensed ExtraBold" panose="02000000000000000000" pitchFamily="2" charset="0"/>
-              </a:rPr>
-              <a:t>Streamlit</a:t>
+              <a:t>DICOM</a:t>
             </a:r>
             <a:r>
               <a:rPr lang="en-US" altLang="ko-KR" sz="4500" spc="-153" dirty="0">
-                <a:latin typeface="Roboto Condensed ExtraBold" panose="02000000000000000000" pitchFamily="2" charset="0"/>
-                <a:ea typeface="Roboto Condensed ExtraBold" panose="02000000000000000000" pitchFamily="2" charset="0"/>
-              </a:rPr>
-              <a:t> Cloud</a:t>
+                <a:latin typeface="Noto Sans KR ExtraBold" panose="020B0200000000000000" pitchFamily="50" charset="-127"/>
+                <a:ea typeface="Noto Sans KR ExtraBold" panose="020B0200000000000000" pitchFamily="50" charset="-127"/>
+              </a:rPr>
+              <a:t> </a:t>
             </a:r>
             <a:r>
               <a:rPr lang="ko-KR" altLang="en-US" sz="4500" spc="-153" dirty="0">
                 <a:latin typeface="Noto Sans KR ExtraBold" panose="020B0200000000000000" pitchFamily="50" charset="-127"/>
                 <a:ea typeface="Noto Sans KR ExtraBold" panose="020B0200000000000000" pitchFamily="50" charset="-127"/>
               </a:rPr>
-              <a:t>로 웹 접근성 향상</a:t>
+              <a:t>형식도 실제 서비스에서 사용 가능</a:t>
             </a:r>
             <a:endParaRPr lang="en-US" altLang="ko-KR" sz="4500" b="0" i="0" u="none" strike="noStrike" spc="-153" dirty="0">
               <a:latin typeface="Noto Sans KR ExtraBold" panose="020B0200000000000000" pitchFamily="50" charset="-127"/>
@@ -16763,7 +17338,7 @@
 </p:sld>
 </file>
 
-<file path=ppt/slides/slide23.xml><?xml version="1.0" encoding="utf-8"?>
+<file path=ppt/slides/slide24.xml><?xml version="1.0" encoding="utf-8"?>
 <p:sld xmlns:a="http://schemas.openxmlformats.org/drawingml/2006/main" xmlns:r="http://schemas.openxmlformats.org/officeDocument/2006/relationships" xmlns:p="http://schemas.openxmlformats.org/presentationml/2006/main">
   <p:cSld>
     <p:bg>
@@ -16845,7 +17420,7 @@
 </p:sld>
 </file>
 
-<file path=ppt/slides/slide24.xml><?xml version="1.0" encoding="utf-8"?>
+<file path=ppt/slides/slide25.xml><?xml version="1.0" encoding="utf-8"?>
 <p:sld xmlns:a="http://schemas.openxmlformats.org/drawingml/2006/main" xmlns:r="http://schemas.openxmlformats.org/officeDocument/2006/relationships" xmlns:p="http://schemas.openxmlformats.org/presentationml/2006/main">
   <p:cSld>
     <p:bg>
@@ -18106,7 +18681,7 @@
           <p:nvPr>
             <p:extLst>
               <p:ext uri="{D42A27DB-BD31-4B8C-83A1-F6EECF244321}">
-                <p14:modId xmlns:p14="http://schemas.microsoft.com/office/powerpoint/2010/main" val="369064939"/>
+                <p14:modId xmlns:p14="http://schemas.microsoft.com/office/powerpoint/2010/main" val="3899016767"/>
               </p:ext>
             </p:extLst>
           </p:nvPr>
@@ -20030,8 +20605,8 @@
                           <a:solidFill>
                             <a:schemeClr val="tx1"/>
                           </a:solidFill>
-                          <a:latin typeface="Noto Sans KR ExtraBold" panose="020B0200000000000000" pitchFamily="50" charset="-127"/>
-                          <a:ea typeface="Noto Sans KR ExtraBold" panose="020B0200000000000000" pitchFamily="50" charset="-127"/>
+                          <a:latin typeface="Roboto Condensed ExtraBold" panose="02000000000000000000" pitchFamily="2" charset="0"/>
+                          <a:ea typeface="Roboto Condensed ExtraBold" panose="02000000000000000000" pitchFamily="2" charset="0"/>
                         </a:rPr>
                         <a:t>Spring Security</a:t>
                       </a:r>
@@ -20048,10 +20623,20 @@
                           <a:solidFill>
                             <a:schemeClr val="tx1"/>
                           </a:solidFill>
-                          <a:latin typeface="Noto Sans KR ExtraBold" panose="020B0200000000000000" pitchFamily="50" charset="-127"/>
+                          <a:latin typeface="Roboto Condensed ExtraBold" panose="02000000000000000000" pitchFamily="2" charset="0"/>
+                          <a:ea typeface="Roboto Condensed ExtraBold" panose="02000000000000000000" pitchFamily="2" charset="0"/>
+                        </a:rPr>
+                        <a:t> + JWT</a:t>
+                      </a:r>
+                      <a:r>
+                        <a:rPr lang="ko-KR" altLang="en-US" sz="3500" b="1" dirty="0">
+                          <a:solidFill>
+                            <a:schemeClr val="tx1"/>
+                          </a:solidFill>
+                          <a:latin typeface="Roboto Condensed ExtraBold" panose="02000000000000000000" pitchFamily="2" charset="0"/>
                           <a:ea typeface="Noto Sans KR ExtraBold" panose="020B0200000000000000" pitchFamily="50" charset="-127"/>
                         </a:rPr>
-                        <a:t> + JWT</a:t>
+                        <a:t> </a:t>
                       </a:r>
                       <a:r>
                         <a:rPr lang="ko-KR" altLang="en-US" sz="3500" b="1" dirty="0">
@@ -20061,7 +20646,7 @@
                           <a:latin typeface="Noto Sans KR ExtraBold" panose="020B0200000000000000" pitchFamily="50" charset="-127"/>
                           <a:ea typeface="Noto Sans KR ExtraBold" panose="020B0200000000000000" pitchFamily="50" charset="-127"/>
                         </a:rPr>
-                        <a:t> 적용</a:t>
+                        <a:t>적용</a:t>
                       </a:r>
                       <a:endParaRPr lang="en-US" sz="3500" b="1" dirty="0">
                         <a:solidFill>
@@ -20335,6 +20920,36 @@
                         <a:defRPr/>
                       </a:pPr>
                       <a:r>
+                        <a:rPr lang="en-US" altLang="ko-KR" sz="3500" b="1" i="0" u="none" strike="noStrike" dirty="0">
+                          <a:solidFill>
+                            <a:schemeClr val="tx1"/>
+                          </a:solidFill>
+                          <a:latin typeface="Roboto Condensed ExtraBold" panose="02000000000000000000" pitchFamily="2" charset="0"/>
+                          <a:ea typeface="Roboto Condensed ExtraBold" panose="02000000000000000000" pitchFamily="2" charset="0"/>
+                        </a:rPr>
+                        <a:t>AWS </a:t>
+                      </a:r>
+                      <a:r>
+                        <a:rPr lang="en-US" altLang="ko-KR" sz="3500" b="1" i="0" u="none" strike="noStrike" dirty="0" err="1">
+                          <a:solidFill>
+                            <a:schemeClr val="tx1"/>
+                          </a:solidFill>
+                          <a:latin typeface="Roboto Condensed ExtraBold" panose="02000000000000000000" pitchFamily="2" charset="0"/>
+                          <a:ea typeface="Roboto Condensed ExtraBold" panose="02000000000000000000" pitchFamily="2" charset="0"/>
+                        </a:rPr>
+                        <a:t>Lightsail</a:t>
+                      </a:r>
+                      <a:r>
+                        <a:rPr lang="en-US" altLang="ko-KR" sz="3500" b="1" i="0" u="none" strike="noStrike" dirty="0">
+                          <a:solidFill>
+                            <a:schemeClr val="tx1"/>
+                          </a:solidFill>
+                          <a:latin typeface="Noto Sans KR ExtraBold" panose="020B0200000000000000" pitchFamily="50" charset="-127"/>
+                          <a:ea typeface="Noto Sans KR ExtraBold" panose="020B0200000000000000" pitchFamily="50" charset="-127"/>
+                        </a:rPr>
+                        <a:t> </a:t>
+                      </a:r>
+                      <a:r>
                         <a:rPr lang="ko-KR" altLang="en-US" sz="3500" b="1" i="0" u="none" strike="noStrike" dirty="0">
                           <a:solidFill>
                             <a:schemeClr val="tx1"/>
@@ -20342,7 +20957,7 @@
                           <a:latin typeface="Noto Sans KR ExtraBold" panose="020B0200000000000000" pitchFamily="50" charset="-127"/>
                           <a:ea typeface="Noto Sans KR ExtraBold" panose="020B0200000000000000" pitchFamily="50" charset="-127"/>
                         </a:rPr>
-                        <a:t>모델 로드 및 예측 기능 구현</a:t>
+                        <a:t>웹 배포 작업</a:t>
                       </a:r>
                       <a:endParaRPr lang="en-US" sz="3500" b="1" dirty="0">
                         <a:solidFill>
@@ -21308,13 +21923,38 @@
               </a:rPr>
               <a:t>Suite(STS)</a:t>
             </a:r>
+          </a:p>
+          <a:p>
+            <a:pPr lvl="0" algn="l">
+              <a:lnSpc>
+                <a:spcPct val="155126"/>
+              </a:lnSpc>
+            </a:pPr>
             <a:r>
               <a:rPr lang="en-US" sz="5000" spc="-140" dirty="0">
                 <a:latin typeface="Roboto Condensed ExtraBold" panose="02000000000000000000" pitchFamily="2" charset="0"/>
                 <a:ea typeface="Roboto Condensed ExtraBold" panose="02000000000000000000" pitchFamily="2" charset="0"/>
               </a:rPr>
-              <a:t> </a:t>
-            </a:r>
+              <a:t>      </a:t>
+            </a:r>
+            <a:r>
+              <a:rPr lang="en-US" altLang="ko-KR" sz="5000" spc="-140" dirty="0">
+                <a:latin typeface="Roboto Condensed ExtraBold" panose="02000000000000000000" pitchFamily="2" charset="0"/>
+                <a:ea typeface="Roboto Condensed ExtraBold" panose="02000000000000000000" pitchFamily="2" charset="0"/>
+              </a:rPr>
+              <a:t> - AWS </a:t>
+            </a:r>
+            <a:r>
+              <a:rPr lang="en-US" altLang="ko-KR" sz="5000" spc="-140" dirty="0" err="1">
+                <a:latin typeface="Roboto Condensed ExtraBold" panose="02000000000000000000" pitchFamily="2" charset="0"/>
+                <a:ea typeface="Roboto Condensed ExtraBold" panose="02000000000000000000" pitchFamily="2" charset="0"/>
+              </a:rPr>
+              <a:t>Lightsail</a:t>
+            </a:r>
+            <a:endParaRPr lang="en-US" sz="5000" spc="-140" dirty="0">
+              <a:latin typeface="Roboto Condensed ExtraBold" panose="02000000000000000000" pitchFamily="2" charset="0"/>
+              <a:ea typeface="Roboto Condensed ExtraBold" panose="02000000000000000000" pitchFamily="2" charset="0"/>
+            </a:endParaRPr>
           </a:p>
           <a:p>
             <a:pPr lvl="0" algn="l">
@@ -22694,7 +23334,7 @@
                 <a:latin typeface="Noto Sans KR ExtraBold" panose="020B0200000000000000" pitchFamily="50" charset="-127"/>
                 <a:ea typeface="Noto Sans KR ExtraBold" panose="020B0200000000000000" pitchFamily="50" charset="-127"/>
               </a:rPr>
-              <a:t>개발</a:t>
+              <a:t>개발 및 웹 배포</a:t>
             </a:r>
             <a:endParaRPr lang="en-US" altLang="ko-KR" sz="4000" b="0" i="0" u="none" strike="noStrike" dirty="0">
               <a:latin typeface="Noto Sans KR ExtraBold" panose="020B0200000000000000" pitchFamily="50" charset="-127"/>
@@ -23878,9 +24518,9 @@
         <p:grpSpPr>
           <a:xfrm>
             <a:off x="18841572" y="6079138"/>
-            <a:ext cx="6075828" cy="4055462"/>
+            <a:ext cx="5851957" cy="4055462"/>
             <a:chOff x="2057400" y="3546613"/>
-            <a:chExt cx="6075828" cy="4055462"/>
+            <a:chExt cx="5851957" cy="4055462"/>
           </a:xfrm>
         </p:grpSpPr>
         <p:pic>
@@ -23932,7 +24572,7 @@
           </p:nvSpPr>
           <p:spPr>
             <a:xfrm>
-              <a:off x="2723028" y="5074279"/>
+              <a:off x="2499157" y="4724400"/>
               <a:ext cx="5410200" cy="1994396"/>
             </a:xfrm>
             <a:prstGeom prst="rect">
@@ -23956,7 +24596,31 @@
                   <a:latin typeface="Noto Sans KR ExtraBold" panose="020B0200000000000000" pitchFamily="50" charset="-127"/>
                   <a:ea typeface="Noto Sans KR ExtraBold" panose="020B0200000000000000" pitchFamily="50" charset="-127"/>
                 </a:rPr>
-                <a:t>대시 보드 구현</a:t>
+                <a:t>대시 보드 구현 및</a:t>
+              </a:r>
+              <a:endParaRPr lang="en-US" altLang="ko-KR" sz="4000" b="0" i="0" u="none" strike="noStrike" dirty="0">
+                <a:solidFill>
+                  <a:srgbClr val="197A52"/>
+                </a:solidFill>
+                <a:latin typeface="Noto Sans KR ExtraBold" panose="020B0200000000000000" pitchFamily="50" charset="-127"/>
+                <a:ea typeface="Noto Sans KR ExtraBold" panose="020B0200000000000000" pitchFamily="50" charset="-127"/>
+              </a:endParaRPr>
+            </a:p>
+            <a:p>
+              <a:pPr lvl="0">
+                <a:lnSpc>
+                  <a:spcPct val="150000"/>
+                </a:lnSpc>
+              </a:pPr>
+              <a:r>
+                <a:rPr lang="ko-KR" altLang="en-US" sz="4000" dirty="0">
+                  <a:solidFill>
+                    <a:srgbClr val="197A52"/>
+                  </a:solidFill>
+                  <a:latin typeface="Noto Sans KR ExtraBold" panose="020B0200000000000000" pitchFamily="50" charset="-127"/>
+                  <a:ea typeface="Noto Sans KR ExtraBold" panose="020B0200000000000000" pitchFamily="50" charset="-127"/>
+                </a:rPr>
+                <a:t>        웹 배포</a:t>
               </a:r>
               <a:endParaRPr lang="en-US" altLang="ko-KR" sz="4000" b="0" i="0" u="none" strike="noStrike" dirty="0">
                 <a:solidFill>

--- a/Slide/B팀_Claude_뇌출혈 조기 진단 프로젝트.pptx
+++ b/Slide/B팀_Claude_뇌출혈 조기 진단 프로젝트.pptx
@@ -5,7 +5,7 @@
     <p:sldMasterId id="2147483648" r:id="rId1"/>
   </p:sldMasterIdLst>
   <p:notesMasterIdLst>
-    <p:notesMasterId r:id="rId27"/>
+    <p:notesMasterId r:id="rId28"/>
   </p:notesMasterIdLst>
   <p:sldIdLst>
     <p:sldId id="256" r:id="rId2"/>
@@ -31,37 +31,38 @@
     <p:sldId id="290" r:id="rId22"/>
     <p:sldId id="291" r:id="rId23"/>
     <p:sldId id="292" r:id="rId24"/>
-    <p:sldId id="296" r:id="rId25"/>
-    <p:sldId id="297" r:id="rId26"/>
+    <p:sldId id="315" r:id="rId25"/>
+    <p:sldId id="296" r:id="rId26"/>
+    <p:sldId id="297" r:id="rId27"/>
   </p:sldIdLst>
   <p:sldSz cx="24384000" cy="13716000"/>
   <p:notesSz cx="6858000" cy="9144000"/>
   <p:embeddedFontLst>
     <p:embeddedFont>
       <p:font typeface="Calibri" panose="020F0502020204030204" pitchFamily="34" charset="0"/>
-      <p:regular r:id="rId28"/>
-      <p:bold r:id="rId29"/>
-      <p:italic r:id="rId30"/>
-      <p:boldItalic r:id="rId31"/>
+      <p:regular r:id="rId29"/>
+      <p:bold r:id="rId30"/>
+      <p:italic r:id="rId31"/>
+      <p:boldItalic r:id="rId32"/>
     </p:embeddedFont>
     <p:embeddedFont>
       <p:font typeface="Noto Sans KR ExtraBold" panose="020B0200000000000000" pitchFamily="50" charset="-127"/>
-      <p:bold r:id="rId32"/>
+      <p:bold r:id="rId33"/>
     </p:embeddedFont>
     <p:embeddedFont>
       <p:font typeface="Roboto Condensed ExtraBold" panose="02000000000000000000" pitchFamily="2" charset="0"/>
-      <p:bold r:id="rId33"/>
-      <p:boldItalic r:id="rId34"/>
+      <p:bold r:id="rId34"/>
+      <p:boldItalic r:id="rId35"/>
     </p:embeddedFont>
     <p:embeddedFont>
       <p:font typeface="Roboto ExtraBold" panose="02000000000000000000" pitchFamily="2" charset="0"/>
-      <p:bold r:id="rId35"/>
-      <p:boldItalic r:id="rId36"/>
+      <p:bold r:id="rId36"/>
+      <p:boldItalic r:id="rId37"/>
     </p:embeddedFont>
     <p:embeddedFont>
       <p:font typeface="맑은 고딕" panose="020B0503020000020004" pitchFamily="50" charset="-127"/>
-      <p:regular r:id="rId37"/>
-      <p:bold r:id="rId38"/>
+      <p:regular r:id="rId38"/>
+      <p:bold r:id="rId39"/>
     </p:embeddedFont>
   </p:embeddedFontLst>
   <p:defaultTextStyle>
@@ -3922,32 +3923,25 @@
               </a:lnSpc>
             </a:pPr>
             <a:r>
-              <a:rPr lang="ko-KR" altLang="en-US" sz="4000" spc="-150" dirty="0">
-                <a:latin typeface="Noto Sans KR ExtraBold" panose="020B0200000000000000" pitchFamily="50" charset="-127"/>
-                <a:ea typeface="Noto Sans KR ExtraBold" panose="020B0200000000000000" pitchFamily="50" charset="-127"/>
-              </a:rPr>
-              <a:t>멘토</a:t>
-            </a:r>
-            <a:r>
-              <a:rPr lang="en-US" altLang="ko-KR" sz="4000" spc="-150" dirty="0">
+              <a:rPr lang="ko-KR" altLang="en-US" sz="4000" b="0" i="0" u="none" strike="noStrike" spc="-150" dirty="0">
+                <a:latin typeface="Noto Sans KR ExtraBold" panose="020B0200000000000000" pitchFamily="50" charset="-127"/>
+                <a:ea typeface="Noto Sans KR ExtraBold" panose="020B0200000000000000" pitchFamily="50" charset="-127"/>
+              </a:rPr>
+              <a:t>팀장</a:t>
+            </a:r>
+            <a:r>
+              <a:rPr lang="en-US" altLang="ko-KR" sz="4000" b="0" i="0" u="none" strike="noStrike" spc="-150" dirty="0">
                 <a:latin typeface="Noto Sans KR ExtraBold" panose="020B0200000000000000" pitchFamily="50" charset="-127"/>
                 <a:ea typeface="Noto Sans KR ExtraBold" panose="020B0200000000000000" pitchFamily="50" charset="-127"/>
               </a:rPr>
               <a:t>: </a:t>
             </a:r>
             <a:r>
-              <a:rPr lang="ko-KR" altLang="en-US" sz="4000" spc="-150" dirty="0" err="1">
-                <a:latin typeface="Noto Sans KR ExtraBold" panose="020B0200000000000000" pitchFamily="50" charset="-127"/>
-                <a:ea typeface="Noto Sans KR ExtraBold" panose="020B0200000000000000" pitchFamily="50" charset="-127"/>
-              </a:rPr>
-              <a:t>신형섭</a:t>
-            </a:r>
-            <a:r>
-              <a:rPr lang="ko-KR" altLang="en-US" sz="4000" spc="-150" dirty="0">
-                <a:latin typeface="Noto Sans KR ExtraBold" panose="020B0200000000000000" pitchFamily="50" charset="-127"/>
-                <a:ea typeface="Noto Sans KR ExtraBold" panose="020B0200000000000000" pitchFamily="50" charset="-127"/>
-              </a:rPr>
-              <a:t> 대표</a:t>
+              <a:rPr lang="ko-KR" altLang="en-US" sz="4000" b="0" i="0" u="none" strike="noStrike" spc="-150" dirty="0">
+                <a:latin typeface="Noto Sans KR ExtraBold" panose="020B0200000000000000" pitchFamily="50" charset="-127"/>
+                <a:ea typeface="Noto Sans KR ExtraBold" panose="020B0200000000000000" pitchFamily="50" charset="-127"/>
+              </a:rPr>
+              <a:t>박아진</a:t>
             </a:r>
             <a:endParaRPr lang="en-US" altLang="ko-KR" sz="4000" b="0" i="0" u="none" strike="noStrike" spc="-150" dirty="0">
               <a:latin typeface="Noto Sans KR ExtraBold" panose="020B0200000000000000" pitchFamily="50" charset="-127"/>
@@ -3961,25 +3955,78 @@
               </a:lnSpc>
             </a:pPr>
             <a:r>
-              <a:rPr lang="ko-KR" altLang="en-US" sz="4000" b="0" i="0" u="none" strike="noStrike" spc="-150" dirty="0">
-                <a:latin typeface="Noto Sans KR ExtraBold" panose="020B0200000000000000" pitchFamily="50" charset="-127"/>
-                <a:ea typeface="Noto Sans KR ExtraBold" panose="020B0200000000000000" pitchFamily="50" charset="-127"/>
-              </a:rPr>
-              <a:t>팀장</a:t>
-            </a:r>
-            <a:r>
-              <a:rPr lang="en-US" altLang="ko-KR" sz="4000" b="0" i="0" u="none" strike="noStrike" spc="-150" dirty="0">
+              <a:rPr lang="ko-KR" altLang="en-US" sz="4000" spc="-150" dirty="0">
+                <a:latin typeface="Noto Sans KR ExtraBold" panose="020B0200000000000000" pitchFamily="50" charset="-127"/>
+                <a:ea typeface="Noto Sans KR ExtraBold" panose="020B0200000000000000" pitchFamily="50" charset="-127"/>
+              </a:rPr>
+              <a:t>팀원</a:t>
+            </a:r>
+            <a:r>
+              <a:rPr lang="en-US" altLang="ko-KR" sz="4000" spc="-150" dirty="0">
                 <a:latin typeface="Noto Sans KR ExtraBold" panose="020B0200000000000000" pitchFamily="50" charset="-127"/>
                 <a:ea typeface="Noto Sans KR ExtraBold" panose="020B0200000000000000" pitchFamily="50" charset="-127"/>
               </a:rPr>
               <a:t>: </a:t>
             </a:r>
             <a:r>
-              <a:rPr lang="ko-KR" altLang="en-US" sz="4000" b="0" i="0" u="none" strike="noStrike" spc="-150" dirty="0">
-                <a:latin typeface="Noto Sans KR ExtraBold" panose="020B0200000000000000" pitchFamily="50" charset="-127"/>
-                <a:ea typeface="Noto Sans KR ExtraBold" panose="020B0200000000000000" pitchFamily="50" charset="-127"/>
-              </a:rPr>
-              <a:t>박아진</a:t>
+              <a:rPr lang="ko-KR" altLang="en-US" sz="4000" spc="-150" dirty="0">
+                <a:latin typeface="Noto Sans KR ExtraBold" panose="020B0200000000000000" pitchFamily="50" charset="-127"/>
+                <a:ea typeface="Noto Sans KR ExtraBold" panose="020B0200000000000000" pitchFamily="50" charset="-127"/>
+              </a:rPr>
+              <a:t>이재혁</a:t>
+            </a:r>
+            <a:r>
+              <a:rPr lang="en-US" altLang="ko-KR" sz="4000" spc="-150" dirty="0">
+                <a:latin typeface="Noto Sans KR ExtraBold" panose="020B0200000000000000" pitchFamily="50" charset="-127"/>
+                <a:ea typeface="Noto Sans KR ExtraBold" panose="020B0200000000000000" pitchFamily="50" charset="-127"/>
+              </a:rPr>
+              <a:t>, </a:t>
+            </a:r>
+            <a:r>
+              <a:rPr lang="ko-KR" altLang="en-US" sz="4000" spc="-150" dirty="0" err="1">
+                <a:latin typeface="Noto Sans KR ExtraBold" panose="020B0200000000000000" pitchFamily="50" charset="-127"/>
+                <a:ea typeface="Noto Sans KR ExtraBold" panose="020B0200000000000000" pitchFamily="50" charset="-127"/>
+              </a:rPr>
+              <a:t>전진원</a:t>
+            </a:r>
+            <a:endParaRPr lang="en-US" altLang="ko-KR" sz="4000" spc="-150" dirty="0">
+              <a:latin typeface="Noto Sans KR ExtraBold" panose="020B0200000000000000" pitchFamily="50" charset="-127"/>
+              <a:ea typeface="Noto Sans KR ExtraBold" panose="020B0200000000000000" pitchFamily="50" charset="-127"/>
+            </a:endParaRPr>
+          </a:p>
+          <a:p>
+            <a:pPr>
+              <a:lnSpc>
+                <a:spcPct val="116199"/>
+              </a:lnSpc>
+            </a:pPr>
+            <a:r>
+              <a:rPr lang="ko-KR" altLang="en-US" sz="4000" spc="-150" dirty="0">
+                <a:latin typeface="Noto Sans KR ExtraBold" panose="020B0200000000000000" pitchFamily="50" charset="-127"/>
+                <a:ea typeface="Noto Sans KR ExtraBold" panose="020B0200000000000000" pitchFamily="50" charset="-127"/>
+              </a:rPr>
+              <a:t>멘토</a:t>
+            </a:r>
+            <a:r>
+              <a:rPr lang="en-US" altLang="ko-KR" sz="4000" spc="-150" dirty="0">
+                <a:latin typeface="Noto Sans KR ExtraBold" panose="020B0200000000000000" pitchFamily="50" charset="-127"/>
+                <a:ea typeface="Noto Sans KR ExtraBold" panose="020B0200000000000000" pitchFamily="50" charset="-127"/>
+              </a:rPr>
+              <a:t>: </a:t>
+            </a:r>
+            <a:r>
+              <a:rPr lang="ko-KR" altLang="en-US" sz="4000" spc="-150" dirty="0" err="1">
+                <a:latin typeface="Noto Sans KR ExtraBold" panose="020B0200000000000000" pitchFamily="50" charset="-127"/>
+                <a:ea typeface="Noto Sans KR ExtraBold" panose="020B0200000000000000" pitchFamily="50" charset="-127"/>
+              </a:rPr>
+              <a:t>신형섭</a:t>
+            </a:r>
+            <a:r>
+              <a:rPr lang="ko-KR" altLang="en-US" sz="4000" spc="-150" dirty="0">
+                <a:latin typeface="Noto Sans KR ExtraBold" panose="020B0200000000000000" pitchFamily="50" charset="-127"/>
+                <a:ea typeface="Noto Sans KR ExtraBold" panose="020B0200000000000000" pitchFamily="50" charset="-127"/>
+              </a:rPr>
+              <a:t> 대표</a:t>
             </a:r>
             <a:endParaRPr lang="en-US" altLang="ko-KR" sz="4000" b="0" i="0" u="none" strike="noStrike" spc="-150" dirty="0">
               <a:latin typeface="Noto Sans KR ExtraBold" panose="020B0200000000000000" pitchFamily="50" charset="-127"/>
@@ -3992,41 +4039,6 @@
                 <a:spcPct val="116199"/>
               </a:lnSpc>
             </a:pPr>
-            <a:r>
-              <a:rPr lang="ko-KR" altLang="en-US" sz="4000" spc="-150" dirty="0">
-                <a:latin typeface="Noto Sans KR ExtraBold" panose="020B0200000000000000" pitchFamily="50" charset="-127"/>
-                <a:ea typeface="Noto Sans KR ExtraBold" panose="020B0200000000000000" pitchFamily="50" charset="-127"/>
-              </a:rPr>
-              <a:t>팀원</a:t>
-            </a:r>
-            <a:r>
-              <a:rPr lang="en-US" altLang="ko-KR" sz="4000" spc="-150" dirty="0">
-                <a:latin typeface="Noto Sans KR ExtraBold" panose="020B0200000000000000" pitchFamily="50" charset="-127"/>
-                <a:ea typeface="Noto Sans KR ExtraBold" panose="020B0200000000000000" pitchFamily="50" charset="-127"/>
-              </a:rPr>
-              <a:t>: </a:t>
-            </a:r>
-            <a:r>
-              <a:rPr lang="ko-KR" altLang="en-US" sz="4000" spc="-150" dirty="0">
-                <a:latin typeface="Noto Sans KR ExtraBold" panose="020B0200000000000000" pitchFamily="50" charset="-127"/>
-                <a:ea typeface="Noto Sans KR ExtraBold" panose="020B0200000000000000" pitchFamily="50" charset="-127"/>
-              </a:rPr>
-              <a:t>이재혁</a:t>
-            </a:r>
-            <a:r>
-              <a:rPr lang="en-US" altLang="ko-KR" sz="4000" spc="-150" dirty="0">
-                <a:latin typeface="Noto Sans KR ExtraBold" panose="020B0200000000000000" pitchFamily="50" charset="-127"/>
-                <a:ea typeface="Noto Sans KR ExtraBold" panose="020B0200000000000000" pitchFamily="50" charset="-127"/>
-              </a:rPr>
-              <a:t>, </a:t>
-            </a:r>
-            <a:r>
-              <a:rPr lang="ko-KR" altLang="en-US" sz="4000" spc="-150" dirty="0" err="1">
-                <a:latin typeface="Noto Sans KR ExtraBold" panose="020B0200000000000000" pitchFamily="50" charset="-127"/>
-                <a:ea typeface="Noto Sans KR ExtraBold" panose="020B0200000000000000" pitchFamily="50" charset="-127"/>
-              </a:rPr>
-              <a:t>전진원</a:t>
-            </a:r>
             <a:endParaRPr lang="en" sz="4000" b="0" i="0" u="none" strike="noStrike" spc="-150" dirty="0">
               <a:latin typeface="Noto Sans KR ExtraBold" panose="020B0200000000000000" pitchFamily="50" charset="-127"/>
               <a:ea typeface="Noto Sans KR ExtraBold" panose="020B0200000000000000" pitchFamily="50" charset="-127"/>
@@ -4048,7 +4060,7 @@
         </p:nvGrpSpPr>
         <p:grpSpPr>
           <a:xfrm>
-            <a:off x="1805781" y="4876800"/>
+            <a:off x="1805781" y="5283200"/>
             <a:ext cx="20772438" cy="3276600"/>
             <a:chOff x="1805781" y="3810000"/>
             <a:chExt cx="20772438" cy="3276600"/>
@@ -4086,7 +4098,7 @@
                   <a:latin typeface="Roboto Condensed ExtraBold" panose="02000000000000000000" pitchFamily="2" charset="0"/>
                   <a:ea typeface="Roboto Condensed ExtraBold" panose="02000000000000000000" pitchFamily="2" charset="0"/>
                 </a:rPr>
-                <a:t>(CNN</a:t>
+                <a:t>CNN</a:t>
               </a:r>
               <a:r>
                 <a:rPr lang="ko-KR" altLang="en-US" sz="5000" b="0" i="0" u="none" strike="noStrike" spc="-150" dirty="0">
@@ -4127,16 +4139,6 @@
                   <a:ea typeface="Noto Sans KR ExtraBold" panose="020B0200000000000000" pitchFamily="50" charset="-127"/>
                 </a:rPr>
                 <a:t>기반 뇌출혈 예측 모델 비교 연구</a:t>
-              </a:r>
-              <a:r>
-                <a:rPr lang="en-US" altLang="ko-KR" sz="5000" b="0" i="0" u="none" strike="noStrike" spc="-150" dirty="0">
-                  <a:solidFill>
-                    <a:srgbClr val="197A52"/>
-                  </a:solidFill>
-                  <a:latin typeface="Noto Sans KR ExtraBold" panose="020B0200000000000000" pitchFamily="50" charset="-127"/>
-                  <a:ea typeface="Noto Sans KR ExtraBold" panose="020B0200000000000000" pitchFamily="50" charset="-127"/>
-                </a:rPr>
-                <a:t>)</a:t>
               </a:r>
               <a:endParaRPr lang="ko-KR" sz="5000" b="0" i="0" u="none" strike="noStrike" spc="-150" dirty="0">
                 <a:solidFill>
@@ -4193,6 +4195,44 @@
           </p:txBody>
         </p:sp>
       </p:grpSp>
+      <p:sp>
+        <p:nvSpPr>
+          <p:cNvPr id="3" name="TextBox 2">
+            <a:extLst>
+              <a:ext uri="{FF2B5EF4-FFF2-40B4-BE49-F238E27FC236}">
+                <a16:creationId xmlns:a16="http://schemas.microsoft.com/office/drawing/2014/main" id="{D2D54AB1-7E84-40A0-95B6-FDB4EE2BA4ED}"/>
+              </a:ext>
+            </a:extLst>
+          </p:cNvPr>
+          <p:cNvSpPr txBox="1"/>
+          <p:nvPr/>
+        </p:nvSpPr>
+        <p:spPr>
+          <a:xfrm>
+            <a:off x="9677400" y="4114800"/>
+            <a:ext cx="10744200" cy="861774"/>
+          </a:xfrm>
+          <a:prstGeom prst="rect">
+            <a:avLst/>
+          </a:prstGeom>
+          <a:noFill/>
+        </p:spPr>
+        <p:txBody>
+          <a:bodyPr wrap="square" rtlCol="0">
+            <a:spAutoFit/>
+          </a:bodyPr>
+          <a:lstStyle/>
+          <a:p>
+            <a:r>
+              <a:rPr lang="ko-KR" altLang="en-US" sz="5000" dirty="0">
+                <a:latin typeface="Noto Sans KR ExtraBold" panose="020B0200000000000000" pitchFamily="50" charset="-127"/>
+                <a:ea typeface="Noto Sans KR ExtraBold" panose="020B0200000000000000" pitchFamily="50" charset="-127"/>
+              </a:rPr>
+              <a:t>양정인력개발센터</a:t>
+            </a:r>
+          </a:p>
+        </p:txBody>
+      </p:sp>
     </p:spTree>
   </p:cSld>
   <p:clrMapOvr>
@@ -5140,16 +5180,6 @@
                 <a:spcPct val="116199"/>
               </a:lnSpc>
             </a:pPr>
-            <a:r>
-              <a:rPr lang="en-US" altLang="ko-KR" sz="6000" b="0" i="0" u="none" strike="noStrike" spc="-133" dirty="0">
-                <a:solidFill>
-                  <a:srgbClr val="197A52"/>
-                </a:solidFill>
-                <a:latin typeface="Noto Sans KR ExtraBold" panose="020B0200000000000000" pitchFamily="50" charset="-127"/>
-                <a:ea typeface="Noto Sans KR ExtraBold" panose="020B0200000000000000" pitchFamily="50" charset="-127"/>
-              </a:rPr>
-              <a:t>2. </a:t>
-            </a:r>
             <a:r>
               <a:rPr lang="ko-KR" altLang="en-US" sz="6000" b="0" i="0" u="none" strike="noStrike" spc="-133" dirty="0">
                 <a:solidFill>
@@ -6295,7 +6325,7 @@
                 <a:latin typeface="Roboto Condensed ExtraBold" panose="02000000000000000000" pitchFamily="2" charset="0"/>
                 <a:ea typeface="Roboto Condensed ExtraBold" panose="02000000000000000000" pitchFamily="2" charset="0"/>
               </a:rPr>
-              <a:t>- CNN</a:t>
+              <a:t>CNN</a:t>
             </a:r>
             <a:r>
               <a:rPr lang="en-US" altLang="ko-KR" sz="6000" spc="-133" dirty="0">
@@ -7673,16 +7703,6 @@
               </a:lnSpc>
             </a:pPr>
             <a:r>
-              <a:rPr lang="en-US" altLang="ko-KR" sz="6000" spc="-133" dirty="0">
-                <a:solidFill>
-                  <a:srgbClr val="197A52"/>
-                </a:solidFill>
-                <a:latin typeface="Noto Sans KR ExtraBold" panose="020B0200000000000000" pitchFamily="50" charset="-127"/>
-                <a:ea typeface="Noto Sans KR ExtraBold" panose="020B0200000000000000" pitchFamily="50" charset="-127"/>
-              </a:rPr>
-              <a:t>- </a:t>
-            </a:r>
-            <a:r>
               <a:rPr lang="ko-KR" altLang="en-US" sz="6000" spc="-133" dirty="0" err="1">
                 <a:solidFill>
                   <a:srgbClr val="197A52"/>
@@ -8685,16 +8705,6 @@
                 <a:spcPct val="116199"/>
               </a:lnSpc>
             </a:pPr>
-            <a:r>
-              <a:rPr lang="en-US" altLang="ko-KR" sz="6000" spc="-133" dirty="0">
-                <a:solidFill>
-                  <a:srgbClr val="197A52"/>
-                </a:solidFill>
-                <a:latin typeface="Roboto Condensed ExtraBold" panose="02000000000000000000" pitchFamily="2" charset="0"/>
-                <a:ea typeface="Roboto Condensed ExtraBold" panose="02000000000000000000" pitchFamily="2" charset="0"/>
-              </a:rPr>
-              <a:t>- </a:t>
-            </a:r>
             <a:r>
               <a:rPr lang="en-US" altLang="ko-KR" sz="6000" spc="-133" dirty="0" err="1">
                 <a:solidFill>
@@ -9667,16 +9677,6 @@
               </a:lnSpc>
             </a:pPr>
             <a:r>
-              <a:rPr lang="en-US" altLang="ko-KR" sz="6000" spc="-133" dirty="0">
-                <a:solidFill>
-                  <a:srgbClr val="197A52"/>
-                </a:solidFill>
-                <a:latin typeface="Roboto Condensed ExtraBold" panose="02000000000000000000" pitchFamily="2" charset="0"/>
-                <a:ea typeface="Roboto Condensed ExtraBold" panose="02000000000000000000" pitchFamily="2" charset="0"/>
-              </a:rPr>
-              <a:t>- </a:t>
-            </a:r>
-            <a:r>
               <a:rPr lang="en-US" altLang="ko-KR" sz="6000" spc="-133" dirty="0" err="1">
                 <a:solidFill>
                   <a:srgbClr val="197A52"/>
@@ -10034,26 +10034,6 @@
                 <a:spcPct val="116199"/>
               </a:lnSpc>
             </a:pPr>
-            <a:r>
-              <a:rPr lang="en-US" altLang="ko-KR" sz="6000" spc="-133" dirty="0">
-                <a:solidFill>
-                  <a:srgbClr val="197A52"/>
-                </a:solidFill>
-                <a:latin typeface="Noto Sans KR ExtraBold" panose="020B0200000000000000" pitchFamily="50" charset="-127"/>
-                <a:ea typeface="Noto Sans KR ExtraBold" panose="020B0200000000000000" pitchFamily="50" charset="-127"/>
-              </a:rPr>
-              <a:t>3</a:t>
-            </a:r>
-            <a:r>
-              <a:rPr lang="en-US" altLang="ko-KR" sz="6000" b="0" i="0" u="none" strike="noStrike" spc="-133" dirty="0">
-                <a:solidFill>
-                  <a:srgbClr val="197A52"/>
-                </a:solidFill>
-                <a:latin typeface="Noto Sans KR ExtraBold" panose="020B0200000000000000" pitchFamily="50" charset="-127"/>
-                <a:ea typeface="Noto Sans KR ExtraBold" panose="020B0200000000000000" pitchFamily="50" charset="-127"/>
-              </a:rPr>
-              <a:t>. </a:t>
-            </a:r>
             <a:r>
               <a:rPr lang="ko-KR" altLang="en-US" sz="6000" spc="-133" dirty="0">
                 <a:solidFill>
@@ -10879,16 +10859,6 @@
                 <a:spcPct val="116199"/>
               </a:lnSpc>
             </a:pPr>
-            <a:r>
-              <a:rPr lang="en-US" altLang="ko-KR" sz="6000" b="0" i="0" u="none" strike="noStrike" spc="-133" dirty="0">
-                <a:solidFill>
-                  <a:srgbClr val="197A52"/>
-                </a:solidFill>
-                <a:latin typeface="Noto Sans KR ExtraBold" panose="020B0200000000000000" pitchFamily="50" charset="-127"/>
-                <a:ea typeface="Noto Sans KR ExtraBold" panose="020B0200000000000000" pitchFamily="50" charset="-127"/>
-              </a:rPr>
-              <a:t>4. </a:t>
-            </a:r>
             <a:r>
               <a:rPr lang="ko-KR" altLang="en-US" sz="6000" b="0" i="0" u="none" strike="noStrike" spc="-133" dirty="0" err="1">
                 <a:solidFill>
@@ -12564,26 +12534,6 @@
               </a:lnSpc>
             </a:pPr>
             <a:r>
-              <a:rPr lang="en-US" altLang="ko-KR" sz="6000" spc="-133" dirty="0">
-                <a:solidFill>
-                  <a:srgbClr val="197A52"/>
-                </a:solidFill>
-                <a:latin typeface="Noto Sans KR ExtraBold" panose="020B0200000000000000" pitchFamily="50" charset="-127"/>
-                <a:ea typeface="Noto Sans KR ExtraBold" panose="020B0200000000000000" pitchFamily="50" charset="-127"/>
-              </a:rPr>
-              <a:t>5</a:t>
-            </a:r>
-            <a:r>
-              <a:rPr lang="en-US" altLang="ko-KR" sz="6000" b="0" i="0" u="none" strike="noStrike" spc="-133" dirty="0">
-                <a:solidFill>
-                  <a:srgbClr val="197A52"/>
-                </a:solidFill>
-                <a:latin typeface="Noto Sans KR ExtraBold" panose="020B0200000000000000" pitchFamily="50" charset="-127"/>
-                <a:ea typeface="Noto Sans KR ExtraBold" panose="020B0200000000000000" pitchFamily="50" charset="-127"/>
-              </a:rPr>
-              <a:t>. </a:t>
-            </a:r>
-            <a:r>
               <a:rPr lang="en-US" altLang="ko-KR" sz="6000" spc="-133" dirty="0" err="1">
                 <a:solidFill>
                   <a:srgbClr val="197A52"/>
@@ -13653,16 +13603,6 @@
               </a:lnSpc>
             </a:pPr>
             <a:r>
-              <a:rPr lang="en-US" altLang="ko-KR" sz="6000" spc="-133" dirty="0">
-                <a:solidFill>
-                  <a:srgbClr val="197A52"/>
-                </a:solidFill>
-                <a:latin typeface="Roboto Condensed ExtraBold" panose="02000000000000000000" pitchFamily="2" charset="0"/>
-                <a:ea typeface="Roboto Condensed ExtraBold" panose="02000000000000000000" pitchFamily="2" charset="0"/>
-              </a:rPr>
-              <a:t>5. </a:t>
-            </a:r>
-            <a:r>
               <a:rPr lang="en-US" altLang="ko-KR" sz="6000" spc="-133" dirty="0" err="1">
                 <a:solidFill>
                   <a:srgbClr val="197A52"/>
@@ -14012,16 +13952,6 @@
                 <a:spcPct val="116199"/>
               </a:lnSpc>
             </a:pPr>
-            <a:r>
-              <a:rPr lang="en-US" altLang="ko-KR" sz="6000" spc="-133" dirty="0">
-                <a:solidFill>
-                  <a:srgbClr val="197A52"/>
-                </a:solidFill>
-                <a:latin typeface="Roboto Condensed ExtraBold" panose="02000000000000000000" pitchFamily="2" charset="0"/>
-                <a:ea typeface="Roboto Condensed ExtraBold" panose="02000000000000000000" pitchFamily="2" charset="0"/>
-              </a:rPr>
-              <a:t>5. </a:t>
-            </a:r>
             <a:r>
               <a:rPr lang="en-US" altLang="ko-KR" sz="6000" spc="-133" dirty="0" err="1">
                 <a:solidFill>
@@ -15587,7 +15517,7 @@
         </p:nvSpPr>
         <p:spPr>
           <a:xfrm>
-            <a:off x="838200" y="2912202"/>
+            <a:off x="400050" y="2912202"/>
             <a:ext cx="13506450" cy="1086195"/>
           </a:xfrm>
           <a:prstGeom prst="rect">
@@ -15614,7 +15544,7 @@
                 <a:latin typeface="Roboto Condensed ExtraBold" panose="02000000000000000000" pitchFamily="2" charset="0"/>
                 <a:ea typeface="Roboto Condensed ExtraBold" panose="02000000000000000000" pitchFamily="2" charset="0"/>
               </a:rPr>
-              <a:t>6. AWS </a:t>
+              <a:t>AWS </a:t>
             </a:r>
             <a:r>
               <a:rPr lang="en-US" altLang="ko-KR" sz="6000" spc="-133" dirty="0" err="1">
@@ -16635,8 +16565,8 @@
         </p:blipFill>
         <p:spPr>
           <a:xfrm>
-            <a:off x="22125934" y="-508000"/>
-            <a:ext cx="2600965" cy="14452600"/>
+            <a:off x="22747568" y="-508000"/>
+            <a:ext cx="1979332" cy="14452600"/>
           </a:xfrm>
           <a:prstGeom prst="rect">
             <a:avLst/>
@@ -17053,7 +16983,7 @@
         </p:nvSpPr>
         <p:spPr>
           <a:xfrm>
-            <a:off x="606599" y="9067800"/>
+            <a:off x="606599" y="9438103"/>
             <a:ext cx="9775435" cy="2558621"/>
           </a:xfrm>
           <a:prstGeom prst="rect">
@@ -17077,18 +17007,11 @@
               <a:t> 2) </a:t>
             </a:r>
             <a:r>
-              <a:rPr lang="ko-KR" altLang="en-US" sz="4500" spc="-153" dirty="0" err="1">
-                <a:latin typeface="Noto Sans KR ExtraBold" panose="020B0200000000000000" pitchFamily="50" charset="-127"/>
-                <a:ea typeface="Noto Sans KR ExtraBold" panose="020B0200000000000000" pitchFamily="50" charset="-127"/>
-              </a:rPr>
-              <a:t>첨부이미지</a:t>
-            </a:r>
-            <a:r>
               <a:rPr lang="ko-KR" altLang="en-US" sz="4500" spc="-153" dirty="0">
                 <a:latin typeface="Noto Sans KR ExtraBold" panose="020B0200000000000000" pitchFamily="50" charset="-127"/>
                 <a:ea typeface="Noto Sans KR ExtraBold" panose="020B0200000000000000" pitchFamily="50" charset="-127"/>
               </a:rPr>
-              <a:t> 파일 형식의 한계</a:t>
+              <a:t>단순 판독 보조 기능만 제공</a:t>
             </a:r>
             <a:endParaRPr lang="en-US" altLang="ko-KR" sz="4500" spc="-153" dirty="0">
               <a:latin typeface="Noto Sans KR ExtraBold" panose="020B0200000000000000" pitchFamily="50" charset="-127"/>
@@ -17113,42 +17036,53 @@
                 <a:latin typeface="Noto Sans KR ExtraBold" panose="020B0200000000000000" pitchFamily="50" charset="-127"/>
                 <a:ea typeface="Noto Sans KR ExtraBold" panose="020B0200000000000000" pitchFamily="50" charset="-127"/>
               </a:rPr>
-              <a:t>현재</a:t>
+              <a:t>현재 단일 </a:t>
             </a:r>
             <a:r>
               <a:rPr lang="en-US" altLang="ko-KR" sz="4500" spc="-153" dirty="0">
-                <a:latin typeface="Noto Sans KR ExtraBold" panose="020B0200000000000000" pitchFamily="50" charset="-127"/>
-                <a:ea typeface="Noto Sans KR ExtraBold" panose="020B0200000000000000" pitchFamily="50" charset="-127"/>
-              </a:rPr>
-              <a:t>: </a:t>
+                <a:latin typeface="Roboto ExtraBold" panose="02000000000000000000" pitchFamily="2" charset="0"/>
+                <a:ea typeface="Roboto ExtraBold" panose="02000000000000000000" pitchFamily="2" charset="0"/>
+              </a:rPr>
+              <a:t>CT</a:t>
             </a:r>
             <a:r>
               <a:rPr lang="en-US" altLang="ko-KR" sz="4500" spc="-153" dirty="0">
-                <a:latin typeface="Roboto Condensed ExtraBold" panose="02000000000000000000" pitchFamily="2" charset="0"/>
-                <a:ea typeface="Roboto Condensed ExtraBold" panose="02000000000000000000" pitchFamily="2" charset="0"/>
-              </a:rPr>
-              <a:t>JPG,</a:t>
+                <a:latin typeface="Noto Sans KR ExtraBold" panose="020B0200000000000000" pitchFamily="50" charset="-127"/>
+                <a:ea typeface="Noto Sans KR ExtraBold" panose="020B0200000000000000" pitchFamily="50" charset="-127"/>
+              </a:rPr>
+              <a:t> </a:t>
             </a:r>
             <a:r>
               <a:rPr lang="ko-KR" altLang="en-US" sz="4500" spc="-153" dirty="0">
-                <a:latin typeface="Roboto Condensed ExtraBold" panose="02000000000000000000" pitchFamily="2" charset="0"/>
-                <a:ea typeface="Noto Sans KR ExtraBold" panose="020B0200000000000000" pitchFamily="50" charset="-127"/>
-              </a:rPr>
-              <a:t> </a:t>
-            </a:r>
+                <a:latin typeface="Noto Sans KR ExtraBold" panose="020B0200000000000000" pitchFamily="50" charset="-127"/>
+                <a:ea typeface="Noto Sans KR ExtraBold" panose="020B0200000000000000" pitchFamily="50" charset="-127"/>
+              </a:rPr>
+              <a:t>이미지만 분석 가능하여 </a:t>
+            </a:r>
+            <a:endParaRPr lang="en-US" altLang="ko-KR" sz="4500" spc="-153" dirty="0">
+              <a:latin typeface="Noto Sans KR ExtraBold" panose="020B0200000000000000" pitchFamily="50" charset="-127"/>
+              <a:ea typeface="Noto Sans KR ExtraBold" panose="020B0200000000000000" pitchFamily="50" charset="-127"/>
+            </a:endParaRPr>
+          </a:p>
+          <a:p>
+            <a:pPr lvl="0" algn="l">
+              <a:lnSpc>
+                <a:spcPct val="155126"/>
+              </a:lnSpc>
+            </a:pPr>
             <a:r>
               <a:rPr lang="en-US" altLang="ko-KR" sz="4500" spc="-153" dirty="0">
-                <a:latin typeface="Roboto Condensed ExtraBold" panose="02000000000000000000" pitchFamily="2" charset="0"/>
-                <a:ea typeface="Roboto Condensed ExtraBold" panose="02000000000000000000" pitchFamily="2" charset="0"/>
-              </a:rPr>
-              <a:t>PNG, JPEG</a:t>
+                <a:latin typeface="Noto Sans KR ExtraBold" panose="020B0200000000000000" pitchFamily="50" charset="-127"/>
+                <a:ea typeface="Noto Sans KR ExtraBold" panose="020B0200000000000000" pitchFamily="50" charset="-127"/>
+              </a:rPr>
+              <a:t>      </a:t>
             </a:r>
             <a:r>
               <a:rPr lang="ko-KR" altLang="en-US" sz="4500" spc="-153" dirty="0">
                 <a:latin typeface="Noto Sans KR ExtraBold" panose="020B0200000000000000" pitchFamily="50" charset="-127"/>
                 <a:ea typeface="Noto Sans KR ExtraBold" panose="020B0200000000000000" pitchFamily="50" charset="-127"/>
               </a:rPr>
-              <a:t>만 가능</a:t>
+              <a:t>동일 환자의 출혈 변화 추이 파악 불가</a:t>
             </a:r>
             <a:endParaRPr lang="en-US" altLang="ko-KR" sz="4500" b="0" i="0" u="none" strike="noStrike" spc="-153" dirty="0">
               <a:latin typeface="Noto Sans KR ExtraBold" panose="020B0200000000000000" pitchFamily="50" charset="-127"/>
@@ -17171,8 +17105,8 @@
         </p:nvSpPr>
         <p:spPr>
           <a:xfrm>
-            <a:off x="10699655" y="8784280"/>
-            <a:ext cx="10923969" cy="2961910"/>
+            <a:off x="10699655" y="9153890"/>
+            <a:ext cx="12617544" cy="2961910"/>
           </a:xfrm>
           <a:prstGeom prst="rect">
             <a:avLst/>
@@ -17195,48 +17129,19 @@
               <a:t> 2) </a:t>
             </a:r>
             <a:r>
-              <a:rPr lang="en-US" altLang="ko-KR" sz="4500" spc="-153" dirty="0">
-                <a:latin typeface="Roboto Condensed ExtraBold" panose="02000000000000000000" pitchFamily="2" charset="0"/>
-                <a:ea typeface="Roboto Condensed ExtraBold" panose="02000000000000000000" pitchFamily="2" charset="0"/>
-              </a:rPr>
-              <a:t>DICOM</a:t>
-            </a:r>
-            <a:r>
-              <a:rPr lang="en-US" altLang="ko-KR" sz="4500" spc="-153" dirty="0">
-                <a:latin typeface="Noto Sans KR ExtraBold" panose="020B0200000000000000" pitchFamily="50" charset="-127"/>
-                <a:ea typeface="Noto Sans KR ExtraBold" panose="020B0200000000000000" pitchFamily="50" charset="-127"/>
-              </a:rPr>
-              <a:t> </a:t>
-            </a:r>
-            <a:r>
               <a:rPr lang="ko-KR" altLang="en-US" sz="4500" spc="-153" dirty="0">
-                <a:latin typeface="Noto Sans KR ExtraBold" panose="020B0200000000000000" pitchFamily="50" charset="-127"/>
-                <a:ea typeface="Noto Sans KR ExtraBold" panose="020B0200000000000000" pitchFamily="50" charset="-127"/>
-              </a:rPr>
-              <a:t>형식 </a:t>
-            </a:r>
-            <a:r>
-              <a:rPr lang="en-US" altLang="ko-KR" sz="4500" spc="-153" dirty="0">
-                <a:latin typeface="Noto Sans KR ExtraBold" panose="020B0200000000000000" pitchFamily="50" charset="-127"/>
-                <a:ea typeface="Noto Sans KR ExtraBold" panose="020B0200000000000000" pitchFamily="50" charset="-127"/>
-              </a:rPr>
-              <a:t>→ </a:t>
-            </a:r>
-            <a:r>
-              <a:rPr lang="en-US" altLang="ko-KR" sz="4500" spc="-153" dirty="0">
-                <a:latin typeface="Roboto Condensed ExtraBold" panose="02000000000000000000" pitchFamily="2" charset="0"/>
-                <a:ea typeface="Roboto Condensed ExtraBold" panose="02000000000000000000" pitchFamily="2" charset="0"/>
-              </a:rPr>
-              <a:t>JPG</a:t>
-            </a:r>
-            <a:r>
-              <a:rPr lang="ko-KR" altLang="en-US" sz="4500" spc="-153" dirty="0">
-                <a:latin typeface="Noto Sans KR ExtraBold" panose="020B0200000000000000" pitchFamily="50" charset="-127"/>
-                <a:ea typeface="Noto Sans KR ExtraBold" panose="020B0200000000000000" pitchFamily="50" charset="-127"/>
-              </a:rPr>
-              <a:t>로 전환하는 기능 연구</a:t>
+                <a:solidFill>
+                  <a:srgbClr val="FF0000"/>
+                </a:solidFill>
+                <a:latin typeface="Noto Sans KR ExtraBold" panose="020B0200000000000000" pitchFamily="50" charset="-127"/>
+                <a:ea typeface="Noto Sans KR ExtraBold" panose="020B0200000000000000" pitchFamily="50" charset="-127"/>
+              </a:rPr>
+              <a:t>추적 관찰 시스템 구축</a:t>
             </a:r>
             <a:endParaRPr lang="en-US" altLang="ko-KR" sz="4500" spc="-153" dirty="0">
+              <a:solidFill>
+                <a:srgbClr val="FF0000"/>
+              </a:solidFill>
               <a:latin typeface="Noto Sans KR ExtraBold" panose="020B0200000000000000" pitchFamily="50" charset="-127"/>
               <a:ea typeface="Noto Sans KR ExtraBold" panose="020B0200000000000000" pitchFamily="50" charset="-127"/>
             </a:endParaRPr>
@@ -17255,27 +17160,73 @@
               <a:t>    - </a:t>
             </a:r>
             <a:r>
+              <a:rPr lang="ko-KR" altLang="en-US" sz="4500" spc="-153" dirty="0" err="1">
+                <a:latin typeface="Noto Sans KR ExtraBold" panose="020B0200000000000000" pitchFamily="50" charset="-127"/>
+                <a:ea typeface="Noto Sans KR ExtraBold" panose="020B0200000000000000" pitchFamily="50" charset="-127"/>
+              </a:rPr>
+              <a:t>환자별</a:t>
+            </a:r>
+            <a:r>
+              <a:rPr lang="ko-KR" altLang="en-US" sz="4500" spc="-153" dirty="0">
+                <a:latin typeface="Noto Sans KR ExtraBold" panose="020B0200000000000000" pitchFamily="50" charset="-127"/>
+                <a:ea typeface="Noto Sans KR ExtraBold" panose="020B0200000000000000" pitchFamily="50" charset="-127"/>
+              </a:rPr>
+              <a:t> 시계열 </a:t>
+            </a:r>
+            <a:r>
               <a:rPr lang="en-US" altLang="ko-KR" sz="4500" spc="-153" dirty="0">
-                <a:latin typeface="Roboto Condensed ExtraBold" panose="02000000000000000000" pitchFamily="2" charset="0"/>
-                <a:ea typeface="Roboto Condensed ExtraBold" panose="02000000000000000000" pitchFamily="2" charset="0"/>
-              </a:rPr>
-              <a:t>DICOM</a:t>
-            </a:r>
+                <a:latin typeface="Roboto ExtraBold" panose="02000000000000000000" pitchFamily="2" charset="0"/>
+                <a:ea typeface="Roboto ExtraBold" panose="02000000000000000000" pitchFamily="2" charset="0"/>
+              </a:rPr>
+              <a:t>CT </a:t>
+            </a:r>
+            <a:r>
+              <a:rPr lang="ko-KR" altLang="en-US" sz="4500" spc="-153" dirty="0">
+                <a:latin typeface="Noto Sans KR ExtraBold" panose="020B0200000000000000" pitchFamily="50" charset="-127"/>
+                <a:ea typeface="Noto Sans KR ExtraBold" panose="020B0200000000000000" pitchFamily="50" charset="-127"/>
+              </a:rPr>
+              <a:t>데이터 축적하여</a:t>
+            </a:r>
+            <a:endParaRPr lang="en-US" altLang="ko-KR" sz="4500" spc="-153" dirty="0">
+              <a:latin typeface="Noto Sans KR ExtraBold" panose="020B0200000000000000" pitchFamily="50" charset="-127"/>
+              <a:ea typeface="Noto Sans KR ExtraBold" panose="020B0200000000000000" pitchFamily="50" charset="-127"/>
+            </a:endParaRPr>
+          </a:p>
+          <a:p>
+            <a:pPr lvl="0" algn="l">
+              <a:lnSpc>
+                <a:spcPct val="155126"/>
+              </a:lnSpc>
+            </a:pPr>
             <a:r>
               <a:rPr lang="en-US" altLang="ko-KR" sz="4500" spc="-153" dirty="0">
                 <a:latin typeface="Noto Sans KR ExtraBold" panose="020B0200000000000000" pitchFamily="50" charset="-127"/>
                 <a:ea typeface="Noto Sans KR ExtraBold" panose="020B0200000000000000" pitchFamily="50" charset="-127"/>
               </a:rPr>
-              <a:t> </a:t>
+              <a:t>       </a:t>
             </a:r>
             <a:r>
               <a:rPr lang="ko-KR" altLang="en-US" sz="4500" spc="-153" dirty="0">
                 <a:latin typeface="Noto Sans KR ExtraBold" panose="020B0200000000000000" pitchFamily="50" charset="-127"/>
                 <a:ea typeface="Noto Sans KR ExtraBold" panose="020B0200000000000000" pitchFamily="50" charset="-127"/>
               </a:rPr>
-              <a:t>형식도 실제 서비스에서 사용 가능</a:t>
-            </a:r>
-            <a:endParaRPr lang="en-US" altLang="ko-KR" sz="4500" b="0" i="0" u="none" strike="noStrike" spc="-153" dirty="0">
+              <a:t>출혈 진행</a:t>
+            </a:r>
+            <a:r>
+              <a:rPr lang="en-US" altLang="ko-KR" sz="4500" spc="-153" dirty="0">
+                <a:latin typeface="Noto Sans KR ExtraBold" panose="020B0200000000000000" pitchFamily="50" charset="-127"/>
+                <a:ea typeface="Noto Sans KR ExtraBold" panose="020B0200000000000000" pitchFamily="50" charset="-127"/>
+              </a:rPr>
+              <a:t>/</a:t>
+            </a:r>
+            <a:r>
+              <a:rPr lang="ko-KR" altLang="en-US" sz="4500" spc="-153" dirty="0">
+                <a:latin typeface="Noto Sans KR ExtraBold" panose="020B0200000000000000" pitchFamily="50" charset="-127"/>
+                <a:ea typeface="Noto Sans KR ExtraBold" panose="020B0200000000000000" pitchFamily="50" charset="-127"/>
+              </a:rPr>
+              <a:t>호전 모니터링 및 예후 예측 기능 개발</a:t>
+            </a:r>
+            <a:endParaRPr lang="en-US" altLang="ko-KR" sz="4500" spc="-153" dirty="0">
               <a:latin typeface="Noto Sans KR ExtraBold" panose="020B0200000000000000" pitchFamily="50" charset="-127"/>
               <a:ea typeface="Noto Sans KR ExtraBold" panose="020B0200000000000000" pitchFamily="50" charset="-127"/>
             </a:endParaRPr>
@@ -17341,6 +17292,576 @@
 <file path=ppt/slides/slide24.xml><?xml version="1.0" encoding="utf-8"?>
 <p:sld xmlns:a="http://schemas.openxmlformats.org/drawingml/2006/main" xmlns:r="http://schemas.openxmlformats.org/officeDocument/2006/relationships" xmlns:p="http://schemas.openxmlformats.org/presentationml/2006/main">
   <p:cSld>
+    <p:spTree>
+      <p:nvGrpSpPr>
+        <p:cNvPr id="1" name=""/>
+        <p:cNvGrpSpPr/>
+        <p:nvPr/>
+      </p:nvGrpSpPr>
+      <p:grpSpPr>
+        <a:xfrm>
+          <a:off x="0" y="0"/>
+          <a:ext cx="0" cy="0"/>
+          <a:chOff x="0" y="0"/>
+          <a:chExt cx="0" cy="0"/>
+        </a:xfrm>
+      </p:grpSpPr>
+      <p:pic>
+        <p:nvPicPr>
+          <p:cNvPr id="2" name="Picture 2"/>
+          <p:cNvPicPr>
+            <a:picLocks noChangeAspect="1"/>
+          </p:cNvPicPr>
+          <p:nvPr/>
+        </p:nvPicPr>
+        <p:blipFill>
+          <a:blip r:embed="rId2" cstate="print"/>
+          <a:stretch>
+            <a:fillRect/>
+          </a:stretch>
+        </p:blipFill>
+        <p:spPr>
+          <a:xfrm>
+            <a:off x="22125934" y="-508000"/>
+            <a:ext cx="2600965" cy="14452600"/>
+          </a:xfrm>
+          <a:prstGeom prst="rect">
+            <a:avLst/>
+          </a:prstGeom>
+        </p:spPr>
+      </p:pic>
+      <p:sp>
+        <p:nvSpPr>
+          <p:cNvPr id="5" name="TextBox 5"/>
+          <p:cNvSpPr txBox="1"/>
+          <p:nvPr/>
+        </p:nvSpPr>
+        <p:spPr>
+          <a:xfrm>
+            <a:off x="606600" y="3468485"/>
+            <a:ext cx="22253400" cy="3955766"/>
+          </a:xfrm>
+          <a:prstGeom prst="rect">
+            <a:avLst/>
+          </a:prstGeom>
+        </p:spPr>
+        <p:txBody>
+          <a:bodyPr rtlCol="0" anchor="ctr"/>
+          <a:lstStyle/>
+          <a:p>
+            <a:pPr lvl="0" algn="l">
+              <a:lnSpc>
+                <a:spcPct val="155126"/>
+              </a:lnSpc>
+            </a:pPr>
+            <a:r>
+              <a:rPr lang="en-US" altLang="ko-KR" sz="4000" spc="-153" dirty="0">
+                <a:latin typeface="Noto Sans KR ExtraBold" panose="020B0200000000000000" pitchFamily="50" charset="-127"/>
+                <a:ea typeface="Noto Sans KR ExtraBold" panose="020B0200000000000000" pitchFamily="50" charset="-127"/>
+              </a:rPr>
+              <a:t> 1) </a:t>
+            </a:r>
+            <a:r>
+              <a:rPr lang="ko-KR" altLang="en-US" sz="4000" spc="-153" dirty="0">
+                <a:latin typeface="Noto Sans KR ExtraBold" panose="020B0200000000000000" pitchFamily="50" charset="-127"/>
+                <a:ea typeface="Noto Sans KR ExtraBold" panose="020B0200000000000000" pitchFamily="50" charset="-127"/>
+              </a:rPr>
+              <a:t>실무 활용 가능성 평가</a:t>
+            </a:r>
+            <a:endParaRPr lang="en-US" altLang="ko-KR" sz="4000" spc="-153" dirty="0">
+              <a:latin typeface="Noto Sans KR ExtraBold" panose="020B0200000000000000" pitchFamily="50" charset="-127"/>
+              <a:ea typeface="Noto Sans KR ExtraBold" panose="020B0200000000000000" pitchFamily="50" charset="-127"/>
+            </a:endParaRPr>
+          </a:p>
+          <a:p>
+            <a:pPr lvl="0" algn="l">
+              <a:lnSpc>
+                <a:spcPct val="155126"/>
+              </a:lnSpc>
+            </a:pPr>
+            <a:r>
+              <a:rPr lang="en-US" altLang="ko-KR" sz="4000" b="0" i="0" u="none" strike="noStrike" spc="-153" dirty="0">
+                <a:latin typeface="Noto Sans KR ExtraBold" panose="020B0200000000000000" pitchFamily="50" charset="-127"/>
+                <a:ea typeface="Noto Sans KR ExtraBold" panose="020B0200000000000000" pitchFamily="50" charset="-127"/>
+              </a:rPr>
+              <a:t>    - </a:t>
+            </a:r>
+            <a:r>
+              <a:rPr lang="ko-KR" altLang="en-US" sz="4000" b="0" i="0" u="none" strike="noStrike" spc="-153" dirty="0">
+                <a:latin typeface="Noto Sans KR ExtraBold" panose="020B0200000000000000" pitchFamily="50" charset="-127"/>
+                <a:ea typeface="Noto Sans KR ExtraBold" panose="020B0200000000000000" pitchFamily="50" charset="-127"/>
+              </a:rPr>
+              <a:t>실제 의료 현장 적용을 위해 </a:t>
+            </a:r>
+            <a:r>
+              <a:rPr lang="ko-KR" altLang="en-US" sz="4000" b="0" i="0" u="none" strike="noStrike" spc="-153" dirty="0">
+                <a:solidFill>
+                  <a:srgbClr val="FF0000"/>
+                </a:solidFill>
+                <a:latin typeface="Noto Sans KR ExtraBold" panose="020B0200000000000000" pitchFamily="50" charset="-127"/>
+                <a:ea typeface="Noto Sans KR ExtraBold" panose="020B0200000000000000" pitchFamily="50" charset="-127"/>
+              </a:rPr>
+              <a:t>다중 질환 감별</a:t>
+            </a:r>
+            <a:r>
+              <a:rPr lang="en-US" altLang="ko-KR" sz="4000" b="0" i="0" u="none" strike="noStrike" spc="-153" dirty="0">
+                <a:solidFill>
+                  <a:srgbClr val="FF0000"/>
+                </a:solidFill>
+                <a:latin typeface="Noto Sans KR ExtraBold" panose="020B0200000000000000" pitchFamily="50" charset="-127"/>
+                <a:ea typeface="Noto Sans KR ExtraBold" panose="020B0200000000000000" pitchFamily="50" charset="-127"/>
+              </a:rPr>
+              <a:t>, </a:t>
+            </a:r>
+            <a:r>
+              <a:rPr lang="ko-KR" altLang="en-US" sz="4000" b="0" i="0" u="none" strike="noStrike" spc="-153" dirty="0">
+                <a:solidFill>
+                  <a:srgbClr val="FF0000"/>
+                </a:solidFill>
+                <a:latin typeface="Noto Sans KR ExtraBold" panose="020B0200000000000000" pitchFamily="50" charset="-127"/>
+                <a:ea typeface="Noto Sans KR ExtraBold" panose="020B0200000000000000" pitchFamily="50" charset="-127"/>
+              </a:rPr>
+              <a:t>추적 관찰 기능</a:t>
+            </a:r>
+            <a:r>
+              <a:rPr lang="en-US" altLang="ko-KR" sz="4000" b="0" i="0" u="none" strike="noStrike" spc="-153" dirty="0">
+                <a:solidFill>
+                  <a:srgbClr val="FF0000"/>
+                </a:solidFill>
+                <a:latin typeface="Noto Sans KR ExtraBold" panose="020B0200000000000000" pitchFamily="50" charset="-127"/>
+                <a:ea typeface="Noto Sans KR ExtraBold" panose="020B0200000000000000" pitchFamily="50" charset="-127"/>
+              </a:rPr>
+              <a:t>, </a:t>
+            </a:r>
+            <a:r>
+              <a:rPr lang="en-US" altLang="ko-KR" sz="4000" b="0" i="0" u="none" strike="noStrike" spc="-153" dirty="0">
+                <a:solidFill>
+                  <a:srgbClr val="FF0000"/>
+                </a:solidFill>
+                <a:latin typeface="Roboto ExtraBold" panose="02000000000000000000" pitchFamily="2" charset="0"/>
+                <a:ea typeface="Roboto ExtraBold" panose="02000000000000000000" pitchFamily="2" charset="0"/>
+              </a:rPr>
+              <a:t>XAI</a:t>
+            </a:r>
+            <a:r>
+              <a:rPr lang="en-US" altLang="ko-KR" sz="4000" b="0" i="0" u="none" strike="noStrike" spc="-153" dirty="0">
+                <a:solidFill>
+                  <a:srgbClr val="FF0000"/>
+                </a:solidFill>
+                <a:latin typeface="Noto Sans KR ExtraBold" panose="020B0200000000000000" pitchFamily="50" charset="-127"/>
+                <a:ea typeface="Noto Sans KR ExtraBold" panose="020B0200000000000000" pitchFamily="50" charset="-127"/>
+              </a:rPr>
+              <a:t> </a:t>
+            </a:r>
+            <a:r>
+              <a:rPr lang="ko-KR" altLang="en-US" sz="4000" b="0" i="0" u="none" strike="noStrike" spc="-153" dirty="0">
+                <a:solidFill>
+                  <a:srgbClr val="FF0000"/>
+                </a:solidFill>
+                <a:latin typeface="Noto Sans KR ExtraBold" panose="020B0200000000000000" pitchFamily="50" charset="-127"/>
+                <a:ea typeface="Noto Sans KR ExtraBold" panose="020B0200000000000000" pitchFamily="50" charset="-127"/>
+              </a:rPr>
+              <a:t>고도화</a:t>
+            </a:r>
+            <a:r>
+              <a:rPr lang="ko-KR" altLang="en-US" sz="4000" b="0" i="0" u="none" strike="noStrike" spc="-153" dirty="0">
+                <a:latin typeface="Noto Sans KR ExtraBold" panose="020B0200000000000000" pitchFamily="50" charset="-127"/>
+                <a:ea typeface="Noto Sans KR ExtraBold" panose="020B0200000000000000" pitchFamily="50" charset="-127"/>
+              </a:rPr>
+              <a:t>가 선행되어야 함</a:t>
+            </a:r>
+            <a:endParaRPr lang="en-US" altLang="ko-KR" sz="4000" spc="-153" dirty="0">
+              <a:latin typeface="Noto Sans KR ExtraBold" panose="020B0200000000000000" pitchFamily="50" charset="-127"/>
+              <a:ea typeface="Noto Sans KR ExtraBold" panose="020B0200000000000000" pitchFamily="50" charset="-127"/>
+            </a:endParaRPr>
+          </a:p>
+        </p:txBody>
+      </p:sp>
+      <p:sp>
+        <p:nvSpPr>
+          <p:cNvPr id="6" name="TextBox 6"/>
+          <p:cNvSpPr txBox="1"/>
+          <p:nvPr/>
+        </p:nvSpPr>
+        <p:spPr>
+          <a:xfrm>
+            <a:off x="606598" y="2998586"/>
+            <a:ext cx="5870401" cy="660400"/>
+          </a:xfrm>
+          <a:prstGeom prst="rect">
+            <a:avLst/>
+          </a:prstGeom>
+        </p:spPr>
+        <p:txBody>
+          <a:bodyPr rtlCol="0" anchor="ctr"/>
+          <a:lstStyle/>
+          <a:p>
+            <a:pPr lvl="0" algn="l">
+              <a:lnSpc>
+                <a:spcPct val="170065"/>
+              </a:lnSpc>
+            </a:pPr>
+            <a:r>
+              <a:rPr lang="ko-KR" altLang="en-US" sz="5000" b="0" i="0" u="none" strike="noStrike" spc="-187">
+                <a:solidFill>
+                  <a:srgbClr val="197A52"/>
+                </a:solidFill>
+                <a:latin typeface="Noto Sans KR ExtraBold" panose="020B0200000000000000" pitchFamily="50" charset="-127"/>
+                <a:ea typeface="Noto Sans KR ExtraBold" panose="020B0200000000000000" pitchFamily="50" charset="-127"/>
+              </a:rPr>
+              <a:t>프로젝트 평가 항목</a:t>
+            </a:r>
+            <a:endParaRPr lang="ko-KR" sz="5000" b="0" i="0" u="none" strike="noStrike" spc="-187" dirty="0">
+              <a:solidFill>
+                <a:srgbClr val="197A52"/>
+              </a:solidFill>
+              <a:latin typeface="Noto Sans KR ExtraBold" panose="020B0200000000000000" pitchFamily="50" charset="-127"/>
+              <a:ea typeface="Noto Sans KR ExtraBold" panose="020B0200000000000000" pitchFamily="50" charset="-127"/>
+            </a:endParaRPr>
+          </a:p>
+        </p:txBody>
+      </p:sp>
+      <p:sp>
+        <p:nvSpPr>
+          <p:cNvPr id="10" name="TextBox 14">
+            <a:extLst>
+              <a:ext uri="{FF2B5EF4-FFF2-40B4-BE49-F238E27FC236}">
+                <a16:creationId xmlns:a16="http://schemas.microsoft.com/office/drawing/2014/main" id="{C244B320-A2BA-4E92-980D-CBE31F263ABB}"/>
+              </a:ext>
+            </a:extLst>
+          </p:cNvPr>
+          <p:cNvSpPr txBox="1"/>
+          <p:nvPr/>
+        </p:nvSpPr>
+        <p:spPr>
+          <a:xfrm>
+            <a:off x="1320800" y="870236"/>
+            <a:ext cx="22682200" cy="2863563"/>
+          </a:xfrm>
+          <a:prstGeom prst="rect">
+            <a:avLst/>
+          </a:prstGeom>
+        </p:spPr>
+        <p:txBody>
+          <a:bodyPr rtlCol="0" anchor="t"/>
+          <a:lstStyle/>
+          <a:p>
+            <a:pPr lvl="0" algn="l">
+              <a:lnSpc>
+                <a:spcPct val="116199"/>
+              </a:lnSpc>
+            </a:pPr>
+            <a:r>
+              <a:rPr lang="en-US" altLang="ko-KR" sz="7000" spc="-133" dirty="0">
+                <a:latin typeface="Noto Sans KR ExtraBold" panose="020B0200000000000000" pitchFamily="50" charset="-127"/>
+                <a:ea typeface="Noto Sans KR ExtraBold" panose="020B0200000000000000" pitchFamily="50" charset="-127"/>
+              </a:rPr>
+              <a:t>4</a:t>
+            </a:r>
+            <a:r>
+              <a:rPr lang="en-US" altLang="ko-KR" sz="7000" b="0" i="0" u="none" strike="noStrike" spc="-133" dirty="0">
+                <a:latin typeface="Noto Sans KR ExtraBold" panose="020B0200000000000000" pitchFamily="50" charset="-127"/>
+                <a:ea typeface="Noto Sans KR ExtraBold" panose="020B0200000000000000" pitchFamily="50" charset="-127"/>
+              </a:rPr>
+              <a:t>. </a:t>
+            </a:r>
+            <a:r>
+              <a:rPr lang="ko-KR" altLang="en-US" sz="7000" b="0" i="0" u="none" strike="noStrike" spc="-133" dirty="0">
+                <a:latin typeface="Noto Sans KR ExtraBold" panose="020B0200000000000000" pitchFamily="50" charset="-127"/>
+                <a:ea typeface="Noto Sans KR ExtraBold" panose="020B0200000000000000" pitchFamily="50" charset="-127"/>
+              </a:rPr>
+              <a:t>자체 평가</a:t>
+            </a:r>
+            <a:endParaRPr lang="ko-KR" sz="7000" b="0" i="0" u="none" strike="noStrike" spc="-133" dirty="0">
+              <a:latin typeface="Noto Sans KR ExtraBold" panose="020B0200000000000000" pitchFamily="50" charset="-127"/>
+              <a:ea typeface="Noto Sans KR ExtraBold" panose="020B0200000000000000" pitchFamily="50" charset="-127"/>
+            </a:endParaRPr>
+          </a:p>
+        </p:txBody>
+      </p:sp>
+      <p:sp>
+        <p:nvSpPr>
+          <p:cNvPr id="11" name="TextBox 5">
+            <a:extLst>
+              <a:ext uri="{FF2B5EF4-FFF2-40B4-BE49-F238E27FC236}">
+                <a16:creationId xmlns:a16="http://schemas.microsoft.com/office/drawing/2014/main" id="{231CABA4-7D6F-4321-94AC-A2A52A2093DB}"/>
+              </a:ext>
+            </a:extLst>
+          </p:cNvPr>
+          <p:cNvSpPr txBox="1"/>
+          <p:nvPr/>
+        </p:nvSpPr>
+        <p:spPr>
+          <a:xfrm>
+            <a:off x="606600" y="6705600"/>
+            <a:ext cx="22253400" cy="3955766"/>
+          </a:xfrm>
+          <a:prstGeom prst="rect">
+            <a:avLst/>
+          </a:prstGeom>
+        </p:spPr>
+        <p:txBody>
+          <a:bodyPr rtlCol="0" anchor="ctr"/>
+          <a:lstStyle/>
+          <a:p>
+            <a:pPr lvl="0" algn="l">
+              <a:lnSpc>
+                <a:spcPct val="155126"/>
+              </a:lnSpc>
+            </a:pPr>
+            <a:r>
+              <a:rPr lang="en-US" altLang="ko-KR" sz="4000" spc="-153" dirty="0">
+                <a:latin typeface="Noto Sans KR ExtraBold" panose="020B0200000000000000" pitchFamily="50" charset="-127"/>
+                <a:ea typeface="Noto Sans KR ExtraBold" panose="020B0200000000000000" pitchFamily="50" charset="-127"/>
+              </a:rPr>
+              <a:t> 2) </a:t>
+            </a:r>
+            <a:r>
+              <a:rPr lang="ko-KR" altLang="en-US" sz="4000" spc="-153" dirty="0">
+                <a:latin typeface="Noto Sans KR ExtraBold" panose="020B0200000000000000" pitchFamily="50" charset="-127"/>
+                <a:ea typeface="Noto Sans KR ExtraBold" panose="020B0200000000000000" pitchFamily="50" charset="-127"/>
+              </a:rPr>
+              <a:t>프로젝트 기획 의도 부합 정도</a:t>
+            </a:r>
+            <a:endParaRPr lang="en-US" altLang="ko-KR" sz="4000" spc="-153" dirty="0">
+              <a:latin typeface="Noto Sans KR ExtraBold" panose="020B0200000000000000" pitchFamily="50" charset="-127"/>
+              <a:ea typeface="Noto Sans KR ExtraBold" panose="020B0200000000000000" pitchFamily="50" charset="-127"/>
+            </a:endParaRPr>
+          </a:p>
+          <a:p>
+            <a:pPr lvl="0" algn="l">
+              <a:lnSpc>
+                <a:spcPct val="155126"/>
+              </a:lnSpc>
+            </a:pPr>
+            <a:r>
+              <a:rPr lang="en-US" altLang="ko-KR" sz="4000" b="0" i="0" u="none" strike="noStrike" spc="-153" dirty="0">
+                <a:latin typeface="Noto Sans KR ExtraBold" panose="020B0200000000000000" pitchFamily="50" charset="-127"/>
+                <a:ea typeface="Noto Sans KR ExtraBold" panose="020B0200000000000000" pitchFamily="50" charset="-127"/>
+              </a:rPr>
+              <a:t>    - </a:t>
+            </a:r>
+            <a:r>
+              <a:rPr lang="en-US" altLang="ko-KR" sz="4000" b="0" i="0" u="none" strike="noStrike" spc="-153" dirty="0">
+                <a:latin typeface="Roboto ExtraBold" panose="02000000000000000000" pitchFamily="2" charset="0"/>
+                <a:ea typeface="Roboto ExtraBold" panose="02000000000000000000" pitchFamily="2" charset="0"/>
+              </a:rPr>
+              <a:t>CT</a:t>
+            </a:r>
+            <a:r>
+              <a:rPr lang="en-US" altLang="ko-KR" sz="4000" b="0" i="0" u="none" strike="noStrike" spc="-153" dirty="0">
+                <a:latin typeface="Noto Sans KR ExtraBold" panose="020B0200000000000000" pitchFamily="50" charset="-127"/>
+                <a:ea typeface="Noto Sans KR ExtraBold" panose="020B0200000000000000" pitchFamily="50" charset="-127"/>
+              </a:rPr>
+              <a:t> </a:t>
+            </a:r>
+            <a:r>
+              <a:rPr lang="ko-KR" altLang="en-US" sz="4000" b="0" i="0" u="none" strike="noStrike" spc="-153" dirty="0">
+                <a:latin typeface="Noto Sans KR ExtraBold" panose="020B0200000000000000" pitchFamily="50" charset="-127"/>
+                <a:ea typeface="Noto Sans KR ExtraBold" panose="020B0200000000000000" pitchFamily="50" charset="-127"/>
+              </a:rPr>
+              <a:t>이미지 기반 뇌출혈 자동 감지 및 </a:t>
+            </a:r>
+            <a:r>
+              <a:rPr lang="en-US" altLang="ko-KR" sz="4000" b="0" i="0" u="none" strike="noStrike" spc="-153" dirty="0">
+                <a:latin typeface="Roboto ExtraBold" panose="02000000000000000000" pitchFamily="2" charset="0"/>
+                <a:ea typeface="Roboto ExtraBold" panose="02000000000000000000" pitchFamily="2" charset="0"/>
+              </a:rPr>
+              <a:t>Grad-CAM</a:t>
+            </a:r>
+            <a:r>
+              <a:rPr lang="en-US" altLang="ko-KR" sz="4000" b="0" i="0" u="none" strike="noStrike" spc="-153" dirty="0">
+                <a:latin typeface="Noto Sans KR ExtraBold" panose="020B0200000000000000" pitchFamily="50" charset="-127"/>
+                <a:ea typeface="Noto Sans KR ExtraBold" panose="020B0200000000000000" pitchFamily="50" charset="-127"/>
+              </a:rPr>
+              <a:t> </a:t>
+            </a:r>
+            <a:r>
+              <a:rPr lang="ko-KR" altLang="en-US" sz="4000" b="0" i="0" u="none" strike="noStrike" spc="-153" dirty="0">
+                <a:latin typeface="Noto Sans KR ExtraBold" panose="020B0200000000000000" pitchFamily="50" charset="-127"/>
+                <a:ea typeface="Noto Sans KR ExtraBold" panose="020B0200000000000000" pitchFamily="50" charset="-127"/>
+              </a:rPr>
+              <a:t>시각화라는 목표는 달성 했으나</a:t>
+            </a:r>
+            <a:r>
+              <a:rPr lang="en-US" altLang="ko-KR" sz="4000" b="0" i="0" u="none" strike="noStrike" spc="-153" dirty="0">
+                <a:latin typeface="Noto Sans KR ExtraBold" panose="020B0200000000000000" pitchFamily="50" charset="-127"/>
+                <a:ea typeface="Noto Sans KR ExtraBold" panose="020B0200000000000000" pitchFamily="50" charset="-127"/>
+              </a:rPr>
+              <a:t>,</a:t>
+            </a:r>
+          </a:p>
+          <a:p>
+            <a:pPr lvl="0" algn="l">
+              <a:lnSpc>
+                <a:spcPct val="155126"/>
+              </a:lnSpc>
+            </a:pPr>
+            <a:r>
+              <a:rPr lang="en-US" altLang="ko-KR" sz="4000" spc="-153" dirty="0">
+                <a:latin typeface="Noto Sans KR ExtraBold" panose="020B0200000000000000" pitchFamily="50" charset="-127"/>
+                <a:ea typeface="Noto Sans KR ExtraBold" panose="020B0200000000000000" pitchFamily="50" charset="-127"/>
+              </a:rPr>
+              <a:t>       </a:t>
+            </a:r>
+            <a:r>
+              <a:rPr lang="ko-KR" altLang="en-US" sz="4000" spc="-153" dirty="0">
+                <a:latin typeface="Noto Sans KR ExtraBold" panose="020B0200000000000000" pitchFamily="50" charset="-127"/>
+                <a:ea typeface="Noto Sans KR ExtraBold" panose="020B0200000000000000" pitchFamily="50" charset="-127"/>
+              </a:rPr>
+              <a:t>종합 진단 도구로의 확장이 필요</a:t>
+            </a:r>
+            <a:endParaRPr lang="en-US" altLang="ko-KR" sz="4000" spc="-153" dirty="0">
+              <a:latin typeface="Noto Sans KR ExtraBold" panose="020B0200000000000000" pitchFamily="50" charset="-127"/>
+              <a:ea typeface="Noto Sans KR ExtraBold" panose="020B0200000000000000" pitchFamily="50" charset="-127"/>
+            </a:endParaRPr>
+          </a:p>
+        </p:txBody>
+      </p:sp>
+      <p:sp>
+        <p:nvSpPr>
+          <p:cNvPr id="13" name="TextBox 5">
+            <a:extLst>
+              <a:ext uri="{FF2B5EF4-FFF2-40B4-BE49-F238E27FC236}">
+                <a16:creationId xmlns:a16="http://schemas.microsoft.com/office/drawing/2014/main" id="{FA7D682D-D79C-42C1-B9D1-5832D3FF97F3}"/>
+              </a:ext>
+            </a:extLst>
+          </p:cNvPr>
+          <p:cNvSpPr txBox="1"/>
+          <p:nvPr/>
+        </p:nvSpPr>
+        <p:spPr>
+          <a:xfrm>
+            <a:off x="606600" y="9829391"/>
+            <a:ext cx="22253400" cy="3955766"/>
+          </a:xfrm>
+          <a:prstGeom prst="rect">
+            <a:avLst/>
+          </a:prstGeom>
+        </p:spPr>
+        <p:txBody>
+          <a:bodyPr rtlCol="0" anchor="ctr"/>
+          <a:lstStyle/>
+          <a:p>
+            <a:pPr lvl="0" algn="l">
+              <a:lnSpc>
+                <a:spcPct val="155126"/>
+              </a:lnSpc>
+            </a:pPr>
+            <a:r>
+              <a:rPr lang="en-US" altLang="ko-KR" sz="4000" spc="-153" dirty="0">
+                <a:latin typeface="Noto Sans KR ExtraBold" panose="020B0200000000000000" pitchFamily="50" charset="-127"/>
+                <a:ea typeface="Noto Sans KR ExtraBold" panose="020B0200000000000000" pitchFamily="50" charset="-127"/>
+              </a:rPr>
+              <a:t> 3) </a:t>
+            </a:r>
+            <a:r>
+              <a:rPr lang="ko-KR" altLang="en-US" sz="4000" spc="-153" dirty="0">
+                <a:latin typeface="Noto Sans KR ExtraBold" panose="020B0200000000000000" pitchFamily="50" charset="-127"/>
+                <a:ea typeface="Noto Sans KR ExtraBold" panose="020B0200000000000000" pitchFamily="50" charset="-127"/>
+              </a:rPr>
+              <a:t>달성도 및 완성도</a:t>
+            </a:r>
+            <a:endParaRPr lang="en-US" altLang="ko-KR" sz="4000" spc="-153" dirty="0">
+              <a:latin typeface="Noto Sans KR ExtraBold" panose="020B0200000000000000" pitchFamily="50" charset="-127"/>
+              <a:ea typeface="Noto Sans KR ExtraBold" panose="020B0200000000000000" pitchFamily="50" charset="-127"/>
+            </a:endParaRPr>
+          </a:p>
+          <a:p>
+            <a:pPr lvl="0" algn="l">
+              <a:lnSpc>
+                <a:spcPct val="155126"/>
+              </a:lnSpc>
+            </a:pPr>
+            <a:r>
+              <a:rPr lang="en-US" altLang="ko-KR" sz="4000" b="0" i="0" u="none" strike="noStrike" spc="-153" dirty="0">
+                <a:latin typeface="Noto Sans KR ExtraBold" panose="020B0200000000000000" pitchFamily="50" charset="-127"/>
+                <a:ea typeface="Noto Sans KR ExtraBold" panose="020B0200000000000000" pitchFamily="50" charset="-127"/>
+              </a:rPr>
+              <a:t>    - </a:t>
+            </a:r>
+            <a:r>
+              <a:rPr lang="ko-KR" altLang="en-US" sz="4000" b="0" i="0" u="none" strike="noStrike" spc="-153" dirty="0">
+                <a:solidFill>
+                  <a:srgbClr val="FF0000"/>
+                </a:solidFill>
+                <a:latin typeface="Noto Sans KR ExtraBold" panose="020B0200000000000000" pitchFamily="50" charset="-127"/>
+                <a:ea typeface="Noto Sans KR ExtraBold" panose="020B0200000000000000" pitchFamily="50" charset="-127"/>
+              </a:rPr>
+              <a:t>데이터 수집부터 클라우드 배포</a:t>
+            </a:r>
+            <a:r>
+              <a:rPr lang="en-US" altLang="ko-KR" sz="4000" b="0" i="0" u="none" strike="noStrike" spc="-153" dirty="0">
+                <a:latin typeface="Noto Sans KR ExtraBold" panose="020B0200000000000000" pitchFamily="50" charset="-127"/>
+                <a:ea typeface="Noto Sans KR ExtraBold" panose="020B0200000000000000" pitchFamily="50" charset="-127"/>
+              </a:rPr>
+              <a:t>(</a:t>
+            </a:r>
+            <a:r>
+              <a:rPr lang="en-US" altLang="ko-KR" sz="4000" b="0" i="0" u="none" strike="noStrike" spc="-153" dirty="0">
+                <a:latin typeface="Roboto ExtraBold" panose="02000000000000000000" pitchFamily="2" charset="0"/>
+                <a:ea typeface="Roboto ExtraBold" panose="02000000000000000000" pitchFamily="2" charset="0"/>
+              </a:rPr>
+              <a:t>JWT/</a:t>
+            </a:r>
+            <a:r>
+              <a:rPr lang="en-US" altLang="ko-KR" sz="4000" spc="-153" dirty="0">
+                <a:latin typeface="Roboto ExtraBold" panose="02000000000000000000" pitchFamily="2" charset="0"/>
+                <a:ea typeface="Roboto ExtraBold" panose="02000000000000000000" pitchFamily="2" charset="0"/>
+              </a:rPr>
+              <a:t>HTTPS</a:t>
+            </a:r>
+            <a:r>
+              <a:rPr lang="ko-KR" altLang="en-US" sz="4000" spc="-153" dirty="0">
+                <a:latin typeface="Noto Sans KR ExtraBold" panose="020B0200000000000000" pitchFamily="50" charset="-127"/>
+                <a:ea typeface="Noto Sans KR ExtraBold" panose="020B0200000000000000" pitchFamily="50" charset="-127"/>
+              </a:rPr>
+              <a:t> 보안적용</a:t>
+            </a:r>
+            <a:r>
+              <a:rPr lang="en-US" altLang="ko-KR" sz="4000" b="0" i="0" u="none" strike="noStrike" spc="-153" dirty="0">
+                <a:latin typeface="Noto Sans KR ExtraBold" panose="020B0200000000000000" pitchFamily="50" charset="-127"/>
+                <a:ea typeface="Noto Sans KR ExtraBold" panose="020B0200000000000000" pitchFamily="50" charset="-127"/>
+              </a:rPr>
+              <a:t>)</a:t>
+            </a:r>
+            <a:r>
+              <a:rPr lang="ko-KR" altLang="en-US" sz="4000" b="0" i="0" u="none" strike="noStrike" spc="-153" dirty="0">
+                <a:latin typeface="Noto Sans KR ExtraBold" panose="020B0200000000000000" pitchFamily="50" charset="-127"/>
+                <a:ea typeface="Noto Sans KR ExtraBold" panose="020B0200000000000000" pitchFamily="50" charset="-127"/>
+              </a:rPr>
+              <a:t>까지 </a:t>
+            </a:r>
+            <a:r>
+              <a:rPr lang="ko-KR" altLang="en-US" sz="4000" spc="-153" dirty="0">
+                <a:latin typeface="Noto Sans KR ExtraBold" panose="020B0200000000000000" pitchFamily="50" charset="-127"/>
+                <a:ea typeface="Noto Sans KR ExtraBold" panose="020B0200000000000000" pitchFamily="50" charset="-127"/>
+              </a:rPr>
+              <a:t>서비스 배포 수준의 완성도 확보</a:t>
+            </a:r>
+            <a:endParaRPr lang="en-US" altLang="ko-KR" sz="4000" spc="-153" dirty="0">
+              <a:latin typeface="Noto Sans KR ExtraBold" panose="020B0200000000000000" pitchFamily="50" charset="-127"/>
+              <a:ea typeface="Noto Sans KR ExtraBold" panose="020B0200000000000000" pitchFamily="50" charset="-127"/>
+            </a:endParaRPr>
+          </a:p>
+        </p:txBody>
+      </p:sp>
+    </p:spTree>
+    <p:extLst>
+      <p:ext uri="{BB962C8B-B14F-4D97-AF65-F5344CB8AC3E}">
+        <p14:creationId xmlns:p14="http://schemas.microsoft.com/office/powerpoint/2010/main" val="848326125"/>
+      </p:ext>
+    </p:extLst>
+  </p:cSld>
+  <p:clrMapOvr>
+    <a:masterClrMapping/>
+  </p:clrMapOvr>
+</p:sld>
+</file>
+
+<file path=ppt/slides/slide25.xml><?xml version="1.0" encoding="utf-8"?>
+<p:sld xmlns:a="http://schemas.openxmlformats.org/drawingml/2006/main" xmlns:r="http://schemas.openxmlformats.org/officeDocument/2006/relationships" xmlns:p="http://schemas.openxmlformats.org/presentationml/2006/main">
+  <p:cSld>
     <p:bg>
       <p:bgPr>
         <a:solidFill>
@@ -17420,7 +17941,7 @@
 </p:sld>
 </file>
 
-<file path=ppt/slides/slide25.xml><?xml version="1.0" encoding="utf-8"?>
+<file path=ppt/slides/slide26.xml><?xml version="1.0" encoding="utf-8"?>
 <p:sld xmlns:a="http://schemas.openxmlformats.org/drawingml/2006/main" xmlns:r="http://schemas.openxmlformats.org/officeDocument/2006/relationships" xmlns:p="http://schemas.openxmlformats.org/presentationml/2006/main">
   <p:cSld>
     <p:bg>
@@ -17740,7 +18261,7 @@
                 <a:latin typeface="Noto Sans KR ExtraBold" panose="020B0200000000000000" pitchFamily="50" charset="-127"/>
                 <a:ea typeface="Noto Sans KR ExtraBold" panose="020B0200000000000000" pitchFamily="50" charset="-127"/>
               </a:rPr>
-              <a:t> 필수</a:t>
+              <a:t> 소요</a:t>
             </a:r>
             <a:endParaRPr lang="en-US" altLang="ko-KR" sz="3300" b="0" i="0" u="none" strike="noStrike" spc="-53" dirty="0">
               <a:solidFill>
@@ -18427,7 +18948,7 @@
                 <a:latin typeface="Noto Sans KR ExtraBold" panose="020B0200000000000000" pitchFamily="50" charset="-127"/>
                 <a:ea typeface="Noto Sans KR ExtraBold" panose="020B0200000000000000" pitchFamily="50" charset="-127"/>
               </a:rPr>
-              <a:t>      </a:t>
+              <a:t>       </a:t>
             </a:r>
             <a:r>
               <a:rPr lang="ko-KR" altLang="en-US" sz="3300" b="0" i="0" u="none" strike="noStrike" spc="-53" dirty="0">
@@ -23063,6 +23584,111 @@
       </p:grpSpPr>
       <p:pic>
         <p:nvPicPr>
+          <p:cNvPr id="38" name="Picture 5">
+            <a:extLst>
+              <a:ext uri="{FF2B5EF4-FFF2-40B4-BE49-F238E27FC236}">
+                <a16:creationId xmlns:a16="http://schemas.microsoft.com/office/drawing/2014/main" id="{8F4E2E4A-0207-4296-96E1-293CA485B469}"/>
+              </a:ext>
+            </a:extLst>
+          </p:cNvPr>
+          <p:cNvPicPr>
+            <a:picLocks noChangeAspect="1"/>
+          </p:cNvPicPr>
+          <p:nvPr/>
+        </p:nvPicPr>
+        <p:blipFill>
+          <a:blip r:embed="rId3" cstate="print"/>
+          <a:stretch>
+            <a:fillRect/>
+          </a:stretch>
+        </p:blipFill>
+        <p:spPr>
+          <a:xfrm>
+            <a:off x="12344400" y="3124200"/>
+            <a:ext cx="5733934" cy="9677400"/>
+          </a:xfrm>
+          <a:prstGeom prst="rect">
+            <a:avLst/>
+          </a:prstGeom>
+          <a:ln>
+            <a:solidFill>
+              <a:schemeClr val="tx1"/>
+            </a:solidFill>
+          </a:ln>
+        </p:spPr>
+      </p:pic>
+      <p:pic>
+        <p:nvPicPr>
+          <p:cNvPr id="39" name="Picture 5">
+            <a:extLst>
+              <a:ext uri="{FF2B5EF4-FFF2-40B4-BE49-F238E27FC236}">
+                <a16:creationId xmlns:a16="http://schemas.microsoft.com/office/drawing/2014/main" id="{27821F1F-42E2-4F2A-8151-E0215DF0CE9A}"/>
+              </a:ext>
+            </a:extLst>
+          </p:cNvPr>
+          <p:cNvPicPr>
+            <a:picLocks noChangeAspect="1"/>
+          </p:cNvPicPr>
+          <p:nvPr/>
+        </p:nvPicPr>
+        <p:blipFill>
+          <a:blip r:embed="rId3" cstate="print"/>
+          <a:stretch>
+            <a:fillRect/>
+          </a:stretch>
+        </p:blipFill>
+        <p:spPr>
+          <a:xfrm>
+            <a:off x="18392061" y="3124200"/>
+            <a:ext cx="5733934" cy="9677400"/>
+          </a:xfrm>
+          <a:prstGeom prst="rect">
+            <a:avLst/>
+          </a:prstGeom>
+          <a:ln>
+            <a:solidFill>
+              <a:schemeClr val="tx1"/>
+            </a:solidFill>
+          </a:ln>
+        </p:spPr>
+      </p:pic>
+      <p:pic>
+        <p:nvPicPr>
+          <p:cNvPr id="36" name="Picture 5">
+            <a:extLst>
+              <a:ext uri="{FF2B5EF4-FFF2-40B4-BE49-F238E27FC236}">
+                <a16:creationId xmlns:a16="http://schemas.microsoft.com/office/drawing/2014/main" id="{E722FFF3-5D13-4402-B13F-A345A81789B9}"/>
+              </a:ext>
+            </a:extLst>
+          </p:cNvPr>
+          <p:cNvPicPr>
+            <a:picLocks noChangeAspect="1"/>
+          </p:cNvPicPr>
+          <p:nvPr/>
+        </p:nvPicPr>
+        <p:blipFill>
+          <a:blip r:embed="rId3" cstate="print"/>
+          <a:stretch>
+            <a:fillRect/>
+          </a:stretch>
+        </p:blipFill>
+        <p:spPr>
+          <a:xfrm>
+            <a:off x="6296739" y="3124200"/>
+            <a:ext cx="5733934" cy="9677400"/>
+          </a:xfrm>
+          <a:prstGeom prst="rect">
+            <a:avLst/>
+          </a:prstGeom>
+          <a:ln>
+            <a:solidFill>
+              <a:schemeClr val="tx1"/>
+            </a:solidFill>
+          </a:ln>
+        </p:spPr>
+      </p:pic>
+      <p:pic>
+        <p:nvPicPr>
           <p:cNvPr id="26" name="Picture 5">
             <a:extLst>
               <a:ext uri="{FF2B5EF4-FFF2-40B4-BE49-F238E27FC236}">
@@ -23083,8 +23709,8 @@
         </p:blipFill>
         <p:spPr>
           <a:xfrm>
-            <a:off x="599574" y="3124200"/>
-            <a:ext cx="7315200" cy="9429750"/>
+            <a:off x="249078" y="3124200"/>
+            <a:ext cx="5733934" cy="9677400"/>
           </a:xfrm>
           <a:prstGeom prst="rect">
             <a:avLst/>
@@ -23154,76 +23780,6 @@
           </a:p>
         </p:txBody>
       </p:sp>
-      <p:pic>
-        <p:nvPicPr>
-          <p:cNvPr id="11" name="Picture 5">
-            <a:extLst>
-              <a:ext uri="{FF2B5EF4-FFF2-40B4-BE49-F238E27FC236}">
-                <a16:creationId xmlns:a16="http://schemas.microsoft.com/office/drawing/2014/main" id="{6BF40B26-00F9-4101-9810-AC9F63D83F06}"/>
-              </a:ext>
-            </a:extLst>
-          </p:cNvPr>
-          <p:cNvPicPr>
-            <a:picLocks noChangeAspect="1"/>
-          </p:cNvPicPr>
-          <p:nvPr/>
-        </p:nvPicPr>
-        <p:blipFill>
-          <a:blip r:embed="rId3" cstate="print"/>
-          <a:stretch>
-            <a:fillRect/>
-          </a:stretch>
-        </p:blipFill>
-        <p:spPr>
-          <a:xfrm>
-            <a:off x="8534400" y="3112477"/>
-            <a:ext cx="7315200" cy="9429750"/>
-          </a:xfrm>
-          <a:prstGeom prst="rect">
-            <a:avLst/>
-          </a:prstGeom>
-          <a:ln>
-            <a:solidFill>
-              <a:schemeClr val="tx1"/>
-            </a:solidFill>
-          </a:ln>
-        </p:spPr>
-      </p:pic>
-      <p:pic>
-        <p:nvPicPr>
-          <p:cNvPr id="12" name="Picture 5">
-            <a:extLst>
-              <a:ext uri="{FF2B5EF4-FFF2-40B4-BE49-F238E27FC236}">
-                <a16:creationId xmlns:a16="http://schemas.microsoft.com/office/drawing/2014/main" id="{6D65B2C3-8B54-4770-9099-599E56B02211}"/>
-              </a:ext>
-            </a:extLst>
-          </p:cNvPr>
-          <p:cNvPicPr>
-            <a:picLocks noChangeAspect="1"/>
-          </p:cNvPicPr>
-          <p:nvPr/>
-        </p:nvPicPr>
-        <p:blipFill>
-          <a:blip r:embed="rId3" cstate="print"/>
-          <a:stretch>
-            <a:fillRect/>
-          </a:stretch>
-        </p:blipFill>
-        <p:spPr>
-          <a:xfrm>
-            <a:off x="16469227" y="3124200"/>
-            <a:ext cx="7315200" cy="9429750"/>
-          </a:xfrm>
-          <a:prstGeom prst="rect">
-            <a:avLst/>
-          </a:prstGeom>
-          <a:ln>
-            <a:solidFill>
-              <a:schemeClr val="tx1"/>
-            </a:solidFill>
-          </a:ln>
-        </p:spPr>
-      </p:pic>
       <p:sp>
         <p:nvSpPr>
           <p:cNvPr id="13" name="TextBox 6">
@@ -23238,7 +23794,7 @@
         </p:nvSpPr>
         <p:spPr>
           <a:xfrm>
-            <a:off x="1257749" y="7764641"/>
+            <a:off x="634588" y="8029790"/>
             <a:ext cx="6624083" cy="3378200"/>
           </a:xfrm>
           <a:prstGeom prst="rect">
@@ -23255,20 +23811,20 @@
               </a:lnSpc>
             </a:pPr>
             <a:r>
-              <a:rPr lang="en-US" altLang="ko-KR" sz="4000" b="0" i="0" u="none" strike="noStrike" dirty="0">
-                <a:latin typeface="Noto Sans KR ExtraBold" panose="020B0200000000000000" pitchFamily="50" charset="-127"/>
-                <a:ea typeface="Noto Sans KR ExtraBold" panose="020B0200000000000000" pitchFamily="50" charset="-127"/>
-              </a:rPr>
-              <a:t>-  </a:t>
-            </a:r>
-            <a:r>
-              <a:rPr lang="ko-KR" altLang="en-US" sz="4000" b="0" i="0" u="none" strike="noStrike" dirty="0">
+              <a:rPr lang="en-US" altLang="ko-KR" sz="3000" b="0" i="0" u="none" strike="noStrike" dirty="0">
+                <a:latin typeface="Noto Sans KR ExtraBold" panose="020B0200000000000000" pitchFamily="50" charset="-127"/>
+                <a:ea typeface="Noto Sans KR ExtraBold" panose="020B0200000000000000" pitchFamily="50" charset="-127"/>
+              </a:rPr>
+              <a:t>-   </a:t>
+            </a:r>
+            <a:r>
+              <a:rPr lang="ko-KR" altLang="en-US" sz="3000" b="0" i="0" u="none" strike="noStrike" dirty="0">
                 <a:latin typeface="Noto Sans KR ExtraBold" panose="020B0200000000000000" pitchFamily="50" charset="-127"/>
                 <a:ea typeface="Noto Sans KR ExtraBold" panose="020B0200000000000000" pitchFamily="50" charset="-127"/>
               </a:rPr>
               <a:t>프로젝트 기획</a:t>
             </a:r>
-            <a:endParaRPr lang="en-US" altLang="ko-KR" sz="4000" b="0" i="0" u="none" strike="noStrike" dirty="0">
+            <a:endParaRPr lang="en-US" altLang="ko-KR" sz="3000" b="0" i="0" u="none" strike="noStrike" dirty="0">
               <a:latin typeface="Noto Sans KR ExtraBold" panose="020B0200000000000000" pitchFamily="50" charset="-127"/>
               <a:ea typeface="Noto Sans KR ExtraBold" panose="020B0200000000000000" pitchFamily="50" charset="-127"/>
             </a:endParaRPr>
@@ -23282,13 +23838,13 @@
               <a:buChar char="-"/>
             </a:pPr>
             <a:r>
-              <a:rPr lang="ko-KR" altLang="en-US" sz="4000" b="0" i="0" u="none" strike="noStrike" dirty="0">
+              <a:rPr lang="ko-KR" altLang="en-US" sz="3000" b="0" i="0" u="none" strike="noStrike" dirty="0">
                 <a:latin typeface="Noto Sans KR ExtraBold" panose="020B0200000000000000" pitchFamily="50" charset="-127"/>
                 <a:ea typeface="Noto Sans KR ExtraBold" panose="020B0200000000000000" pitchFamily="50" charset="-127"/>
               </a:rPr>
               <a:t>모델 설계 및 학습</a:t>
             </a:r>
-            <a:endParaRPr lang="en-US" altLang="ko-KR" sz="4000" b="0" i="0" u="none" strike="noStrike" dirty="0">
+            <a:endParaRPr lang="en-US" altLang="ko-KR" sz="3000" b="0" i="0" u="none" strike="noStrike" dirty="0">
               <a:latin typeface="Noto Sans KR ExtraBold" panose="020B0200000000000000" pitchFamily="50" charset="-127"/>
               <a:ea typeface="Noto Sans KR ExtraBold" panose="020B0200000000000000" pitchFamily="50" charset="-127"/>
             </a:endParaRPr>
@@ -23302,41 +23858,41 @@
               <a:buChar char="-"/>
             </a:pPr>
             <a:r>
-              <a:rPr lang="ko-KR" altLang="en-US" sz="4000" dirty="0" err="1">
+              <a:rPr lang="ko-KR" altLang="en-US" sz="3000" dirty="0" err="1">
                 <a:latin typeface="Noto Sans KR ExtraBold" panose="020B0200000000000000" pitchFamily="50" charset="-127"/>
                 <a:ea typeface="Noto Sans KR ExtraBold" panose="020B0200000000000000" pitchFamily="50" charset="-127"/>
               </a:rPr>
               <a:t>백엔드</a:t>
             </a:r>
             <a:r>
-              <a:rPr lang="ko-KR" altLang="en-US" sz="4000" dirty="0">
+              <a:rPr lang="ko-KR" altLang="en-US" sz="3000" dirty="0">
                 <a:latin typeface="Noto Sans KR ExtraBold" panose="020B0200000000000000" pitchFamily="50" charset="-127"/>
                 <a:ea typeface="Noto Sans KR ExtraBold" panose="020B0200000000000000" pitchFamily="50" charset="-127"/>
               </a:rPr>
               <a:t> </a:t>
             </a:r>
             <a:r>
-              <a:rPr lang="en-US" altLang="ko-KR" sz="4000" dirty="0">
+              <a:rPr lang="en-US" altLang="ko-KR" sz="3000" dirty="0">
                 <a:latin typeface="Roboto Condensed ExtraBold" panose="02000000000000000000" pitchFamily="2" charset="0"/>
                 <a:ea typeface="Roboto Condensed ExtraBold" panose="02000000000000000000" pitchFamily="2" charset="0"/>
               </a:rPr>
               <a:t>API</a:t>
             </a:r>
             <a:r>
-              <a:rPr lang="en-US" altLang="ko-KR" sz="4000" dirty="0">
+              <a:rPr lang="en-US" altLang="ko-KR" sz="3000" dirty="0">
                 <a:latin typeface="Noto Sans KR ExtraBold" panose="020B0200000000000000" pitchFamily="50" charset="-127"/>
                 <a:ea typeface="Noto Sans KR ExtraBold" panose="020B0200000000000000" pitchFamily="50" charset="-127"/>
               </a:rPr>
               <a:t> </a:t>
             </a:r>
             <a:r>
-              <a:rPr lang="ko-KR" altLang="en-US" sz="4000" dirty="0">
+              <a:rPr lang="ko-KR" altLang="en-US" sz="3000" dirty="0">
                 <a:latin typeface="Noto Sans KR ExtraBold" panose="020B0200000000000000" pitchFamily="50" charset="-127"/>
                 <a:ea typeface="Noto Sans KR ExtraBold" panose="020B0200000000000000" pitchFamily="50" charset="-127"/>
               </a:rPr>
               <a:t>개발 및 웹 배포</a:t>
             </a:r>
-            <a:endParaRPr lang="en-US" altLang="ko-KR" sz="4000" b="0" i="0" u="none" strike="noStrike" dirty="0">
+            <a:endParaRPr lang="en-US" altLang="ko-KR" sz="3000" b="0" i="0" u="none" strike="noStrike" dirty="0">
               <a:latin typeface="Noto Sans KR ExtraBold" panose="020B0200000000000000" pitchFamily="50" charset="-127"/>
               <a:ea typeface="Noto Sans KR ExtraBold" panose="020B0200000000000000" pitchFamily="50" charset="-127"/>
             </a:endParaRPr>
@@ -23357,7 +23913,7 @@
         </p:nvSpPr>
         <p:spPr>
           <a:xfrm>
-            <a:off x="1341676" y="4076700"/>
+            <a:off x="421963" y="4525733"/>
             <a:ext cx="5384800" cy="850900"/>
           </a:xfrm>
           <a:prstGeom prst="rect">
@@ -23374,7 +23930,7 @@
               </a:lnSpc>
             </a:pPr>
             <a:r>
-              <a:rPr lang="ko-KR" altLang="en-US" sz="5500" b="1" dirty="0">
+              <a:rPr lang="ko-KR" altLang="en-US" sz="5000" b="1" dirty="0">
                 <a:solidFill>
                   <a:srgbClr val="197A52"/>
                 </a:solidFill>
@@ -23383,7 +23939,7 @@
               </a:rPr>
               <a:t>박아진</a:t>
             </a:r>
-            <a:endParaRPr lang="en" sz="5500" b="1" i="0" u="none" strike="noStrike" dirty="0">
+            <a:endParaRPr lang="en" sz="5000" b="1" i="0" u="none" strike="noStrike" dirty="0">
               <a:solidFill>
                 <a:srgbClr val="197A52"/>
               </a:solidFill>
@@ -23407,7 +23963,7 @@
         </p:nvSpPr>
         <p:spPr>
           <a:xfrm>
-            <a:off x="9454043" y="6151620"/>
+            <a:off x="7536455" y="6846322"/>
             <a:ext cx="5937250" cy="5506979"/>
           </a:xfrm>
           <a:prstGeom prst="rect">
@@ -23423,7 +23979,7 @@
                 <a:spcPct val="200000"/>
               </a:lnSpc>
             </a:pPr>
-            <a:endParaRPr lang="ko-KR" sz="4000" b="0" i="0" u="none" strike="noStrike" dirty="0">
+            <a:endParaRPr lang="ko-KR" sz="3000" b="0" i="0" u="none" strike="noStrike" dirty="0">
               <a:latin typeface="Noto Sans KR ExtraBold" panose="020B0200000000000000" pitchFamily="50" charset="-127"/>
               <a:ea typeface="Noto Sans KR ExtraBold" panose="020B0200000000000000" pitchFamily="50" charset="-127"/>
             </a:endParaRPr>
@@ -23435,34 +23991,34 @@
               </a:lnSpc>
             </a:pPr>
             <a:r>
-              <a:rPr lang="en-US" altLang="ko-KR" sz="4000" b="0" i="0" u="none" strike="noStrike" dirty="0">
-                <a:latin typeface="Noto Sans KR ExtraBold" panose="020B0200000000000000" pitchFamily="50" charset="-127"/>
-                <a:ea typeface="Noto Sans KR ExtraBold" panose="020B0200000000000000" pitchFamily="50" charset="-127"/>
-              </a:rPr>
-              <a:t>- </a:t>
-            </a:r>
-            <a:r>
-              <a:rPr lang="ko-KR" sz="4000" b="0" i="0" u="none" strike="noStrike" dirty="0">
+              <a:rPr lang="en-US" altLang="ko-KR" sz="3000" b="0" i="0" u="none" strike="noStrike" dirty="0">
+                <a:latin typeface="Noto Sans KR ExtraBold" panose="020B0200000000000000" pitchFamily="50" charset="-127"/>
+                <a:ea typeface="Noto Sans KR ExtraBold" panose="020B0200000000000000" pitchFamily="50" charset="-127"/>
+              </a:rPr>
+              <a:t>-   </a:t>
+            </a:r>
+            <a:r>
+              <a:rPr lang="ko-KR" sz="3000" b="0" i="0" u="none" strike="noStrike" dirty="0">
                 <a:latin typeface="Noto Sans KR ExtraBold" panose="020B0200000000000000" pitchFamily="50" charset="-127"/>
                 <a:ea typeface="Noto Sans KR ExtraBold" panose="020B0200000000000000" pitchFamily="50" charset="-127"/>
               </a:rPr>
               <a:t>데이터</a:t>
             </a:r>
             <a:r>
-              <a:rPr lang="en-US" sz="4000" b="0" i="0" u="none" strike="noStrike" dirty="0">
+              <a:rPr lang="en-US" sz="3000" b="0" i="0" u="none" strike="noStrike" dirty="0">
                 <a:latin typeface="Noto Sans KR ExtraBold" panose="020B0200000000000000" pitchFamily="50" charset="-127"/>
                 <a:ea typeface="Noto Sans KR ExtraBold" panose="020B0200000000000000" pitchFamily="50" charset="-127"/>
               </a:rPr>
               <a:t> </a:t>
             </a:r>
             <a:r>
-              <a:rPr lang="ko-KR" altLang="en-US" sz="4000" b="0" i="0" u="none" strike="noStrike" dirty="0" err="1">
+              <a:rPr lang="ko-KR" altLang="en-US" sz="3000" b="0" i="0" u="none" strike="noStrike" dirty="0" err="1">
                 <a:latin typeface="Noto Sans KR ExtraBold" panose="020B0200000000000000" pitchFamily="50" charset="-127"/>
                 <a:ea typeface="Noto Sans KR ExtraBold" panose="020B0200000000000000" pitchFamily="50" charset="-127"/>
               </a:rPr>
               <a:t>전처리</a:t>
             </a:r>
-            <a:endParaRPr lang="en-US" altLang="ko-KR" sz="4000" b="0" i="0" u="none" strike="noStrike" dirty="0">
+            <a:endParaRPr lang="en-US" altLang="ko-KR" sz="3000" b="0" i="0" u="none" strike="noStrike" dirty="0">
               <a:latin typeface="Noto Sans KR ExtraBold" panose="020B0200000000000000" pitchFamily="50" charset="-127"/>
               <a:ea typeface="Noto Sans KR ExtraBold" panose="020B0200000000000000" pitchFamily="50" charset="-127"/>
             </a:endParaRPr>
@@ -23474,27 +24030,27 @@
               </a:lnSpc>
             </a:pPr>
             <a:r>
-              <a:rPr lang="en-US" altLang="ko-KR" sz="4000" b="0" i="0" u="none" strike="noStrike" dirty="0">
-                <a:latin typeface="Noto Sans KR ExtraBold" panose="020B0200000000000000" pitchFamily="50" charset="-127"/>
-                <a:ea typeface="Noto Sans KR ExtraBold" panose="020B0200000000000000" pitchFamily="50" charset="-127"/>
-              </a:rPr>
-              <a:t>- </a:t>
-            </a:r>
-            <a:r>
-              <a:rPr lang="ko-KR" altLang="en-US" sz="4000" b="0" i="0" u="none" strike="noStrike" dirty="0" err="1">
+              <a:rPr lang="en-US" altLang="ko-KR" sz="3000" b="0" i="0" u="none" strike="noStrike" dirty="0">
+                <a:latin typeface="Noto Sans KR ExtraBold" panose="020B0200000000000000" pitchFamily="50" charset="-127"/>
+                <a:ea typeface="Noto Sans KR ExtraBold" panose="020B0200000000000000" pitchFamily="50" charset="-127"/>
+              </a:rPr>
+              <a:t>-   </a:t>
+            </a:r>
+            <a:r>
+              <a:rPr lang="ko-KR" altLang="en-US" sz="3000" b="0" i="0" u="none" strike="noStrike" dirty="0" err="1">
                 <a:latin typeface="Noto Sans KR ExtraBold" panose="020B0200000000000000" pitchFamily="50" charset="-127"/>
                 <a:ea typeface="Noto Sans KR ExtraBold" panose="020B0200000000000000" pitchFamily="50" charset="-127"/>
               </a:rPr>
               <a:t>프론트엔드</a:t>
             </a:r>
             <a:r>
-              <a:rPr lang="ko-KR" altLang="en-US" sz="4000" b="0" i="0" u="none" strike="noStrike" dirty="0">
+              <a:rPr lang="ko-KR" altLang="en-US" sz="3000" b="0" i="0" u="none" strike="noStrike" dirty="0">
                 <a:latin typeface="Noto Sans KR ExtraBold" panose="020B0200000000000000" pitchFamily="50" charset="-127"/>
                 <a:ea typeface="Noto Sans KR ExtraBold" panose="020B0200000000000000" pitchFamily="50" charset="-127"/>
               </a:rPr>
               <a:t> 개발</a:t>
             </a:r>
-            <a:endParaRPr lang="en-US" altLang="ko-KR" sz="4000" dirty="0">
+            <a:endParaRPr lang="en-US" altLang="ko-KR" sz="3000" dirty="0">
               <a:latin typeface="Noto Sans KR ExtraBold" panose="020B0200000000000000" pitchFamily="50" charset="-127"/>
               <a:ea typeface="Noto Sans KR ExtraBold" panose="020B0200000000000000" pitchFamily="50" charset="-127"/>
             </a:endParaRPr>
@@ -23506,26 +24062,26 @@
               </a:lnSpc>
             </a:pPr>
             <a:r>
-              <a:rPr lang="en-US" altLang="ko-KR" sz="4000" b="0" i="0" u="none" strike="noStrike" dirty="0">
-                <a:latin typeface="Noto Sans KR ExtraBold" panose="020B0200000000000000" pitchFamily="50" charset="-127"/>
-                <a:ea typeface="Noto Sans KR ExtraBold" panose="020B0200000000000000" pitchFamily="50" charset="-127"/>
-              </a:rPr>
-              <a:t>- </a:t>
-            </a:r>
-            <a:r>
-              <a:rPr lang="ko-KR" altLang="en-US" sz="4000" dirty="0">
+              <a:rPr lang="en-US" altLang="ko-KR" sz="3000" b="0" i="0" u="none" strike="noStrike" dirty="0">
+                <a:latin typeface="Noto Sans KR ExtraBold" panose="020B0200000000000000" pitchFamily="50" charset="-127"/>
+                <a:ea typeface="Noto Sans KR ExtraBold" panose="020B0200000000000000" pitchFamily="50" charset="-127"/>
+              </a:rPr>
+              <a:t>-   </a:t>
+            </a:r>
+            <a:r>
+              <a:rPr lang="ko-KR" altLang="en-US" sz="3000" dirty="0">
                 <a:latin typeface="Noto Sans KR ExtraBold" panose="020B0200000000000000" pitchFamily="50" charset="-127"/>
                 <a:ea typeface="Noto Sans KR ExtraBold" panose="020B0200000000000000" pitchFamily="50" charset="-127"/>
               </a:rPr>
               <a:t>최종 보고서 작성</a:t>
             </a:r>
             <a:br>
-              <a:rPr lang="ko-KR" sz="4000" b="0" i="0" u="none" strike="noStrike" dirty="0">
+              <a:rPr lang="ko-KR" sz="3000" b="0" i="0" u="none" strike="noStrike" dirty="0">
                 <a:latin typeface="Noto Sans KR ExtraBold" panose="020B0200000000000000" pitchFamily="50" charset="-127"/>
                 <a:ea typeface="Noto Sans KR ExtraBold" panose="020B0200000000000000" pitchFamily="50" charset="-127"/>
               </a:rPr>
             </a:br>
-            <a:endParaRPr lang="ko-KR" sz="4000" b="0" i="0" u="none" strike="noStrike" dirty="0">
+            <a:endParaRPr lang="ko-KR" sz="3000" b="0" i="0" u="none" strike="noStrike" dirty="0">
               <a:latin typeface="Noto Sans KR ExtraBold" panose="020B0200000000000000" pitchFamily="50" charset="-127"/>
               <a:ea typeface="Noto Sans KR ExtraBold" panose="020B0200000000000000" pitchFamily="50" charset="-127"/>
             </a:endParaRPr>
@@ -23546,7 +24102,7 @@
         </p:nvSpPr>
         <p:spPr>
           <a:xfrm>
-            <a:off x="9448800" y="4076700"/>
+            <a:off x="6433654" y="4525733"/>
             <a:ext cx="5384800" cy="850900"/>
           </a:xfrm>
           <a:prstGeom prst="rect">
@@ -23563,7 +24119,7 @@
               </a:lnSpc>
             </a:pPr>
             <a:r>
-              <a:rPr lang="ko-KR" altLang="en-US" sz="5500" b="1" i="0" u="none" strike="noStrike" dirty="0">
+              <a:rPr lang="ko-KR" altLang="en-US" sz="5000" b="1" i="0" u="none" strike="noStrike" dirty="0">
                 <a:solidFill>
                   <a:srgbClr val="197A52"/>
                 </a:solidFill>
@@ -23572,7 +24128,7 @@
               </a:rPr>
               <a:t>이재혁</a:t>
             </a:r>
-            <a:endParaRPr lang="en" sz="5500" b="1" i="0" u="none" strike="noStrike" dirty="0">
+            <a:endParaRPr lang="en" sz="5000" b="1" i="0" u="none" strike="noStrike" dirty="0">
               <a:solidFill>
                 <a:srgbClr val="197A52"/>
               </a:solidFill>
@@ -23596,7 +24152,7 @@
         </p:nvSpPr>
         <p:spPr>
           <a:xfrm>
-            <a:off x="17306778" y="6100941"/>
+            <a:off x="13325203" y="6795643"/>
             <a:ext cx="6471455" cy="3352800"/>
           </a:xfrm>
           <a:prstGeom prst="rect">
@@ -23613,13 +24169,13 @@
               </a:lnSpc>
             </a:pPr>
             <a:r>
-              <a:rPr lang="en-US" sz="4000" b="0" i="0" u="none" strike="noStrike" dirty="0">
+              <a:rPr lang="en-US" sz="3000" b="0" i="0" u="none" strike="noStrike" dirty="0">
                 <a:latin typeface="Noto Sans KR ExtraBold" panose="020B0200000000000000" pitchFamily="50" charset="-127"/>
                 <a:ea typeface="Noto Sans KR ExtraBold" panose="020B0200000000000000" pitchFamily="50" charset="-127"/>
               </a:rPr>
               <a:t>           </a:t>
             </a:r>
-            <a:endParaRPr lang="ko-KR" sz="4000" b="0" i="0" u="none" strike="noStrike" dirty="0">
+            <a:endParaRPr lang="ko-KR" sz="3000" b="0" i="0" u="none" strike="noStrike" dirty="0">
               <a:latin typeface="Noto Sans KR ExtraBold" panose="020B0200000000000000" pitchFamily="50" charset="-127"/>
               <a:ea typeface="Noto Sans KR ExtraBold" panose="020B0200000000000000" pitchFamily="50" charset="-127"/>
             </a:endParaRPr>
@@ -23633,13 +24189,13 @@
               <a:buChar char="-"/>
             </a:pPr>
             <a:r>
-              <a:rPr lang="ko-KR" altLang="en-US" sz="4000" b="0" i="0" u="none" strike="noStrike" dirty="0">
+              <a:rPr lang="ko-KR" altLang="en-US" sz="3000" b="0" i="0" u="none" strike="noStrike" dirty="0">
                 <a:latin typeface="Noto Sans KR ExtraBold" panose="020B0200000000000000" pitchFamily="50" charset="-127"/>
                 <a:ea typeface="Noto Sans KR ExtraBold" panose="020B0200000000000000" pitchFamily="50" charset="-127"/>
               </a:rPr>
               <a:t>모델 학습 모니터링</a:t>
             </a:r>
-            <a:endParaRPr lang="en-US" altLang="ko-KR" sz="4000" dirty="0">
+            <a:endParaRPr lang="en-US" altLang="ko-KR" sz="3000" dirty="0">
               <a:latin typeface="Noto Sans KR ExtraBold" panose="020B0200000000000000" pitchFamily="50" charset="-127"/>
               <a:ea typeface="Noto Sans KR ExtraBold" panose="020B0200000000000000" pitchFamily="50" charset="-127"/>
             </a:endParaRPr>
@@ -23653,27 +24209,27 @@
               <a:buChar char="-"/>
             </a:pPr>
             <a:r>
-              <a:rPr lang="ko-KR" altLang="en-US" sz="4000" dirty="0">
+              <a:rPr lang="ko-KR" altLang="en-US" sz="3000" dirty="0">
                 <a:latin typeface="Noto Sans KR ExtraBold" panose="020B0200000000000000" pitchFamily="50" charset="-127"/>
                 <a:ea typeface="Noto Sans KR ExtraBold" panose="020B0200000000000000" pitchFamily="50" charset="-127"/>
               </a:rPr>
               <a:t>데이터베이스</a:t>
             </a:r>
             <a:r>
-              <a:rPr lang="en-US" altLang="ko-KR" sz="4000" dirty="0">
+              <a:rPr lang="en-US" altLang="ko-KR" sz="3000" dirty="0">
                 <a:latin typeface="Noto Sans KR ExtraBold" panose="020B0200000000000000" pitchFamily="50" charset="-127"/>
                 <a:ea typeface="Noto Sans KR ExtraBold" panose="020B0200000000000000" pitchFamily="50" charset="-127"/>
               </a:rPr>
               <a:t> </a:t>
             </a:r>
             <a:r>
-              <a:rPr lang="ko-KR" altLang="en-US" sz="4000" dirty="0">
+              <a:rPr lang="ko-KR" altLang="en-US" sz="3000" dirty="0">
                 <a:latin typeface="Noto Sans KR ExtraBold" panose="020B0200000000000000" pitchFamily="50" charset="-127"/>
                 <a:ea typeface="Noto Sans KR ExtraBold" panose="020B0200000000000000" pitchFamily="50" charset="-127"/>
               </a:rPr>
               <a:t>설계</a:t>
             </a:r>
-            <a:endParaRPr lang="en-US" altLang="ko-KR" sz="4000" dirty="0">
+            <a:endParaRPr lang="en-US" altLang="ko-KR" sz="3000" dirty="0">
               <a:latin typeface="Noto Sans KR ExtraBold" panose="020B0200000000000000" pitchFamily="50" charset="-127"/>
               <a:ea typeface="Noto Sans KR ExtraBold" panose="020B0200000000000000" pitchFamily="50" charset="-127"/>
             </a:endParaRPr>
@@ -23687,19 +24243,19 @@
               <a:buChar char="-"/>
             </a:pPr>
             <a:r>
-              <a:rPr lang="ko-KR" altLang="en-US" sz="4000" dirty="0">
+              <a:rPr lang="ko-KR" altLang="en-US" sz="3000" dirty="0">
                 <a:latin typeface="Noto Sans KR ExtraBold" panose="020B0200000000000000" pitchFamily="50" charset="-127"/>
                 <a:ea typeface="Noto Sans KR ExtraBold" panose="020B0200000000000000" pitchFamily="50" charset="-127"/>
               </a:rPr>
               <a:t>발표 자료 제작</a:t>
             </a:r>
             <a:br>
-              <a:rPr lang="ko-KR" sz="4000" b="0" i="0" u="none" strike="noStrike" dirty="0">
+              <a:rPr lang="ko-KR" sz="3000" b="0" i="0" u="none" strike="noStrike" dirty="0">
                 <a:latin typeface="Noto Sans KR ExtraBold" panose="020B0200000000000000" pitchFamily="50" charset="-127"/>
                 <a:ea typeface="Noto Sans KR ExtraBold" panose="020B0200000000000000" pitchFamily="50" charset="-127"/>
               </a:rPr>
             </a:br>
-            <a:endParaRPr lang="ko-KR" sz="4000" b="0" i="0" u="none" strike="noStrike" dirty="0">
+            <a:endParaRPr lang="ko-KR" sz="3000" b="0" i="0" u="none" strike="noStrike" dirty="0">
               <a:latin typeface="Noto Sans KR ExtraBold" panose="020B0200000000000000" pitchFamily="50" charset="-127"/>
               <a:ea typeface="Noto Sans KR ExtraBold" panose="020B0200000000000000" pitchFamily="50" charset="-127"/>
             </a:endParaRPr>
@@ -23720,7 +24276,7 @@
         </p:nvSpPr>
         <p:spPr>
           <a:xfrm>
-            <a:off x="17434427" y="4076700"/>
+            <a:off x="12586718" y="4525733"/>
             <a:ext cx="5384800" cy="850900"/>
           </a:xfrm>
           <a:prstGeom prst="rect">
@@ -23737,7 +24293,7 @@
               </a:lnSpc>
             </a:pPr>
             <a:r>
-              <a:rPr lang="en" sz="5500" b="1" i="0" u="none" strike="noStrike" dirty="0">
+              <a:rPr lang="en" sz="5000" b="1" i="0" u="none" strike="noStrike" dirty="0">
                 <a:solidFill>
                   <a:srgbClr val="197A52"/>
                 </a:solidFill>
@@ -23763,8 +24319,8 @@
         </p:nvSpPr>
         <p:spPr>
           <a:xfrm>
-            <a:off x="2260867" y="5891823"/>
-            <a:ext cx="3733800" cy="672364"/>
+            <a:off x="1200698" y="6340856"/>
+            <a:ext cx="3733800" cy="575670"/>
           </a:xfrm>
           <a:prstGeom prst="rect">
             <a:avLst/>
@@ -23783,21 +24339,21 @@
               </a:lnSpc>
             </a:pPr>
             <a:r>
-              <a:rPr lang="ko-KR" altLang="ko-KR" sz="3000" b="0" i="0" u="none" strike="noStrike" dirty="0">
+              <a:rPr lang="ko-KR" altLang="ko-KR" sz="2500" b="0" i="0" u="none" strike="noStrike" dirty="0">
                 <a:latin typeface="Noto Sans KR ExtraBold" panose="020B0200000000000000" pitchFamily="50" charset="-127"/>
                 <a:ea typeface="Noto Sans KR ExtraBold" panose="020B0200000000000000" pitchFamily="50" charset="-127"/>
               </a:rPr>
               <a:t>프로젝트</a:t>
             </a:r>
             <a:r>
-              <a:rPr lang="en-US" altLang="ko-KR" sz="3000" b="0" i="0" u="none" strike="noStrike" dirty="0">
+              <a:rPr lang="en-US" altLang="ko-KR" sz="2500" b="0" i="0" u="none" strike="noStrike" dirty="0">
                 <a:latin typeface="Noto Sans KR ExtraBold" panose="020B0200000000000000" pitchFamily="50" charset="-127"/>
                 <a:ea typeface="Noto Sans KR ExtraBold" panose="020B0200000000000000" pitchFamily="50" charset="-127"/>
               </a:rPr>
               <a:t> </a:t>
             </a:r>
             <a:r>
-              <a:rPr lang="ko-KR" altLang="ko-KR" sz="3000" b="0" i="0" u="none" strike="noStrike" dirty="0">
+              <a:rPr lang="ko-KR" altLang="ko-KR" sz="2500" b="0" i="0" u="none" strike="noStrike" dirty="0">
                 <a:latin typeface="Noto Sans KR ExtraBold" panose="020B0200000000000000" pitchFamily="50" charset="-127"/>
                 <a:ea typeface="Noto Sans KR ExtraBold" panose="020B0200000000000000" pitchFamily="50" charset="-127"/>
               </a:rPr>
@@ -23820,8 +24376,8 @@
         </p:nvSpPr>
         <p:spPr>
           <a:xfrm>
-            <a:off x="18259927" y="5891823"/>
-            <a:ext cx="3733800" cy="672364"/>
+            <a:off x="13412218" y="6340856"/>
+            <a:ext cx="3733800" cy="575670"/>
           </a:xfrm>
           <a:prstGeom prst="rect">
             <a:avLst/>
@@ -23840,34 +24396,34 @@
               </a:lnSpc>
             </a:pPr>
             <a:r>
-              <a:rPr lang="ko-KR" altLang="ko-KR" sz="3000" b="1" i="0" u="none" strike="noStrike" dirty="0">
+              <a:rPr lang="ko-KR" altLang="ko-KR" sz="2500" b="1" i="0" u="none" strike="noStrike" dirty="0">
                 <a:latin typeface="Noto Sans KR ExtraBold" panose="020B0200000000000000" pitchFamily="50" charset="-127"/>
                 <a:ea typeface="Noto Sans KR ExtraBold" panose="020B0200000000000000" pitchFamily="50" charset="-127"/>
               </a:rPr>
               <a:t>프로젝트</a:t>
             </a:r>
             <a:r>
-              <a:rPr lang="en-US" altLang="ko-KR" sz="3000" b="1" i="0" u="none" strike="noStrike" dirty="0">
+              <a:rPr lang="en-US" altLang="ko-KR" sz="2500" b="1" i="0" u="none" strike="noStrike" dirty="0">
                 <a:latin typeface="Noto Sans KR ExtraBold" panose="020B0200000000000000" pitchFamily="50" charset="-127"/>
                 <a:ea typeface="Noto Sans KR ExtraBold" panose="020B0200000000000000" pitchFamily="50" charset="-127"/>
               </a:rPr>
               <a:t> </a:t>
             </a:r>
             <a:r>
-              <a:rPr lang="ko-KR" altLang="en-US" sz="3000" b="1" i="0" u="none" strike="noStrike" dirty="0">
+              <a:rPr lang="ko-KR" altLang="en-US" sz="2500" b="1" i="0" u="none" strike="noStrike" dirty="0">
                 <a:latin typeface="Noto Sans KR ExtraBold" panose="020B0200000000000000" pitchFamily="50" charset="-127"/>
                 <a:ea typeface="Noto Sans KR ExtraBold" panose="020B0200000000000000" pitchFamily="50" charset="-127"/>
               </a:rPr>
               <a:t>팀원</a:t>
             </a:r>
             <a:r>
-              <a:rPr lang="en-US" altLang="ko-KR" sz="3000" b="1" i="0" u="none" strike="noStrike" dirty="0">
+              <a:rPr lang="en-US" altLang="ko-KR" sz="2500" b="1" i="0" u="none" strike="noStrike" dirty="0">
                 <a:latin typeface="Noto Sans KR ExtraBold" panose="020B0200000000000000" pitchFamily="50" charset="-127"/>
                 <a:ea typeface="Noto Sans KR ExtraBold" panose="020B0200000000000000" pitchFamily="50" charset="-127"/>
               </a:rPr>
               <a:t> </a:t>
             </a:r>
-            <a:endParaRPr lang="ko-KR" altLang="ko-KR" sz="3000" b="1" i="0" u="none" strike="noStrike" dirty="0">
+            <a:endParaRPr lang="ko-KR" altLang="ko-KR" sz="2500" b="1" i="0" u="none" strike="noStrike" dirty="0">
               <a:latin typeface="Noto Sans KR ExtraBold" panose="020B0200000000000000" pitchFamily="50" charset="-127"/>
               <a:ea typeface="Noto Sans KR ExtraBold" panose="020B0200000000000000" pitchFamily="50" charset="-127"/>
             </a:endParaRPr>
@@ -23888,8 +24444,8 @@
         </p:nvSpPr>
         <p:spPr>
           <a:xfrm>
-            <a:off x="10317385" y="5891823"/>
-            <a:ext cx="3733800" cy="672364"/>
+            <a:off x="7302239" y="6340856"/>
+            <a:ext cx="3733800" cy="575670"/>
           </a:xfrm>
           <a:prstGeom prst="rect">
             <a:avLst/>
@@ -23908,34 +24464,242 @@
               </a:lnSpc>
             </a:pPr>
             <a:r>
-              <a:rPr lang="ko-KR" altLang="ko-KR" sz="3000" b="1" i="0" u="none" strike="noStrike" dirty="0">
+              <a:rPr lang="ko-KR" altLang="ko-KR" sz="2500" b="1" i="0" u="none" strike="noStrike" dirty="0">
                 <a:latin typeface="Noto Sans KR ExtraBold" panose="020B0200000000000000" pitchFamily="50" charset="-127"/>
                 <a:ea typeface="Noto Sans KR ExtraBold" panose="020B0200000000000000" pitchFamily="50" charset="-127"/>
               </a:rPr>
               <a:t>프로젝트</a:t>
             </a:r>
             <a:r>
-              <a:rPr lang="en-US" altLang="ko-KR" sz="3000" b="1" i="0" u="none" strike="noStrike" dirty="0">
+              <a:rPr lang="en-US" altLang="ko-KR" sz="2500" b="1" i="0" u="none" strike="noStrike" dirty="0">
                 <a:latin typeface="Noto Sans KR ExtraBold" panose="020B0200000000000000" pitchFamily="50" charset="-127"/>
                 <a:ea typeface="Noto Sans KR ExtraBold" panose="020B0200000000000000" pitchFamily="50" charset="-127"/>
               </a:rPr>
               <a:t> </a:t>
             </a:r>
             <a:r>
-              <a:rPr lang="ko-KR" altLang="en-US" sz="3000" b="1" i="0" u="none" strike="noStrike" dirty="0">
+              <a:rPr lang="ko-KR" altLang="en-US" sz="2500" b="1" i="0" u="none" strike="noStrike" dirty="0">
                 <a:latin typeface="Noto Sans KR ExtraBold" panose="020B0200000000000000" pitchFamily="50" charset="-127"/>
                 <a:ea typeface="Noto Sans KR ExtraBold" panose="020B0200000000000000" pitchFamily="50" charset="-127"/>
               </a:rPr>
               <a:t>팀원</a:t>
             </a:r>
             <a:r>
-              <a:rPr lang="en-US" altLang="ko-KR" sz="3000" b="1" i="0" u="none" strike="noStrike" dirty="0">
+              <a:rPr lang="en-US" altLang="ko-KR" sz="2500" b="1" i="0" u="none" strike="noStrike" dirty="0">
                 <a:latin typeface="Noto Sans KR ExtraBold" panose="020B0200000000000000" pitchFamily="50" charset="-127"/>
                 <a:ea typeface="Noto Sans KR ExtraBold" panose="020B0200000000000000" pitchFamily="50" charset="-127"/>
               </a:rPr>
               <a:t> </a:t>
             </a:r>
-            <a:endParaRPr lang="ko-KR" altLang="ko-KR" sz="3000" b="1" i="0" u="none" strike="noStrike" dirty="0">
+            <a:endParaRPr lang="ko-KR" altLang="ko-KR" sz="2500" b="1" i="0" u="none" strike="noStrike" dirty="0">
+              <a:latin typeface="Noto Sans KR ExtraBold" panose="020B0200000000000000" pitchFamily="50" charset="-127"/>
+              <a:ea typeface="Noto Sans KR ExtraBold" panose="020B0200000000000000" pitchFamily="50" charset="-127"/>
+            </a:endParaRPr>
+          </a:p>
+        </p:txBody>
+      </p:sp>
+      <p:sp>
+        <p:nvSpPr>
+          <p:cNvPr id="40" name="TextBox 12">
+            <a:extLst>
+              <a:ext uri="{FF2B5EF4-FFF2-40B4-BE49-F238E27FC236}">
+                <a16:creationId xmlns:a16="http://schemas.microsoft.com/office/drawing/2014/main" id="{36BE7578-BC57-428C-BA8A-4C785FB78167}"/>
+              </a:ext>
+            </a:extLst>
+          </p:cNvPr>
+          <p:cNvSpPr txBox="1"/>
+          <p:nvPr/>
+        </p:nvSpPr>
+        <p:spPr>
+          <a:xfrm>
+            <a:off x="18596479" y="4525733"/>
+            <a:ext cx="5384800" cy="850900"/>
+          </a:xfrm>
+          <a:prstGeom prst="rect">
+            <a:avLst/>
+          </a:prstGeom>
+        </p:spPr>
+        <p:txBody>
+          <a:bodyPr rtlCol="0" anchor="t"/>
+          <a:lstStyle/>
+          <a:p>
+            <a:pPr lvl="0" algn="ctr">
+              <a:lnSpc>
+                <a:spcPct val="116199"/>
+              </a:lnSpc>
+            </a:pPr>
+            <a:r>
+              <a:rPr lang="ko-KR" altLang="en-US" sz="5000" b="1" i="0" u="none" strike="noStrike" dirty="0" err="1">
+                <a:solidFill>
+                  <a:srgbClr val="197A52"/>
+                </a:solidFill>
+                <a:latin typeface="Noto Sans KR ExtraBold" panose="020B0200000000000000" pitchFamily="50" charset="-127"/>
+                <a:ea typeface="Noto Sans KR ExtraBold" panose="020B0200000000000000" pitchFamily="50" charset="-127"/>
+              </a:rPr>
+              <a:t>신형섭</a:t>
+            </a:r>
+            <a:endParaRPr lang="en" sz="5000" b="1" i="0" u="none" strike="noStrike" dirty="0">
+              <a:solidFill>
+                <a:srgbClr val="197A52"/>
+              </a:solidFill>
+              <a:latin typeface="Noto Sans KR ExtraBold" panose="020B0200000000000000" pitchFamily="50" charset="-127"/>
+              <a:ea typeface="Noto Sans KR ExtraBold" panose="020B0200000000000000" pitchFamily="50" charset="-127"/>
+            </a:endParaRPr>
+          </a:p>
+        </p:txBody>
+      </p:sp>
+      <p:sp>
+        <p:nvSpPr>
+          <p:cNvPr id="41" name="TextBox 40">
+            <a:extLst>
+              <a:ext uri="{FF2B5EF4-FFF2-40B4-BE49-F238E27FC236}">
+                <a16:creationId xmlns:a16="http://schemas.microsoft.com/office/drawing/2014/main" id="{0EBDAA6F-1B68-4B01-A397-4D9F65F14477}"/>
+              </a:ext>
+            </a:extLst>
+          </p:cNvPr>
+          <p:cNvSpPr txBox="1"/>
+          <p:nvPr/>
+        </p:nvSpPr>
+        <p:spPr>
+          <a:xfrm>
+            <a:off x="19421979" y="6340856"/>
+            <a:ext cx="3733800" cy="575670"/>
+          </a:xfrm>
+          <a:prstGeom prst="rect">
+            <a:avLst/>
+          </a:prstGeom>
+          <a:noFill/>
+        </p:spPr>
+        <p:txBody>
+          <a:bodyPr wrap="square" rtlCol="0">
+            <a:spAutoFit/>
+          </a:bodyPr>
+          <a:lstStyle/>
+          <a:p>
+            <a:pPr lvl="0" algn="ctr">
+              <a:lnSpc>
+                <a:spcPct val="141100"/>
+              </a:lnSpc>
+            </a:pPr>
+            <a:r>
+              <a:rPr lang="ko-KR" altLang="ko-KR" sz="2500" b="1" i="0" u="none" strike="noStrike" dirty="0">
+                <a:latin typeface="Noto Sans KR ExtraBold" panose="020B0200000000000000" pitchFamily="50" charset="-127"/>
+                <a:ea typeface="Noto Sans KR ExtraBold" panose="020B0200000000000000" pitchFamily="50" charset="-127"/>
+              </a:rPr>
+              <a:t>프로젝트</a:t>
+            </a:r>
+            <a:r>
+              <a:rPr lang="en-US" altLang="ko-KR" sz="2500" b="1" i="0" u="none" strike="noStrike" dirty="0">
+                <a:latin typeface="Noto Sans KR ExtraBold" panose="020B0200000000000000" pitchFamily="50" charset="-127"/>
+                <a:ea typeface="Noto Sans KR ExtraBold" panose="020B0200000000000000" pitchFamily="50" charset="-127"/>
+              </a:rPr>
+              <a:t> </a:t>
+            </a:r>
+            <a:r>
+              <a:rPr lang="ko-KR" altLang="en-US" sz="2500" b="1" i="0" u="none" strike="noStrike" dirty="0">
+                <a:latin typeface="Noto Sans KR ExtraBold" panose="020B0200000000000000" pitchFamily="50" charset="-127"/>
+                <a:ea typeface="Noto Sans KR ExtraBold" panose="020B0200000000000000" pitchFamily="50" charset="-127"/>
+              </a:rPr>
+              <a:t>멘토</a:t>
+            </a:r>
+            <a:r>
+              <a:rPr lang="en-US" altLang="ko-KR" sz="2500" b="1" i="0" u="none" strike="noStrike" dirty="0">
+                <a:latin typeface="Noto Sans KR ExtraBold" panose="020B0200000000000000" pitchFamily="50" charset="-127"/>
+                <a:ea typeface="Noto Sans KR ExtraBold" panose="020B0200000000000000" pitchFamily="50" charset="-127"/>
+              </a:rPr>
+              <a:t> </a:t>
+            </a:r>
+            <a:endParaRPr lang="ko-KR" altLang="ko-KR" sz="2500" b="1" i="0" u="none" strike="noStrike" dirty="0">
+              <a:latin typeface="Noto Sans KR ExtraBold" panose="020B0200000000000000" pitchFamily="50" charset="-127"/>
+              <a:ea typeface="Noto Sans KR ExtraBold" panose="020B0200000000000000" pitchFamily="50" charset="-127"/>
+            </a:endParaRPr>
+          </a:p>
+        </p:txBody>
+      </p:sp>
+      <p:sp>
+        <p:nvSpPr>
+          <p:cNvPr id="44" name="TextBox 11">
+            <a:extLst>
+              <a:ext uri="{FF2B5EF4-FFF2-40B4-BE49-F238E27FC236}">
+                <a16:creationId xmlns:a16="http://schemas.microsoft.com/office/drawing/2014/main" id="{7D0FAD06-7F0D-49F8-B7B3-31C6945EADFC}"/>
+              </a:ext>
+            </a:extLst>
+          </p:cNvPr>
+          <p:cNvSpPr txBox="1"/>
+          <p:nvPr/>
+        </p:nvSpPr>
+        <p:spPr>
+          <a:xfrm>
+            <a:off x="19306461" y="7326573"/>
+            <a:ext cx="6471455" cy="3352800"/>
+          </a:xfrm>
+          <a:prstGeom prst="rect">
+            <a:avLst/>
+          </a:prstGeom>
+        </p:spPr>
+        <p:txBody>
+          <a:bodyPr rtlCol="0" anchor="t"/>
+          <a:lstStyle/>
+          <a:p>
+            <a:pPr lvl="0">
+              <a:lnSpc>
+                <a:spcPct val="200000"/>
+              </a:lnSpc>
+            </a:pPr>
+            <a:r>
+              <a:rPr lang="en-US" sz="3000" b="0" i="0" u="none" strike="noStrike" dirty="0">
+                <a:latin typeface="Noto Sans KR ExtraBold" panose="020B0200000000000000" pitchFamily="50" charset="-127"/>
+                <a:ea typeface="Noto Sans KR ExtraBold" panose="020B0200000000000000" pitchFamily="50" charset="-127"/>
+              </a:rPr>
+              <a:t>           </a:t>
+            </a:r>
+            <a:endParaRPr lang="ko-KR" sz="3000" b="0" i="0" u="none" strike="noStrike" dirty="0">
+              <a:latin typeface="Noto Sans KR ExtraBold" panose="020B0200000000000000" pitchFamily="50" charset="-127"/>
+              <a:ea typeface="Noto Sans KR ExtraBold" panose="020B0200000000000000" pitchFamily="50" charset="-127"/>
+            </a:endParaRPr>
+          </a:p>
+          <a:p>
+            <a:pPr marL="457200" lvl="0" indent="-457200">
+              <a:lnSpc>
+                <a:spcPct val="200000"/>
+              </a:lnSpc>
+              <a:buFontTx/>
+              <a:buChar char="-"/>
+            </a:pPr>
+            <a:r>
+              <a:rPr lang="ko-KR" altLang="en-US" sz="3000" b="0" i="0" u="none" strike="noStrike" dirty="0">
+                <a:latin typeface="Noto Sans KR ExtraBold" panose="020B0200000000000000" pitchFamily="50" charset="-127"/>
+                <a:ea typeface="Noto Sans KR ExtraBold" panose="020B0200000000000000" pitchFamily="50" charset="-127"/>
+              </a:rPr>
+              <a:t>프로젝트 총괄 지도</a:t>
+            </a:r>
+            <a:endParaRPr lang="en-US" altLang="ko-KR" sz="3000" dirty="0">
+              <a:latin typeface="Noto Sans KR ExtraBold" panose="020B0200000000000000" pitchFamily="50" charset="-127"/>
+              <a:ea typeface="Noto Sans KR ExtraBold" panose="020B0200000000000000" pitchFamily="50" charset="-127"/>
+            </a:endParaRPr>
+          </a:p>
+          <a:p>
+            <a:pPr marL="457200" lvl="0" indent="-457200">
+              <a:lnSpc>
+                <a:spcPct val="200000"/>
+              </a:lnSpc>
+              <a:buFontTx/>
+              <a:buChar char="-"/>
+            </a:pPr>
+            <a:r>
+              <a:rPr lang="ko-KR" altLang="en-US" sz="3000" dirty="0">
+                <a:latin typeface="Noto Sans KR ExtraBold" panose="020B0200000000000000" pitchFamily="50" charset="-127"/>
+                <a:ea typeface="Noto Sans KR ExtraBold" panose="020B0200000000000000" pitchFamily="50" charset="-127"/>
+              </a:rPr>
+              <a:t>실무 위주 피드백 제공</a:t>
+            </a:r>
+            <a:br>
+              <a:rPr lang="ko-KR" sz="3000" b="0" i="0" u="none" strike="noStrike" dirty="0">
+                <a:latin typeface="Noto Sans KR ExtraBold" panose="020B0200000000000000" pitchFamily="50" charset="-127"/>
+                <a:ea typeface="Noto Sans KR ExtraBold" panose="020B0200000000000000" pitchFamily="50" charset="-127"/>
+              </a:rPr>
+            </a:br>
+            <a:endParaRPr lang="ko-KR" sz="3000" b="0" i="0" u="none" strike="noStrike" dirty="0">
               <a:latin typeface="Noto Sans KR ExtraBold" panose="020B0200000000000000" pitchFamily="50" charset="-127"/>
               <a:ea typeface="Noto Sans KR ExtraBold" panose="020B0200000000000000" pitchFamily="50" charset="-127"/>
             </a:endParaRPr>
@@ -25723,7 +26487,7 @@
                 <a:latin typeface="Noto Sans KR ExtraBold" panose="020B0200000000000000" pitchFamily="50" charset="-127"/>
                 <a:ea typeface="Noto Sans KR ExtraBold" panose="020B0200000000000000" pitchFamily="50" charset="-127"/>
               </a:rPr>
-              <a:t>   </a:t>
+              <a:t>     </a:t>
             </a:r>
             <a:r>
               <a:rPr lang="ko-KR" altLang="en-US" sz="5400" dirty="0">
@@ -25823,16 +26587,6 @@
                 <a:spcPct val="116199"/>
               </a:lnSpc>
             </a:pPr>
-            <a:r>
-              <a:rPr lang="en-US" altLang="ko-KR" sz="6000" b="0" i="0" u="none" strike="noStrike" spc="-133" dirty="0">
-                <a:solidFill>
-                  <a:srgbClr val="197A52"/>
-                </a:solidFill>
-                <a:latin typeface="Noto Sans KR ExtraBold" panose="020B0200000000000000" pitchFamily="50" charset="-127"/>
-                <a:ea typeface="Noto Sans KR ExtraBold" panose="020B0200000000000000" pitchFamily="50" charset="-127"/>
-              </a:rPr>
-              <a:t>1. </a:t>
-            </a:r>
             <a:r>
               <a:rPr lang="ko-KR" altLang="en-US" sz="6000" b="0" i="0" u="none" strike="noStrike" spc="-133" dirty="0">
                 <a:solidFill>

--- a/Slide/B팀_Claude_뇌출혈 조기 진단 프로젝트.pptx
+++ b/Slide/B팀_Claude_뇌출혈 조기 진단 프로젝트.pptx
@@ -274,7 +274,7 @@
             <a:fld id="{199B0B15-B3E4-41E0-8C00-BEF0642D7BEB}" type="datetimeFigureOut">
               <a:rPr lang="ko-KR" altLang="en-US" smtClean="0"/>
               <a:pPr/>
-              <a:t>2025-12-05</a:t>
+              <a:t>2025-12-09</a:t>
             </a:fld>
             <a:endParaRPr lang="ko-KR" altLang="en-US"/>
           </a:p>
@@ -1076,7 +1076,7 @@
             <a:fld id="{1D8BD707-D9CF-40AE-B4C6-C98DA3205C09}" type="datetimeFigureOut">
               <a:rPr lang="en-US" smtClean="0"/>
               <a:pPr/>
-              <a:t>12/5/2025</a:t>
+              <a:t>12/9/2025</a:t>
             </a:fld>
             <a:endParaRPr lang="en-US"/>
           </a:p>
@@ -1241,7 +1241,7 @@
             <a:fld id="{1D8BD707-D9CF-40AE-B4C6-C98DA3205C09}" type="datetimeFigureOut">
               <a:rPr lang="en-US" smtClean="0"/>
               <a:pPr/>
-              <a:t>12/5/2025</a:t>
+              <a:t>12/9/2025</a:t>
             </a:fld>
             <a:endParaRPr lang="en-US"/>
           </a:p>
@@ -1416,7 +1416,7 @@
             <a:fld id="{1D8BD707-D9CF-40AE-B4C6-C98DA3205C09}" type="datetimeFigureOut">
               <a:rPr lang="en-US" smtClean="0"/>
               <a:pPr/>
-              <a:t>12/5/2025</a:t>
+              <a:t>12/9/2025</a:t>
             </a:fld>
             <a:endParaRPr lang="en-US"/>
           </a:p>
@@ -1611,7 +1611,7 @@
             <a:fld id="{1D8BD707-D9CF-40AE-B4C6-C98DA3205C09}" type="datetimeFigureOut">
               <a:rPr lang="en-US" smtClean="0"/>
               <a:pPr/>
-              <a:t>12/5/2025</a:t>
+              <a:t>12/9/2025</a:t>
             </a:fld>
             <a:endParaRPr lang="en-US"/>
           </a:p>
@@ -1853,7 +1853,7 @@
             <a:fld id="{1D8BD707-D9CF-40AE-B4C6-C98DA3205C09}" type="datetimeFigureOut">
               <a:rPr lang="en-US" smtClean="0"/>
               <a:pPr/>
-              <a:t>12/5/2025</a:t>
+              <a:t>12/9/2025</a:t>
             </a:fld>
             <a:endParaRPr lang="en-US"/>
           </a:p>
@@ -2135,7 +2135,7 @@
             <a:fld id="{1D8BD707-D9CF-40AE-B4C6-C98DA3205C09}" type="datetimeFigureOut">
               <a:rPr lang="en-US" smtClean="0"/>
               <a:pPr/>
-              <a:t>12/5/2025</a:t>
+              <a:t>12/9/2025</a:t>
             </a:fld>
             <a:endParaRPr lang="en-US"/>
           </a:p>
@@ -2551,7 +2551,7 @@
             <a:fld id="{1D8BD707-D9CF-40AE-B4C6-C98DA3205C09}" type="datetimeFigureOut">
               <a:rPr lang="en-US" smtClean="0"/>
               <a:pPr/>
-              <a:t>12/5/2025</a:t>
+              <a:t>12/9/2025</a:t>
             </a:fld>
             <a:endParaRPr lang="en-US"/>
           </a:p>
@@ -2665,7 +2665,7 @@
             <a:fld id="{1D8BD707-D9CF-40AE-B4C6-C98DA3205C09}" type="datetimeFigureOut">
               <a:rPr lang="en-US" smtClean="0"/>
               <a:pPr/>
-              <a:t>12/5/2025</a:t>
+              <a:t>12/9/2025</a:t>
             </a:fld>
             <a:endParaRPr lang="en-US"/>
           </a:p>
@@ -2757,7 +2757,7 @@
             <a:fld id="{1D8BD707-D9CF-40AE-B4C6-C98DA3205C09}" type="datetimeFigureOut">
               <a:rPr lang="en-US" smtClean="0"/>
               <a:pPr/>
-              <a:t>12/5/2025</a:t>
+              <a:t>12/9/2025</a:t>
             </a:fld>
             <a:endParaRPr lang="en-US"/>
           </a:p>
@@ -3029,7 +3029,7 @@
             <a:fld id="{1D8BD707-D9CF-40AE-B4C6-C98DA3205C09}" type="datetimeFigureOut">
               <a:rPr lang="en-US" smtClean="0"/>
               <a:pPr/>
-              <a:t>12/5/2025</a:t>
+              <a:t>12/9/2025</a:t>
             </a:fld>
             <a:endParaRPr lang="en-US"/>
           </a:p>
@@ -3278,7 +3278,7 @@
             <a:fld id="{1D8BD707-D9CF-40AE-B4C6-C98DA3205C09}" type="datetimeFigureOut">
               <a:rPr lang="en-US" smtClean="0"/>
               <a:pPr/>
-              <a:t>12/5/2025</a:t>
+              <a:t>12/9/2025</a:t>
             </a:fld>
             <a:endParaRPr lang="en-US"/>
           </a:p>
@@ -3486,7 +3486,7 @@
             <a:fld id="{1D8BD707-D9CF-40AE-B4C6-C98DA3205C09}" type="datetimeFigureOut">
               <a:rPr lang="en-US" smtClean="0"/>
               <a:pPr/>
-              <a:t>12/5/2025</a:t>
+              <a:t>12/9/2025</a:t>
             </a:fld>
             <a:endParaRPr lang="en-US"/>
           </a:p>
@@ -12419,7 +12419,7 @@
                 <a:latin typeface="Noto Sans KR ExtraBold" panose="020B0200000000000000" pitchFamily="50" charset="-127"/>
                 <a:ea typeface="Noto Sans KR ExtraBold" panose="020B0200000000000000" pitchFamily="50" charset="-127"/>
               </a:rPr>
-              <a:t>회원가입</a:t>
+              <a:t>예측 기능</a:t>
             </a:r>
             <a:r>
               <a:rPr lang="en-US" altLang="ko-KR" sz="5400" dirty="0">
@@ -12433,7 +12433,7 @@
                 <a:latin typeface="Noto Sans KR ExtraBold" panose="020B0200000000000000" pitchFamily="50" charset="-127"/>
                 <a:ea typeface="Noto Sans KR ExtraBold" panose="020B0200000000000000" pitchFamily="50" charset="-127"/>
               </a:rPr>
-              <a:t>예측 기능 화면</a:t>
+              <a:t>마이페이지 </a:t>
             </a:r>
             <a:endParaRPr lang="en-US" altLang="ko-KR" sz="5400" dirty="0">
               <a:latin typeface="Noto Sans KR ExtraBold" panose="020B0200000000000000" pitchFamily="50" charset="-127"/>
@@ -13536,7 +13536,7 @@
                 <a:latin typeface="Noto Sans KR ExtraBold" panose="020B0200000000000000" pitchFamily="50" charset="-127"/>
                 <a:ea typeface="Noto Sans KR ExtraBold" panose="020B0200000000000000" pitchFamily="50" charset="-127"/>
               </a:rPr>
-              <a:t>1) </a:t>
+              <a:t>3) </a:t>
             </a:r>
             <a:r>
               <a:rPr lang="ko-KR" altLang="en-US" sz="5000" dirty="0">
@@ -13803,7 +13803,14 @@
                 <a:latin typeface="Noto Sans KR ExtraBold" panose="020B0200000000000000" pitchFamily="50" charset="-127"/>
                 <a:ea typeface="Noto Sans KR ExtraBold" panose="020B0200000000000000" pitchFamily="50" charset="-127"/>
               </a:rPr>
-              <a:t>2) </a:t>
+              <a:t>4</a:t>
+            </a:r>
+            <a:r>
+              <a:rPr lang="en-US" altLang="ko-KR" sz="5000">
+                <a:latin typeface="Noto Sans KR ExtraBold" panose="020B0200000000000000" pitchFamily="50" charset="-127"/>
+                <a:ea typeface="Noto Sans KR ExtraBold" panose="020B0200000000000000" pitchFamily="50" charset="-127"/>
+              </a:rPr>
+              <a:t>) </a:t>
             </a:r>
             <a:r>
               <a:rPr lang="ko-KR" altLang="en-US" sz="5000" dirty="0">
